--- a/Projekstrukturplan/Projektstrukturplan.pptx
+++ b/Projekstrukturplan/Projektstrukturplan.pptx
@@ -115,7 +115,7 @@
 <file path=ppt/revisionInfo.xml><?xml version="1.0" encoding="utf-8"?>
 <p1510:revInfo xmlns:a="http://schemas.openxmlformats.org/drawingml/2006/main" xmlns:r="http://schemas.openxmlformats.org/officeDocument/2006/relationships" xmlns:p1510="http://schemas.microsoft.com/office/powerpoint/2015/10/main">
   <p1510:revLst>
-    <p1510:client id="{17478502-458A-4BC5-81FC-6170B37076C2}" v="255" dt="2025-02-06T08:00:33.962"/>
+    <p1510:client id="{17478502-458A-4BC5-81FC-6170B37076C2}" v="382" dt="2025-02-06T09:21:30.061"/>
   </p1510:revLst>
 </p1510:revInfo>
 </file>
@@ -125,18 +125,18 @@
   <pc:docChgLst>
     <pc:chgData userId="963d3fb2c2a9e4a8" providerId="LiveId" clId="{17478502-458A-4BC5-81FC-6170B37076C2}"/>
     <pc:docChg chg="modSld">
-      <pc:chgData name="" userId="963d3fb2c2a9e4a8" providerId="LiveId" clId="{17478502-458A-4BC5-81FC-6170B37076C2}" dt="2025-02-06T08:00:33.962" v="240" actId="1037"/>
+      <pc:chgData name="" userId="963d3fb2c2a9e4a8" providerId="LiveId" clId="{17478502-458A-4BC5-81FC-6170B37076C2}" dt="2025-02-06T09:21:30.061" v="362" actId="20577"/>
       <pc:docMkLst>
         <pc:docMk/>
       </pc:docMkLst>
       <pc:sldChg chg="addSp modSp">
-        <pc:chgData name="" userId="963d3fb2c2a9e4a8" providerId="LiveId" clId="{17478502-458A-4BC5-81FC-6170B37076C2}" dt="2025-02-06T08:00:33.962" v="240" actId="1037"/>
+        <pc:chgData name="" userId="963d3fb2c2a9e4a8" providerId="LiveId" clId="{17478502-458A-4BC5-81FC-6170B37076C2}" dt="2025-02-06T09:21:30.061" v="362" actId="20577"/>
         <pc:sldMkLst>
           <pc:docMk/>
           <pc:sldMk cId="2823154653" sldId="256"/>
         </pc:sldMkLst>
         <pc:spChg chg="add mod">
-          <ac:chgData name="" userId="963d3fb2c2a9e4a8" providerId="LiveId" clId="{17478502-458A-4BC5-81FC-6170B37076C2}" dt="2025-02-06T08:00:33.962" v="240" actId="1037"/>
+          <ac:chgData name="" userId="963d3fb2c2a9e4a8" providerId="LiveId" clId="{17478502-458A-4BC5-81FC-6170B37076C2}" dt="2025-02-06T09:20:16.686" v="357" actId="1038"/>
           <ac:spMkLst>
             <pc:docMk/>
             <pc:sldMk cId="2823154653" sldId="256"/>
@@ -144,7 +144,7 @@
           </ac:spMkLst>
         </pc:spChg>
         <pc:graphicFrameChg chg="mod">
-          <ac:chgData name="" userId="963d3fb2c2a9e4a8" providerId="LiveId" clId="{17478502-458A-4BC5-81FC-6170B37076C2}" dt="2025-02-06T07:59:13.439" v="223" actId="20577"/>
+          <ac:chgData name="" userId="963d3fb2c2a9e4a8" providerId="LiveId" clId="{17478502-458A-4BC5-81FC-6170B37076C2}" dt="2025-02-06T09:21:30.061" v="362" actId="20577"/>
           <ac:graphicFrameMkLst>
             <pc:docMk/>
             <pc:sldMk cId="2823154653" sldId="256"/>
@@ -1001,10 +1001,12 @@
         <a:lstStyle/>
         <a:p>
           <a:r>
-            <a:rPr lang="de-DE" sz="1200" b="1" dirty="0"/>
-            <a:t>Nährwertrechner</a:t>
-          </a:r>
-          <a:endParaRPr lang="de-DE" sz="800" b="1" dirty="0"/>
+            <a:rPr lang="de-DE" sz="1000" b="1" dirty="0">
+              <a:latin typeface="Arial" panose="020B0604020202020204" pitchFamily="34" charset="0"/>
+              <a:cs typeface="Arial" panose="020B0604020202020204" pitchFamily="34" charset="0"/>
+            </a:rPr>
+            <a:t>Smart Nutrition Planner</a:t>
+          </a:r>
         </a:p>
       </dgm:t>
     </dgm:pt>
@@ -1057,7 +1059,10 @@
             <a:buAutoNum type="arabicPeriod"/>
           </a:pPr>
           <a:r>
-            <a:rPr lang="de-DE" sz="600" b="1" dirty="0"/>
+            <a:rPr lang="de-DE" sz="600" b="1" dirty="0">
+              <a:latin typeface="Arial" panose="020B0604020202020204" pitchFamily="34" charset="0"/>
+              <a:cs typeface="Arial" panose="020B0604020202020204" pitchFamily="34" charset="0"/>
+            </a:rPr>
             <a:t>1.Initialisierungsphase</a:t>
           </a:r>
         </a:p>
@@ -1070,7 +1075,10 @@
         <a:bodyPr/>
         <a:lstStyle/>
         <a:p>
-          <a:endParaRPr lang="de-DE" sz="1800"/>
+          <a:endParaRPr lang="de-DE" sz="1800">
+            <a:latin typeface="Arial" panose="020B0604020202020204" pitchFamily="34" charset="0"/>
+            <a:cs typeface="Arial" panose="020B0604020202020204" pitchFamily="34" charset="0"/>
+          </a:endParaRPr>
         </a:p>
       </dgm:t>
     </dgm:pt>
@@ -1112,15 +1120,24 @@
             <a:buAutoNum type="arabicPeriod"/>
           </a:pPr>
           <a:r>
-            <a:rPr lang="de-DE" sz="500"/>
+            <a:rPr lang="de-DE" sz="500" dirty="0">
+              <a:latin typeface="Arial" panose="020B0604020202020204" pitchFamily="34" charset="0"/>
+              <a:cs typeface="Arial" panose="020B0604020202020204" pitchFamily="34" charset="0"/>
+            </a:rPr>
             <a:t>Projektdefinition und Zielsetzung</a:t>
           </a:r>
           <a:br>
-            <a:rPr lang="de-DE" sz="500"/>
+            <a:rPr lang="de-DE" sz="500" dirty="0">
+              <a:latin typeface="Arial" panose="020B0604020202020204" pitchFamily="34" charset="0"/>
+              <a:cs typeface="Arial" panose="020B0604020202020204" pitchFamily="34" charset="0"/>
+            </a:rPr>
           </a:br>
           <a:r>
-            <a:rPr lang="de-DE" sz="500"/>
-            <a:t>TP1.1</a:t>
+            <a:rPr lang="de-DE" sz="500" dirty="0">
+              <a:latin typeface="Arial" panose="020B0604020202020204" pitchFamily="34" charset="0"/>
+              <a:cs typeface="Arial" panose="020B0604020202020204" pitchFamily="34" charset="0"/>
+            </a:rPr>
+            <a:t>TA1.1</a:t>
           </a:r>
         </a:p>
       </dgm:t>
@@ -1132,7 +1149,10 @@
         <a:bodyPr/>
         <a:lstStyle/>
         <a:p>
-          <a:endParaRPr lang="de-DE" sz="1800"/>
+          <a:endParaRPr lang="de-DE" sz="1800">
+            <a:latin typeface="Arial" panose="020B0604020202020204" pitchFamily="34" charset="0"/>
+            <a:cs typeface="Arial" panose="020B0604020202020204" pitchFamily="34" charset="0"/>
+          </a:endParaRPr>
         </a:p>
       </dgm:t>
     </dgm:pt>
@@ -1177,21 +1197,36 @@
             <a:buAutoNum type="arabicPeriod"/>
           </a:pPr>
           <a:r>
-            <a:rPr lang="de-DE" sz="500" dirty="0"/>
+            <a:rPr lang="de-DE" sz="500" dirty="0">
+              <a:latin typeface="Arial" panose="020B0604020202020204" pitchFamily="34" charset="0"/>
+              <a:cs typeface="Arial" panose="020B0604020202020204" pitchFamily="34" charset="0"/>
+            </a:rPr>
             <a:t>AP1</a:t>
           </a:r>
           <a:br>
-            <a:rPr lang="de-DE" sz="500" dirty="0"/>
+            <a:rPr lang="de-DE" sz="500" dirty="0">
+              <a:latin typeface="Arial" panose="020B0604020202020204" pitchFamily="34" charset="0"/>
+              <a:cs typeface="Arial" panose="020B0604020202020204" pitchFamily="34" charset="0"/>
+            </a:rPr>
           </a:br>
           <a:r>
-            <a:rPr lang="de-DE" sz="500" dirty="0"/>
+            <a:rPr lang="de-DE" sz="500" dirty="0">
+              <a:latin typeface="Arial" panose="020B0604020202020204" pitchFamily="34" charset="0"/>
+              <a:cs typeface="Arial" panose="020B0604020202020204" pitchFamily="34" charset="0"/>
+            </a:rPr>
             <a:t>Auftragsklärung</a:t>
           </a:r>
           <a:br>
-            <a:rPr lang="de-DE" sz="500" dirty="0"/>
+            <a:rPr lang="de-DE" sz="500" dirty="0">
+              <a:latin typeface="Arial" panose="020B0604020202020204" pitchFamily="34" charset="0"/>
+              <a:cs typeface="Arial" panose="020B0604020202020204" pitchFamily="34" charset="0"/>
+            </a:rPr>
           </a:br>
           <a:r>
-            <a:rPr lang="de-DE" sz="500" dirty="0"/>
+            <a:rPr lang="de-DE" sz="500" dirty="0">
+              <a:latin typeface="Arial" panose="020B0604020202020204" pitchFamily="34" charset="0"/>
+              <a:cs typeface="Arial" panose="020B0604020202020204" pitchFamily="34" charset="0"/>
+            </a:rPr>
             <a:t>1.1.1</a:t>
           </a:r>
         </a:p>
@@ -1204,7 +1239,10 @@
         <a:bodyPr/>
         <a:lstStyle/>
         <a:p>
-          <a:endParaRPr lang="de-DE" sz="1800"/>
+          <a:endParaRPr lang="de-DE" sz="1800">
+            <a:latin typeface="Arial" panose="020B0604020202020204" pitchFamily="34" charset="0"/>
+            <a:cs typeface="Arial" panose="020B0604020202020204" pitchFamily="34" charset="0"/>
+          </a:endParaRPr>
         </a:p>
       </dgm:t>
     </dgm:pt>
@@ -1248,21 +1286,36 @@
             <a:buAutoNum type="arabicPeriod"/>
           </a:pPr>
           <a:r>
-            <a:rPr lang="de-DE" sz="500" dirty="0"/>
+            <a:rPr lang="de-DE" sz="500" dirty="0">
+              <a:latin typeface="Arial" panose="020B0604020202020204" pitchFamily="34" charset="0"/>
+              <a:cs typeface="Arial" panose="020B0604020202020204" pitchFamily="34" charset="0"/>
+            </a:rPr>
             <a:t>AP2</a:t>
           </a:r>
           <a:br>
-            <a:rPr lang="de-DE" sz="500" dirty="0"/>
+            <a:rPr lang="de-DE" sz="500" dirty="0">
+              <a:latin typeface="Arial" panose="020B0604020202020204" pitchFamily="34" charset="0"/>
+              <a:cs typeface="Arial" panose="020B0604020202020204" pitchFamily="34" charset="0"/>
+            </a:rPr>
           </a:br>
           <a:r>
-            <a:rPr lang="de-DE" sz="500" dirty="0"/>
+            <a:rPr lang="de-DE" sz="500" dirty="0">
+              <a:latin typeface="Arial" panose="020B0604020202020204" pitchFamily="34" charset="0"/>
+              <a:cs typeface="Arial" panose="020B0604020202020204" pitchFamily="34" charset="0"/>
+            </a:rPr>
             <a:t>Definition des Projektumfangs</a:t>
           </a:r>
           <a:br>
-            <a:rPr lang="de-DE" sz="500" dirty="0"/>
+            <a:rPr lang="de-DE" sz="500" dirty="0">
+              <a:latin typeface="Arial" panose="020B0604020202020204" pitchFamily="34" charset="0"/>
+              <a:cs typeface="Arial" panose="020B0604020202020204" pitchFamily="34" charset="0"/>
+            </a:rPr>
           </a:br>
           <a:r>
-            <a:rPr lang="de-DE" sz="500" dirty="0"/>
+            <a:rPr lang="de-DE" sz="500" dirty="0">
+              <a:latin typeface="Arial" panose="020B0604020202020204" pitchFamily="34" charset="0"/>
+              <a:cs typeface="Arial" panose="020B0604020202020204" pitchFamily="34" charset="0"/>
+            </a:rPr>
             <a:t>1.1.2</a:t>
           </a:r>
         </a:p>
@@ -1275,7 +1328,10 @@
         <a:bodyPr/>
         <a:lstStyle/>
         <a:p>
-          <a:endParaRPr lang="de-DE" sz="1800"/>
+          <a:endParaRPr lang="de-DE" sz="1800">
+            <a:latin typeface="Arial" panose="020B0604020202020204" pitchFamily="34" charset="0"/>
+            <a:cs typeface="Arial" panose="020B0604020202020204" pitchFamily="34" charset="0"/>
+          </a:endParaRPr>
         </a:p>
       </dgm:t>
     </dgm:pt>
@@ -1319,21 +1375,36 @@
             <a:buAutoNum type="arabicPeriod"/>
           </a:pPr>
           <a:r>
-            <a:rPr lang="de-DE" sz="500" dirty="0"/>
+            <a:rPr lang="de-DE" sz="500" dirty="0">
+              <a:latin typeface="Arial" panose="020B0604020202020204" pitchFamily="34" charset="0"/>
+              <a:cs typeface="Arial" panose="020B0604020202020204" pitchFamily="34" charset="0"/>
+            </a:rPr>
             <a:t>AP3</a:t>
           </a:r>
           <a:br>
-            <a:rPr lang="de-DE" sz="500" dirty="0"/>
+            <a:rPr lang="de-DE" sz="500" dirty="0">
+              <a:latin typeface="Arial" panose="020B0604020202020204" pitchFamily="34" charset="0"/>
+              <a:cs typeface="Arial" panose="020B0604020202020204" pitchFamily="34" charset="0"/>
+            </a:rPr>
           </a:br>
           <a:r>
-            <a:rPr lang="de-DE" sz="500" dirty="0"/>
+            <a:rPr lang="de-DE" sz="500" dirty="0">
+              <a:latin typeface="Arial" panose="020B0604020202020204" pitchFamily="34" charset="0"/>
+              <a:cs typeface="Arial" panose="020B0604020202020204" pitchFamily="34" charset="0"/>
+            </a:rPr>
             <a:t>Anforderungsanalyse</a:t>
           </a:r>
           <a:br>
-            <a:rPr lang="de-DE" sz="500" dirty="0"/>
+            <a:rPr lang="de-DE" sz="500" dirty="0">
+              <a:latin typeface="Arial" panose="020B0604020202020204" pitchFamily="34" charset="0"/>
+              <a:cs typeface="Arial" panose="020B0604020202020204" pitchFamily="34" charset="0"/>
+            </a:rPr>
           </a:br>
           <a:r>
-            <a:rPr lang="de-DE" sz="500" dirty="0"/>
+            <a:rPr lang="de-DE" sz="500" dirty="0">
+              <a:latin typeface="Arial" panose="020B0604020202020204" pitchFamily="34" charset="0"/>
+              <a:cs typeface="Arial" panose="020B0604020202020204" pitchFamily="34" charset="0"/>
+            </a:rPr>
             <a:t>1.1.3</a:t>
           </a:r>
         </a:p>
@@ -1346,7 +1417,10 @@
         <a:bodyPr/>
         <a:lstStyle/>
         <a:p>
-          <a:endParaRPr lang="de-DE" sz="1800"/>
+          <a:endParaRPr lang="de-DE" sz="1800">
+            <a:latin typeface="Arial" panose="020B0604020202020204" pitchFamily="34" charset="0"/>
+            <a:cs typeface="Arial" panose="020B0604020202020204" pitchFamily="34" charset="0"/>
+          </a:endParaRPr>
         </a:p>
       </dgm:t>
     </dgm:pt>
@@ -1388,7 +1462,10 @@
             <a:buAutoNum type="arabicPeriod"/>
           </a:pPr>
           <a:r>
-            <a:rPr lang="de-DE" sz="600" b="1" dirty="0"/>
+            <a:rPr lang="de-DE" sz="600" b="1" dirty="0">
+              <a:latin typeface="Arial" panose="020B0604020202020204" pitchFamily="34" charset="0"/>
+              <a:cs typeface="Arial" panose="020B0604020202020204" pitchFamily="34" charset="0"/>
+            </a:rPr>
             <a:t>2.Planungsphase</a:t>
           </a:r>
         </a:p>
@@ -1401,7 +1478,10 @@
         <a:bodyPr/>
         <a:lstStyle/>
         <a:p>
-          <a:endParaRPr lang="de-DE" sz="1800"/>
+          <a:endParaRPr lang="de-DE" sz="1800">
+            <a:latin typeface="Arial" panose="020B0604020202020204" pitchFamily="34" charset="0"/>
+            <a:cs typeface="Arial" panose="020B0604020202020204" pitchFamily="34" charset="0"/>
+          </a:endParaRPr>
         </a:p>
       </dgm:t>
     </dgm:pt>
@@ -1443,15 +1523,24 @@
             <a:buAutoNum type="arabicPeriod"/>
           </a:pPr>
           <a:r>
-            <a:rPr lang="de-DE" sz="500"/>
+            <a:rPr lang="de-DE" sz="500" dirty="0">
+              <a:latin typeface="Arial" panose="020B0604020202020204" pitchFamily="34" charset="0"/>
+              <a:cs typeface="Arial" panose="020B0604020202020204" pitchFamily="34" charset="0"/>
+            </a:rPr>
             <a:t>Projektstrukturierung</a:t>
           </a:r>
           <a:br>
-            <a:rPr lang="de-DE" sz="500"/>
+            <a:rPr lang="de-DE" sz="500" dirty="0">
+              <a:latin typeface="Arial" panose="020B0604020202020204" pitchFamily="34" charset="0"/>
+              <a:cs typeface="Arial" panose="020B0604020202020204" pitchFamily="34" charset="0"/>
+            </a:rPr>
           </a:br>
           <a:r>
-            <a:rPr lang="de-DE" sz="500"/>
-            <a:t>TP2.1</a:t>
+            <a:rPr lang="de-DE" sz="500" dirty="0">
+              <a:latin typeface="Arial" panose="020B0604020202020204" pitchFamily="34" charset="0"/>
+              <a:cs typeface="Arial" panose="020B0604020202020204" pitchFamily="34" charset="0"/>
+            </a:rPr>
+            <a:t>TA2.1</a:t>
           </a:r>
         </a:p>
       </dgm:t>
@@ -1463,7 +1552,10 @@
         <a:bodyPr/>
         <a:lstStyle/>
         <a:p>
-          <a:endParaRPr lang="de-DE" sz="1800"/>
+          <a:endParaRPr lang="de-DE" sz="1800">
+            <a:latin typeface="Arial" panose="020B0604020202020204" pitchFamily="34" charset="0"/>
+            <a:cs typeface="Arial" panose="020B0604020202020204" pitchFamily="34" charset="0"/>
+          </a:endParaRPr>
         </a:p>
       </dgm:t>
     </dgm:pt>
@@ -1507,21 +1599,36 @@
             <a:buAutoNum type="arabicPeriod"/>
           </a:pPr>
           <a:r>
-            <a:rPr lang="de-DE" sz="500" dirty="0"/>
+            <a:rPr lang="de-DE" sz="500" dirty="0">
+              <a:latin typeface="Arial" panose="020B0604020202020204" pitchFamily="34" charset="0"/>
+              <a:cs typeface="Arial" panose="020B0604020202020204" pitchFamily="34" charset="0"/>
+            </a:rPr>
             <a:t>AP1</a:t>
           </a:r>
           <a:br>
-            <a:rPr lang="de-DE" sz="500" dirty="0"/>
+            <a:rPr lang="de-DE" sz="500" dirty="0">
+              <a:latin typeface="Arial" panose="020B0604020202020204" pitchFamily="34" charset="0"/>
+              <a:cs typeface="Arial" panose="020B0604020202020204" pitchFamily="34" charset="0"/>
+            </a:rPr>
           </a:br>
           <a:r>
-            <a:rPr lang="de-DE" sz="500" dirty="0"/>
+            <a:rPr lang="de-DE" sz="500" dirty="0">
+              <a:latin typeface="Arial" panose="020B0604020202020204" pitchFamily="34" charset="0"/>
+              <a:cs typeface="Arial" panose="020B0604020202020204" pitchFamily="34" charset="0"/>
+            </a:rPr>
             <a:t>Arbeitspakete definieren</a:t>
           </a:r>
           <a:br>
-            <a:rPr lang="de-DE" sz="500" dirty="0"/>
+            <a:rPr lang="de-DE" sz="500" dirty="0">
+              <a:latin typeface="Arial" panose="020B0604020202020204" pitchFamily="34" charset="0"/>
+              <a:cs typeface="Arial" panose="020B0604020202020204" pitchFamily="34" charset="0"/>
+            </a:rPr>
           </a:br>
           <a:r>
-            <a:rPr lang="de-DE" sz="500" dirty="0"/>
+            <a:rPr lang="de-DE" sz="500" dirty="0">
+              <a:latin typeface="Arial" panose="020B0604020202020204" pitchFamily="34" charset="0"/>
+              <a:cs typeface="Arial" panose="020B0604020202020204" pitchFamily="34" charset="0"/>
+            </a:rPr>
             <a:t>2.1.1</a:t>
           </a:r>
         </a:p>
@@ -1534,7 +1641,10 @@
         <a:bodyPr/>
         <a:lstStyle/>
         <a:p>
-          <a:endParaRPr lang="de-DE" sz="1800"/>
+          <a:endParaRPr lang="de-DE" sz="1800">
+            <a:latin typeface="Arial" panose="020B0604020202020204" pitchFamily="34" charset="0"/>
+            <a:cs typeface="Arial" panose="020B0604020202020204" pitchFamily="34" charset="0"/>
+          </a:endParaRPr>
         </a:p>
       </dgm:t>
     </dgm:pt>
@@ -1578,21 +1688,36 @@
             <a:buAutoNum type="arabicPeriod"/>
           </a:pPr>
           <a:r>
-            <a:rPr lang="de-DE" sz="500" dirty="0"/>
+            <a:rPr lang="de-DE" sz="500" dirty="0">
+              <a:latin typeface="Arial" panose="020B0604020202020204" pitchFamily="34" charset="0"/>
+              <a:cs typeface="Arial" panose="020B0604020202020204" pitchFamily="34" charset="0"/>
+            </a:rPr>
             <a:t>AP2</a:t>
           </a:r>
           <a:br>
-            <a:rPr lang="de-DE" sz="500" dirty="0"/>
+            <a:rPr lang="de-DE" sz="500" dirty="0">
+              <a:latin typeface="Arial" panose="020B0604020202020204" pitchFamily="34" charset="0"/>
+              <a:cs typeface="Arial" panose="020B0604020202020204" pitchFamily="34" charset="0"/>
+            </a:rPr>
           </a:br>
           <a:r>
-            <a:rPr lang="de-DE" sz="500" dirty="0"/>
+            <a:rPr lang="de-DE" sz="500" dirty="0">
+              <a:latin typeface="Arial" panose="020B0604020202020204" pitchFamily="34" charset="0"/>
+              <a:cs typeface="Arial" panose="020B0604020202020204" pitchFamily="34" charset="0"/>
+            </a:rPr>
             <a:t>Projektstrukturplan erstellen</a:t>
           </a:r>
           <a:br>
-            <a:rPr lang="de-DE" sz="500" dirty="0"/>
+            <a:rPr lang="de-DE" sz="500" dirty="0">
+              <a:latin typeface="Arial" panose="020B0604020202020204" pitchFamily="34" charset="0"/>
+              <a:cs typeface="Arial" panose="020B0604020202020204" pitchFamily="34" charset="0"/>
+            </a:rPr>
           </a:br>
           <a:r>
-            <a:rPr lang="de-DE" sz="500" dirty="0"/>
+            <a:rPr lang="de-DE" sz="500" dirty="0">
+              <a:latin typeface="Arial" panose="020B0604020202020204" pitchFamily="34" charset="0"/>
+              <a:cs typeface="Arial" panose="020B0604020202020204" pitchFamily="34" charset="0"/>
+            </a:rPr>
             <a:t>2.1.2</a:t>
           </a:r>
         </a:p>
@@ -1605,7 +1730,10 @@
         <a:bodyPr/>
         <a:lstStyle/>
         <a:p>
-          <a:endParaRPr lang="de-DE" sz="1800"/>
+          <a:endParaRPr lang="de-DE" sz="1800">
+            <a:latin typeface="Arial" panose="020B0604020202020204" pitchFamily="34" charset="0"/>
+            <a:cs typeface="Arial" panose="020B0604020202020204" pitchFamily="34" charset="0"/>
+          </a:endParaRPr>
         </a:p>
       </dgm:t>
     </dgm:pt>
@@ -1649,21 +1777,36 @@
             <a:buAutoNum type="arabicPeriod"/>
           </a:pPr>
           <a:r>
-            <a:rPr lang="de-DE" sz="500" dirty="0"/>
+            <a:rPr lang="de-DE" sz="500" dirty="0">
+              <a:latin typeface="Arial" panose="020B0604020202020204" pitchFamily="34" charset="0"/>
+              <a:cs typeface="Arial" panose="020B0604020202020204" pitchFamily="34" charset="0"/>
+            </a:rPr>
             <a:t>AP3</a:t>
           </a:r>
           <a:br>
-            <a:rPr lang="de-DE" sz="500" dirty="0"/>
+            <a:rPr lang="de-DE" sz="500" dirty="0">
+              <a:latin typeface="Arial" panose="020B0604020202020204" pitchFamily="34" charset="0"/>
+              <a:cs typeface="Arial" panose="020B0604020202020204" pitchFamily="34" charset="0"/>
+            </a:rPr>
           </a:br>
           <a:r>
-            <a:rPr lang="de-DE" sz="500" dirty="0"/>
+            <a:rPr lang="de-DE" sz="500" dirty="0">
+              <a:latin typeface="Arial" panose="020B0604020202020204" pitchFamily="34" charset="0"/>
+              <a:cs typeface="Arial" panose="020B0604020202020204" pitchFamily="34" charset="0"/>
+            </a:rPr>
             <a:t>Bestimmung der Verantwortlichkeiten</a:t>
           </a:r>
           <a:br>
-            <a:rPr lang="de-DE" sz="500" dirty="0"/>
+            <a:rPr lang="de-DE" sz="500" dirty="0">
+              <a:latin typeface="Arial" panose="020B0604020202020204" pitchFamily="34" charset="0"/>
+              <a:cs typeface="Arial" panose="020B0604020202020204" pitchFamily="34" charset="0"/>
+            </a:rPr>
           </a:br>
           <a:r>
-            <a:rPr lang="de-DE" sz="500" dirty="0"/>
+            <a:rPr lang="de-DE" sz="500" dirty="0">
+              <a:latin typeface="Arial" panose="020B0604020202020204" pitchFamily="34" charset="0"/>
+              <a:cs typeface="Arial" panose="020B0604020202020204" pitchFamily="34" charset="0"/>
+            </a:rPr>
             <a:t>2.1.3</a:t>
           </a:r>
         </a:p>
@@ -1676,7 +1819,10 @@
         <a:bodyPr/>
         <a:lstStyle/>
         <a:p>
-          <a:endParaRPr lang="de-DE" sz="1800"/>
+          <a:endParaRPr lang="de-DE" sz="1800">
+            <a:latin typeface="Arial" panose="020B0604020202020204" pitchFamily="34" charset="0"/>
+            <a:cs typeface="Arial" panose="020B0604020202020204" pitchFamily="34" charset="0"/>
+          </a:endParaRPr>
         </a:p>
       </dgm:t>
     </dgm:pt>
@@ -1718,15 +1864,24 @@
             <a:buAutoNum type="arabicPeriod"/>
           </a:pPr>
           <a:r>
-            <a:rPr lang="de-DE" sz="500"/>
+            <a:rPr lang="de-DE" sz="500" dirty="0">
+              <a:latin typeface="Arial" panose="020B0604020202020204" pitchFamily="34" charset="0"/>
+              <a:cs typeface="Arial" panose="020B0604020202020204" pitchFamily="34" charset="0"/>
+            </a:rPr>
             <a:t>Projektdetailplanung</a:t>
           </a:r>
           <a:br>
-            <a:rPr lang="de-DE" sz="500"/>
+            <a:rPr lang="de-DE" sz="500" dirty="0">
+              <a:latin typeface="Arial" panose="020B0604020202020204" pitchFamily="34" charset="0"/>
+              <a:cs typeface="Arial" panose="020B0604020202020204" pitchFamily="34" charset="0"/>
+            </a:rPr>
           </a:br>
           <a:r>
-            <a:rPr lang="de-DE" sz="500"/>
-            <a:t>TP2.2</a:t>
+            <a:rPr lang="de-DE" sz="500" dirty="0">
+              <a:latin typeface="Arial" panose="020B0604020202020204" pitchFamily="34" charset="0"/>
+              <a:cs typeface="Arial" panose="020B0604020202020204" pitchFamily="34" charset="0"/>
+            </a:rPr>
+            <a:t>TA2.2</a:t>
           </a:r>
         </a:p>
       </dgm:t>
@@ -1738,7 +1893,10 @@
         <a:bodyPr/>
         <a:lstStyle/>
         <a:p>
-          <a:endParaRPr lang="de-DE" sz="1800"/>
+          <a:endParaRPr lang="de-DE" sz="1800">
+            <a:latin typeface="Arial" panose="020B0604020202020204" pitchFamily="34" charset="0"/>
+            <a:cs typeface="Arial" panose="020B0604020202020204" pitchFamily="34" charset="0"/>
+          </a:endParaRPr>
         </a:p>
       </dgm:t>
     </dgm:pt>
@@ -1782,21 +1940,36 @@
             <a:buAutoNum type="arabicPeriod"/>
           </a:pPr>
           <a:r>
-            <a:rPr lang="de-DE" sz="500" dirty="0"/>
+            <a:rPr lang="de-DE" sz="500" dirty="0">
+              <a:latin typeface="Arial" panose="020B0604020202020204" pitchFamily="34" charset="0"/>
+              <a:cs typeface="Arial" panose="020B0604020202020204" pitchFamily="34" charset="0"/>
+            </a:rPr>
             <a:t>AP1</a:t>
           </a:r>
           <a:br>
-            <a:rPr lang="de-DE" sz="500" dirty="0"/>
+            <a:rPr lang="de-DE" sz="500" dirty="0">
+              <a:latin typeface="Arial" panose="020B0604020202020204" pitchFamily="34" charset="0"/>
+              <a:cs typeface="Arial" panose="020B0604020202020204" pitchFamily="34" charset="0"/>
+            </a:rPr>
           </a:br>
           <a:r>
-            <a:rPr lang="de-DE" sz="500" dirty="0"/>
+            <a:rPr lang="de-DE" sz="500" dirty="0">
+              <a:latin typeface="Arial" panose="020B0604020202020204" pitchFamily="34" charset="0"/>
+              <a:cs typeface="Arial" panose="020B0604020202020204" pitchFamily="34" charset="0"/>
+            </a:rPr>
             <a:t>Zeitplan erstellen</a:t>
           </a:r>
           <a:br>
-            <a:rPr lang="de-DE" sz="500" dirty="0"/>
+            <a:rPr lang="de-DE" sz="500" dirty="0">
+              <a:latin typeface="Arial" panose="020B0604020202020204" pitchFamily="34" charset="0"/>
+              <a:cs typeface="Arial" panose="020B0604020202020204" pitchFamily="34" charset="0"/>
+            </a:rPr>
           </a:br>
           <a:r>
-            <a:rPr lang="de-DE" sz="500" dirty="0"/>
+            <a:rPr lang="de-DE" sz="500" dirty="0">
+              <a:latin typeface="Arial" panose="020B0604020202020204" pitchFamily="34" charset="0"/>
+              <a:cs typeface="Arial" panose="020B0604020202020204" pitchFamily="34" charset="0"/>
+            </a:rPr>
             <a:t>2.2.1</a:t>
           </a:r>
         </a:p>
@@ -1809,7 +1982,10 @@
         <a:bodyPr/>
         <a:lstStyle/>
         <a:p>
-          <a:endParaRPr lang="de-DE" sz="1800"/>
+          <a:endParaRPr lang="de-DE" sz="1800">
+            <a:latin typeface="Arial" panose="020B0604020202020204" pitchFamily="34" charset="0"/>
+            <a:cs typeface="Arial" panose="020B0604020202020204" pitchFamily="34" charset="0"/>
+          </a:endParaRPr>
         </a:p>
       </dgm:t>
     </dgm:pt>
@@ -1853,21 +2029,36 @@
             <a:buAutoNum type="arabicPeriod"/>
           </a:pPr>
           <a:r>
-            <a:rPr lang="de-DE" sz="500" dirty="0"/>
+            <a:rPr lang="de-DE" sz="500" dirty="0">
+              <a:latin typeface="Arial" panose="020B0604020202020204" pitchFamily="34" charset="0"/>
+              <a:cs typeface="Arial" panose="020B0604020202020204" pitchFamily="34" charset="0"/>
+            </a:rPr>
             <a:t>AP2</a:t>
           </a:r>
           <a:br>
-            <a:rPr lang="de-DE" sz="500" dirty="0"/>
+            <a:rPr lang="de-DE" sz="500" dirty="0">
+              <a:latin typeface="Arial" panose="020B0604020202020204" pitchFamily="34" charset="0"/>
+              <a:cs typeface="Arial" panose="020B0604020202020204" pitchFamily="34" charset="0"/>
+            </a:rPr>
           </a:br>
           <a:r>
-            <a:rPr lang="de-DE" sz="500" dirty="0"/>
+            <a:rPr lang="de-DE" sz="500" dirty="0">
+              <a:latin typeface="Arial" panose="020B0604020202020204" pitchFamily="34" charset="0"/>
+              <a:cs typeface="Arial" panose="020B0604020202020204" pitchFamily="34" charset="0"/>
+            </a:rPr>
             <a:t>Meilensteine festlegen</a:t>
           </a:r>
           <a:br>
-            <a:rPr lang="de-DE" sz="500" dirty="0"/>
+            <a:rPr lang="de-DE" sz="500" dirty="0">
+              <a:latin typeface="Arial" panose="020B0604020202020204" pitchFamily="34" charset="0"/>
+              <a:cs typeface="Arial" panose="020B0604020202020204" pitchFamily="34" charset="0"/>
+            </a:rPr>
           </a:br>
           <a:r>
-            <a:rPr lang="de-DE" sz="500" dirty="0"/>
+            <a:rPr lang="de-DE" sz="500" dirty="0">
+              <a:latin typeface="Arial" panose="020B0604020202020204" pitchFamily="34" charset="0"/>
+              <a:cs typeface="Arial" panose="020B0604020202020204" pitchFamily="34" charset="0"/>
+            </a:rPr>
             <a:t>2.2.2</a:t>
           </a:r>
         </a:p>
@@ -1880,7 +2071,10 @@
         <a:bodyPr/>
         <a:lstStyle/>
         <a:p>
-          <a:endParaRPr lang="de-DE" sz="1800"/>
+          <a:endParaRPr lang="de-DE" sz="1800">
+            <a:latin typeface="Arial" panose="020B0604020202020204" pitchFamily="34" charset="0"/>
+            <a:cs typeface="Arial" panose="020B0604020202020204" pitchFamily="34" charset="0"/>
+          </a:endParaRPr>
         </a:p>
       </dgm:t>
     </dgm:pt>
@@ -1924,21 +2118,36 @@
             <a:buAutoNum type="arabicPeriod"/>
           </a:pPr>
           <a:r>
-            <a:rPr lang="de-DE" sz="500" dirty="0"/>
+            <a:rPr lang="de-DE" sz="500" dirty="0">
+              <a:latin typeface="Arial" panose="020B0604020202020204" pitchFamily="34" charset="0"/>
+              <a:cs typeface="Arial" panose="020B0604020202020204" pitchFamily="34" charset="0"/>
+            </a:rPr>
             <a:t>AP3</a:t>
           </a:r>
           <a:br>
-            <a:rPr lang="de-DE" sz="500" dirty="0"/>
+            <a:rPr lang="de-DE" sz="500" dirty="0">
+              <a:latin typeface="Arial" panose="020B0604020202020204" pitchFamily="34" charset="0"/>
+              <a:cs typeface="Arial" panose="020B0604020202020204" pitchFamily="34" charset="0"/>
+            </a:rPr>
           </a:br>
           <a:r>
-            <a:rPr lang="de-DE" sz="500" dirty="0"/>
+            <a:rPr lang="de-DE" sz="500" dirty="0">
+              <a:latin typeface="Arial" panose="020B0604020202020204" pitchFamily="34" charset="0"/>
+              <a:cs typeface="Arial" panose="020B0604020202020204" pitchFamily="34" charset="0"/>
+            </a:rPr>
             <a:t>Ressourcenplan erstellen	</a:t>
           </a:r>
           <a:br>
-            <a:rPr lang="de-DE" sz="500" dirty="0"/>
+            <a:rPr lang="de-DE" sz="500" dirty="0">
+              <a:latin typeface="Arial" panose="020B0604020202020204" pitchFamily="34" charset="0"/>
+              <a:cs typeface="Arial" panose="020B0604020202020204" pitchFamily="34" charset="0"/>
+            </a:rPr>
           </a:br>
           <a:r>
-            <a:rPr lang="de-DE" sz="500" dirty="0"/>
+            <a:rPr lang="de-DE" sz="500" dirty="0">
+              <a:latin typeface="Arial" panose="020B0604020202020204" pitchFamily="34" charset="0"/>
+              <a:cs typeface="Arial" panose="020B0604020202020204" pitchFamily="34" charset="0"/>
+            </a:rPr>
             <a:t>2.2.3</a:t>
           </a:r>
         </a:p>
@@ -1951,7 +2160,10 @@
         <a:bodyPr/>
         <a:lstStyle/>
         <a:p>
-          <a:endParaRPr lang="de-DE" sz="1800"/>
+          <a:endParaRPr lang="de-DE" sz="1800">
+            <a:latin typeface="Arial" panose="020B0604020202020204" pitchFamily="34" charset="0"/>
+            <a:cs typeface="Arial" panose="020B0604020202020204" pitchFamily="34" charset="0"/>
+          </a:endParaRPr>
         </a:p>
       </dgm:t>
     </dgm:pt>
@@ -1993,7 +2205,10 @@
             <a:buAutoNum type="arabicPeriod"/>
           </a:pPr>
           <a:r>
-            <a:rPr lang="de-DE" sz="600" b="1" dirty="0"/>
+            <a:rPr lang="de-DE" sz="600" b="1" dirty="0">
+              <a:latin typeface="Arial" panose="020B0604020202020204" pitchFamily="34" charset="0"/>
+              <a:cs typeface="Arial" panose="020B0604020202020204" pitchFamily="34" charset="0"/>
+            </a:rPr>
             <a:t>3.Durchführungsphase</a:t>
           </a:r>
         </a:p>
@@ -2006,7 +2221,10 @@
         <a:bodyPr/>
         <a:lstStyle/>
         <a:p>
-          <a:endParaRPr lang="de-DE" sz="1800"/>
+          <a:endParaRPr lang="de-DE" sz="1800">
+            <a:latin typeface="Arial" panose="020B0604020202020204" pitchFamily="34" charset="0"/>
+            <a:cs typeface="Arial" panose="020B0604020202020204" pitchFamily="34" charset="0"/>
+          </a:endParaRPr>
         </a:p>
       </dgm:t>
     </dgm:pt>
@@ -2048,15 +2266,24 @@
             <a:buAutoNum type="arabicPeriod"/>
           </a:pPr>
           <a:r>
-            <a:rPr lang="de-DE" sz="500"/>
+            <a:rPr lang="de-DE" sz="500" dirty="0">
+              <a:latin typeface="Arial" panose="020B0604020202020204" pitchFamily="34" charset="0"/>
+              <a:cs typeface="Arial" panose="020B0604020202020204" pitchFamily="34" charset="0"/>
+            </a:rPr>
             <a:t>Projektbezogene Einarbeitung</a:t>
           </a:r>
           <a:br>
-            <a:rPr lang="de-DE" sz="500"/>
+            <a:rPr lang="de-DE" sz="500" dirty="0">
+              <a:latin typeface="Arial" panose="020B0604020202020204" pitchFamily="34" charset="0"/>
+              <a:cs typeface="Arial" panose="020B0604020202020204" pitchFamily="34" charset="0"/>
+            </a:rPr>
           </a:br>
           <a:r>
-            <a:rPr lang="de-DE" sz="500"/>
-            <a:t>TP3.1</a:t>
+            <a:rPr lang="de-DE" sz="500" dirty="0">
+              <a:latin typeface="Arial" panose="020B0604020202020204" pitchFamily="34" charset="0"/>
+              <a:cs typeface="Arial" panose="020B0604020202020204" pitchFamily="34" charset="0"/>
+            </a:rPr>
+            <a:t>TA3.1</a:t>
           </a:r>
         </a:p>
       </dgm:t>
@@ -2068,7 +2295,10 @@
         <a:bodyPr/>
         <a:lstStyle/>
         <a:p>
-          <a:endParaRPr lang="de-DE" sz="1800"/>
+          <a:endParaRPr lang="de-DE" sz="1800">
+            <a:latin typeface="Arial" panose="020B0604020202020204" pitchFamily="34" charset="0"/>
+            <a:cs typeface="Arial" panose="020B0604020202020204" pitchFamily="34" charset="0"/>
+          </a:endParaRPr>
         </a:p>
       </dgm:t>
     </dgm:pt>
@@ -2112,25 +2342,43 @@
             <a:buAutoNum type="arabicPeriod"/>
           </a:pPr>
           <a:r>
-            <a:rPr lang="de-DE" sz="500" dirty="0"/>
+            <a:rPr lang="de-DE" sz="500" dirty="0">
+              <a:latin typeface="Arial" panose="020B0604020202020204" pitchFamily="34" charset="0"/>
+              <a:cs typeface="Arial" panose="020B0604020202020204" pitchFamily="34" charset="0"/>
+            </a:rPr>
             <a:t>AP1</a:t>
           </a:r>
           <a:br>
-            <a:rPr lang="de-DE" sz="500" dirty="0"/>
+            <a:rPr lang="de-DE" sz="500" dirty="0">
+              <a:latin typeface="Arial" panose="020B0604020202020204" pitchFamily="34" charset="0"/>
+              <a:cs typeface="Arial" panose="020B0604020202020204" pitchFamily="34" charset="0"/>
+            </a:rPr>
           </a:br>
           <a:r>
-            <a:rPr lang="de-DE" sz="500" dirty="0"/>
+            <a:rPr lang="de-DE" sz="500" dirty="0">
+              <a:latin typeface="Arial" panose="020B0604020202020204" pitchFamily="34" charset="0"/>
+              <a:cs typeface="Arial" panose="020B0604020202020204" pitchFamily="34" charset="0"/>
+            </a:rPr>
             <a:t>Programmiersprache </a:t>
           </a:r>
           <a:r>
-            <a:rPr lang="de-DE" sz="500" dirty="0" err="1"/>
+            <a:rPr lang="de-DE" sz="500" dirty="0" err="1">
+              <a:latin typeface="Arial" panose="020B0604020202020204" pitchFamily="34" charset="0"/>
+              <a:cs typeface="Arial" panose="020B0604020202020204" pitchFamily="34" charset="0"/>
+            </a:rPr>
             <a:t>Golang</a:t>
           </a:r>
           <a:br>
-            <a:rPr lang="de-DE" sz="500" dirty="0"/>
+            <a:rPr lang="de-DE" sz="500" dirty="0">
+              <a:latin typeface="Arial" panose="020B0604020202020204" pitchFamily="34" charset="0"/>
+              <a:cs typeface="Arial" panose="020B0604020202020204" pitchFamily="34" charset="0"/>
+            </a:rPr>
           </a:br>
           <a:r>
-            <a:rPr lang="de-DE" sz="500" dirty="0"/>
+            <a:rPr lang="de-DE" sz="500" dirty="0">
+              <a:latin typeface="Arial" panose="020B0604020202020204" pitchFamily="34" charset="0"/>
+              <a:cs typeface="Arial" panose="020B0604020202020204" pitchFamily="34" charset="0"/>
+            </a:rPr>
             <a:t>3.1.1</a:t>
           </a:r>
         </a:p>
@@ -2143,7 +2391,10 @@
         <a:bodyPr/>
         <a:lstStyle/>
         <a:p>
-          <a:endParaRPr lang="de-DE" sz="1800"/>
+          <a:endParaRPr lang="de-DE" sz="1800">
+            <a:latin typeface="Arial" panose="020B0604020202020204" pitchFamily="34" charset="0"/>
+            <a:cs typeface="Arial" panose="020B0604020202020204" pitchFamily="34" charset="0"/>
+          </a:endParaRPr>
         </a:p>
       </dgm:t>
     </dgm:pt>
@@ -2187,21 +2438,36 @@
             <a:buAutoNum type="arabicPeriod"/>
           </a:pPr>
           <a:r>
-            <a:rPr lang="de-DE" sz="500" dirty="0"/>
+            <a:rPr lang="de-DE" sz="500" dirty="0">
+              <a:latin typeface="Arial" panose="020B0604020202020204" pitchFamily="34" charset="0"/>
+              <a:cs typeface="Arial" panose="020B0604020202020204" pitchFamily="34" charset="0"/>
+            </a:rPr>
             <a:t>AP2</a:t>
           </a:r>
           <a:br>
-            <a:rPr lang="de-DE" sz="500" dirty="0"/>
+            <a:rPr lang="de-DE" sz="500" dirty="0">
+              <a:latin typeface="Arial" panose="020B0604020202020204" pitchFamily="34" charset="0"/>
+              <a:cs typeface="Arial" panose="020B0604020202020204" pitchFamily="34" charset="0"/>
+            </a:rPr>
           </a:br>
           <a:r>
-            <a:rPr lang="de-DE" sz="500" dirty="0"/>
+            <a:rPr lang="de-DE" sz="500" dirty="0">
+              <a:latin typeface="Arial" panose="020B0604020202020204" pitchFamily="34" charset="0"/>
+              <a:cs typeface="Arial" panose="020B0604020202020204" pitchFamily="34" charset="0"/>
+            </a:rPr>
             <a:t>Einbindung von APIs</a:t>
           </a:r>
           <a:br>
-            <a:rPr lang="de-DE" sz="500" dirty="0"/>
+            <a:rPr lang="de-DE" sz="500" dirty="0">
+              <a:latin typeface="Arial" panose="020B0604020202020204" pitchFamily="34" charset="0"/>
+              <a:cs typeface="Arial" panose="020B0604020202020204" pitchFamily="34" charset="0"/>
+            </a:rPr>
           </a:br>
           <a:r>
-            <a:rPr lang="de-DE" sz="500" dirty="0"/>
+            <a:rPr lang="de-DE" sz="500" dirty="0">
+              <a:latin typeface="Arial" panose="020B0604020202020204" pitchFamily="34" charset="0"/>
+              <a:cs typeface="Arial" panose="020B0604020202020204" pitchFamily="34" charset="0"/>
+            </a:rPr>
             <a:t>3.1.2</a:t>
           </a:r>
         </a:p>
@@ -2214,7 +2480,10 @@
         <a:bodyPr/>
         <a:lstStyle/>
         <a:p>
-          <a:endParaRPr lang="de-DE" sz="1800"/>
+          <a:endParaRPr lang="de-DE" sz="1800">
+            <a:latin typeface="Arial" panose="020B0604020202020204" pitchFamily="34" charset="0"/>
+            <a:cs typeface="Arial" panose="020B0604020202020204" pitchFamily="34" charset="0"/>
+          </a:endParaRPr>
         </a:p>
       </dgm:t>
     </dgm:pt>
@@ -2258,21 +2527,36 @@
             <a:buAutoNum type="arabicPeriod"/>
           </a:pPr>
           <a:r>
-            <a:rPr lang="de-DE" sz="500" dirty="0"/>
+            <a:rPr lang="de-DE" sz="500" dirty="0">
+              <a:latin typeface="Arial" panose="020B0604020202020204" pitchFamily="34" charset="0"/>
+              <a:cs typeface="Arial" panose="020B0604020202020204" pitchFamily="34" charset="0"/>
+            </a:rPr>
             <a:t>AP3</a:t>
           </a:r>
           <a:br>
-            <a:rPr lang="de-DE" sz="500" dirty="0"/>
+            <a:rPr lang="de-DE" sz="500" dirty="0">
+              <a:latin typeface="Arial" panose="020B0604020202020204" pitchFamily="34" charset="0"/>
+              <a:cs typeface="Arial" panose="020B0604020202020204" pitchFamily="34" charset="0"/>
+            </a:rPr>
           </a:br>
           <a:r>
-            <a:rPr lang="de-DE" sz="500" dirty="0"/>
+            <a:rPr lang="de-DE" sz="500" dirty="0">
+              <a:latin typeface="Arial" panose="020B0604020202020204" pitchFamily="34" charset="0"/>
+              <a:cs typeface="Arial" panose="020B0604020202020204" pitchFamily="34" charset="0"/>
+            </a:rPr>
             <a:t>Einbindung von Datenbanken</a:t>
           </a:r>
           <a:br>
-            <a:rPr lang="de-DE" sz="500" dirty="0"/>
+            <a:rPr lang="de-DE" sz="500" dirty="0">
+              <a:latin typeface="Arial" panose="020B0604020202020204" pitchFamily="34" charset="0"/>
+              <a:cs typeface="Arial" panose="020B0604020202020204" pitchFamily="34" charset="0"/>
+            </a:rPr>
           </a:br>
           <a:r>
-            <a:rPr lang="de-DE" sz="500" dirty="0"/>
+            <a:rPr lang="de-DE" sz="500" dirty="0">
+              <a:latin typeface="Arial" panose="020B0604020202020204" pitchFamily="34" charset="0"/>
+              <a:cs typeface="Arial" panose="020B0604020202020204" pitchFamily="34" charset="0"/>
+            </a:rPr>
             <a:t>3.1.3</a:t>
           </a:r>
         </a:p>
@@ -2285,7 +2569,10 @@
         <a:bodyPr/>
         <a:lstStyle/>
         <a:p>
-          <a:endParaRPr lang="de-DE" sz="1800"/>
+          <a:endParaRPr lang="de-DE" sz="1800">
+            <a:latin typeface="Arial" panose="020B0604020202020204" pitchFamily="34" charset="0"/>
+            <a:cs typeface="Arial" panose="020B0604020202020204" pitchFamily="34" charset="0"/>
+          </a:endParaRPr>
         </a:p>
       </dgm:t>
     </dgm:pt>
@@ -2329,21 +2616,36 @@
             <a:buAutoNum type="arabicPeriod"/>
           </a:pPr>
           <a:r>
-            <a:rPr lang="de-DE" sz="500" dirty="0"/>
+            <a:rPr lang="de-DE" sz="500" dirty="0">
+              <a:latin typeface="Arial" panose="020B0604020202020204" pitchFamily="34" charset="0"/>
+              <a:cs typeface="Arial" panose="020B0604020202020204" pitchFamily="34" charset="0"/>
+            </a:rPr>
             <a:t>AP4</a:t>
           </a:r>
           <a:br>
-            <a:rPr lang="de-DE" sz="500" dirty="0"/>
+            <a:rPr lang="de-DE" sz="500" dirty="0">
+              <a:latin typeface="Arial" panose="020B0604020202020204" pitchFamily="34" charset="0"/>
+              <a:cs typeface="Arial" panose="020B0604020202020204" pitchFamily="34" charset="0"/>
+            </a:rPr>
           </a:br>
           <a:r>
-            <a:rPr lang="de-DE" sz="500" dirty="0"/>
+            <a:rPr lang="de-DE" sz="500" dirty="0">
+              <a:latin typeface="Arial" panose="020B0604020202020204" pitchFamily="34" charset="0"/>
+              <a:cs typeface="Arial" panose="020B0604020202020204" pitchFamily="34" charset="0"/>
+            </a:rPr>
             <a:t>Nährwertberechnung</a:t>
           </a:r>
           <a:br>
-            <a:rPr lang="de-DE" sz="500" dirty="0"/>
+            <a:rPr lang="de-DE" sz="500" dirty="0">
+              <a:latin typeface="Arial" panose="020B0604020202020204" pitchFamily="34" charset="0"/>
+              <a:cs typeface="Arial" panose="020B0604020202020204" pitchFamily="34" charset="0"/>
+            </a:rPr>
           </a:br>
           <a:r>
-            <a:rPr lang="de-DE" sz="500" dirty="0"/>
+            <a:rPr lang="de-DE" sz="500" dirty="0">
+              <a:latin typeface="Arial" panose="020B0604020202020204" pitchFamily="34" charset="0"/>
+              <a:cs typeface="Arial" panose="020B0604020202020204" pitchFamily="34" charset="0"/>
+            </a:rPr>
             <a:t>3.1.4</a:t>
           </a:r>
         </a:p>
@@ -2356,7 +2658,10 @@
         <a:bodyPr/>
         <a:lstStyle/>
         <a:p>
-          <a:endParaRPr lang="de-DE" sz="1800"/>
+          <a:endParaRPr lang="de-DE" sz="1800">
+            <a:latin typeface="Arial" panose="020B0604020202020204" pitchFamily="34" charset="0"/>
+            <a:cs typeface="Arial" panose="020B0604020202020204" pitchFamily="34" charset="0"/>
+          </a:endParaRPr>
         </a:p>
       </dgm:t>
     </dgm:pt>
@@ -2400,21 +2705,36 @@
             <a:buAutoNum type="arabicPeriod"/>
           </a:pPr>
           <a:r>
-            <a:rPr lang="de-DE" sz="500" dirty="0"/>
+            <a:rPr lang="de-DE" sz="500" dirty="0">
+              <a:latin typeface="Arial" panose="020B0604020202020204" pitchFamily="34" charset="0"/>
+              <a:cs typeface="Arial" panose="020B0604020202020204" pitchFamily="34" charset="0"/>
+            </a:rPr>
             <a:t>AP5</a:t>
           </a:r>
           <a:br>
-            <a:rPr lang="de-DE" sz="500" dirty="0"/>
+            <a:rPr lang="de-DE" sz="500" dirty="0">
+              <a:latin typeface="Arial" panose="020B0604020202020204" pitchFamily="34" charset="0"/>
+              <a:cs typeface="Arial" panose="020B0604020202020204" pitchFamily="34" charset="0"/>
+            </a:rPr>
           </a:br>
           <a:r>
-            <a:rPr lang="de-DE" sz="500" dirty="0"/>
+            <a:rPr lang="de-DE" sz="500" dirty="0">
+              <a:latin typeface="Arial" panose="020B0604020202020204" pitchFamily="34" charset="0"/>
+              <a:cs typeface="Arial" panose="020B0604020202020204" pitchFamily="34" charset="0"/>
+            </a:rPr>
             <a:t>Ernährungsarten</a:t>
           </a:r>
           <a:br>
-            <a:rPr lang="de-DE" sz="500" dirty="0"/>
+            <a:rPr lang="de-DE" sz="500" dirty="0">
+              <a:latin typeface="Arial" panose="020B0604020202020204" pitchFamily="34" charset="0"/>
+              <a:cs typeface="Arial" panose="020B0604020202020204" pitchFamily="34" charset="0"/>
+            </a:rPr>
           </a:br>
           <a:r>
-            <a:rPr lang="de-DE" sz="500" dirty="0"/>
+            <a:rPr lang="de-DE" sz="500" dirty="0">
+              <a:latin typeface="Arial" panose="020B0604020202020204" pitchFamily="34" charset="0"/>
+              <a:cs typeface="Arial" panose="020B0604020202020204" pitchFamily="34" charset="0"/>
+            </a:rPr>
             <a:t>3.1.5</a:t>
           </a:r>
         </a:p>
@@ -2427,7 +2747,10 @@
         <a:bodyPr/>
         <a:lstStyle/>
         <a:p>
-          <a:endParaRPr lang="de-DE" sz="1800"/>
+          <a:endParaRPr lang="de-DE" sz="1800">
+            <a:latin typeface="Arial" panose="020B0604020202020204" pitchFamily="34" charset="0"/>
+            <a:cs typeface="Arial" panose="020B0604020202020204" pitchFamily="34" charset="0"/>
+          </a:endParaRPr>
         </a:p>
       </dgm:t>
     </dgm:pt>
@@ -2469,15 +2792,24 @@
             <a:buAutoNum type="arabicPeriod"/>
           </a:pPr>
           <a:r>
-            <a:rPr lang="de-DE" sz="500"/>
+            <a:rPr lang="de-DE" sz="500" dirty="0">
+              <a:latin typeface="Arial" panose="020B0604020202020204" pitchFamily="34" charset="0"/>
+              <a:cs typeface="Arial" panose="020B0604020202020204" pitchFamily="34" charset="0"/>
+            </a:rPr>
             <a:t>Entwicklung der App</a:t>
           </a:r>
           <a:br>
-            <a:rPr lang="de-DE" sz="500"/>
+            <a:rPr lang="de-DE" sz="500" dirty="0">
+              <a:latin typeface="Arial" panose="020B0604020202020204" pitchFamily="34" charset="0"/>
+              <a:cs typeface="Arial" panose="020B0604020202020204" pitchFamily="34" charset="0"/>
+            </a:rPr>
           </a:br>
           <a:r>
-            <a:rPr lang="de-DE" sz="500"/>
-            <a:t>TP3.2</a:t>
+            <a:rPr lang="de-DE" sz="500" dirty="0">
+              <a:latin typeface="Arial" panose="020B0604020202020204" pitchFamily="34" charset="0"/>
+              <a:cs typeface="Arial" panose="020B0604020202020204" pitchFamily="34" charset="0"/>
+            </a:rPr>
+            <a:t>TA3.2</a:t>
           </a:r>
         </a:p>
       </dgm:t>
@@ -2489,7 +2821,10 @@
         <a:bodyPr/>
         <a:lstStyle/>
         <a:p>
-          <a:endParaRPr lang="de-DE" sz="1800"/>
+          <a:endParaRPr lang="de-DE" sz="1800">
+            <a:latin typeface="Arial" panose="020B0604020202020204" pitchFamily="34" charset="0"/>
+            <a:cs typeface="Arial" panose="020B0604020202020204" pitchFamily="34" charset="0"/>
+          </a:endParaRPr>
         </a:p>
       </dgm:t>
     </dgm:pt>
@@ -2531,15 +2866,24 @@
             <a:buAutoNum type="arabicPeriod"/>
           </a:pPr>
           <a:r>
-            <a:rPr lang="de-DE" sz="500"/>
+            <a:rPr lang="de-DE" sz="500" dirty="0">
+              <a:latin typeface="Arial" panose="020B0604020202020204" pitchFamily="34" charset="0"/>
+              <a:cs typeface="Arial" panose="020B0604020202020204" pitchFamily="34" charset="0"/>
+            </a:rPr>
             <a:t>Technische Umsetzung</a:t>
           </a:r>
           <a:br>
-            <a:rPr lang="de-DE" sz="500"/>
+            <a:rPr lang="de-DE" sz="500" dirty="0">
+              <a:latin typeface="Arial" panose="020B0604020202020204" pitchFamily="34" charset="0"/>
+              <a:cs typeface="Arial" panose="020B0604020202020204" pitchFamily="34" charset="0"/>
+            </a:rPr>
           </a:br>
           <a:r>
-            <a:rPr lang="de-DE" sz="500"/>
-            <a:t>TP3.2.1</a:t>
+            <a:rPr lang="de-DE" sz="500" dirty="0">
+              <a:latin typeface="Arial" panose="020B0604020202020204" pitchFamily="34" charset="0"/>
+              <a:cs typeface="Arial" panose="020B0604020202020204" pitchFamily="34" charset="0"/>
+            </a:rPr>
+            <a:t>TA3.2.1</a:t>
           </a:r>
         </a:p>
       </dgm:t>
@@ -2551,7 +2895,10 @@
         <a:bodyPr/>
         <a:lstStyle/>
         <a:p>
-          <a:endParaRPr lang="de-DE" sz="1800"/>
+          <a:endParaRPr lang="de-DE" sz="1800">
+            <a:latin typeface="Arial" panose="020B0604020202020204" pitchFamily="34" charset="0"/>
+            <a:cs typeface="Arial" panose="020B0604020202020204" pitchFamily="34" charset="0"/>
+          </a:endParaRPr>
         </a:p>
       </dgm:t>
     </dgm:pt>
@@ -2595,21 +2942,43 @@
             <a:buAutoNum type="arabicPeriod"/>
           </a:pPr>
           <a:r>
-            <a:rPr lang="de-DE" sz="500" dirty="0"/>
+            <a:rPr lang="de-DE" sz="500" dirty="0">
+              <a:latin typeface="Arial" panose="020B0604020202020204" pitchFamily="34" charset="0"/>
+              <a:cs typeface="Arial" panose="020B0604020202020204" pitchFamily="34" charset="0"/>
+            </a:rPr>
             <a:t>AP1</a:t>
           </a:r>
           <a:br>
-            <a:rPr lang="de-DE" sz="500" dirty="0"/>
+            <a:rPr lang="de-DE" sz="500" dirty="0">
+              <a:latin typeface="Arial" panose="020B0604020202020204" pitchFamily="34" charset="0"/>
+              <a:cs typeface="Arial" panose="020B0604020202020204" pitchFamily="34" charset="0"/>
+            </a:rPr>
           </a:br>
           <a:r>
-            <a:rPr lang="de-DE" sz="500" dirty="0"/>
-            <a:t>Anbindung Datenbank API </a:t>
+            <a:rPr lang="de-DE" sz="500" dirty="0">
+              <a:latin typeface="Arial" panose="020B0604020202020204" pitchFamily="34" charset="0"/>
+              <a:cs typeface="Arial" panose="020B0604020202020204" pitchFamily="34" charset="0"/>
+            </a:rPr>
+            <a:t>Anbindung </a:t>
+          </a:r>
+          <a:r>
+            <a:rPr lang="de-DE" sz="500">
+              <a:latin typeface="Arial" panose="020B0604020202020204" pitchFamily="34" charset="0"/>
+              <a:cs typeface="Arial" panose="020B0604020202020204" pitchFamily="34" charset="0"/>
+            </a:rPr>
+            <a:t>Datenbank über API </a:t>
           </a:r>
           <a:br>
-            <a:rPr lang="de-DE" sz="500" dirty="0"/>
+            <a:rPr lang="de-DE" sz="500" dirty="0">
+              <a:latin typeface="Arial" panose="020B0604020202020204" pitchFamily="34" charset="0"/>
+              <a:cs typeface="Arial" panose="020B0604020202020204" pitchFamily="34" charset="0"/>
+            </a:rPr>
           </a:br>
           <a:r>
-            <a:rPr lang="de-DE" sz="500" dirty="0"/>
+            <a:rPr lang="de-DE" sz="500" dirty="0">
+              <a:latin typeface="Arial" panose="020B0604020202020204" pitchFamily="34" charset="0"/>
+              <a:cs typeface="Arial" panose="020B0604020202020204" pitchFamily="34" charset="0"/>
+            </a:rPr>
             <a:t>3.2.1.1</a:t>
           </a:r>
         </a:p>
@@ -2622,7 +2991,10 @@
         <a:bodyPr/>
         <a:lstStyle/>
         <a:p>
-          <a:endParaRPr lang="de-DE" sz="1800"/>
+          <a:endParaRPr lang="de-DE" sz="1800">
+            <a:latin typeface="Arial" panose="020B0604020202020204" pitchFamily="34" charset="0"/>
+            <a:cs typeface="Arial" panose="020B0604020202020204" pitchFamily="34" charset="0"/>
+          </a:endParaRPr>
         </a:p>
       </dgm:t>
     </dgm:pt>
@@ -2666,21 +3038,36 @@
             <a:buAutoNum type="arabicPeriod"/>
           </a:pPr>
           <a:r>
-            <a:rPr lang="de-DE" sz="500" dirty="0"/>
+            <a:rPr lang="de-DE" sz="500" dirty="0">
+              <a:latin typeface="Arial" panose="020B0604020202020204" pitchFamily="34" charset="0"/>
+              <a:cs typeface="Arial" panose="020B0604020202020204" pitchFamily="34" charset="0"/>
+            </a:rPr>
             <a:t>AP2</a:t>
           </a:r>
           <a:br>
-            <a:rPr lang="de-DE" sz="500" dirty="0"/>
+            <a:rPr lang="de-DE" sz="500" dirty="0">
+              <a:latin typeface="Arial" panose="020B0604020202020204" pitchFamily="34" charset="0"/>
+              <a:cs typeface="Arial" panose="020B0604020202020204" pitchFamily="34" charset="0"/>
+            </a:rPr>
           </a:br>
           <a:r>
-            <a:rPr lang="de-DE" sz="500" dirty="0"/>
+            <a:rPr lang="de-DE" sz="500" dirty="0">
+              <a:latin typeface="Arial" panose="020B0604020202020204" pitchFamily="34" charset="0"/>
+              <a:cs typeface="Arial" panose="020B0604020202020204" pitchFamily="34" charset="0"/>
+            </a:rPr>
             <a:t>Zugriff auf Kamera zum Barcodescannen </a:t>
           </a:r>
           <a:br>
-            <a:rPr lang="de-DE" sz="500" dirty="0"/>
+            <a:rPr lang="de-DE" sz="500" dirty="0">
+              <a:latin typeface="Arial" panose="020B0604020202020204" pitchFamily="34" charset="0"/>
+              <a:cs typeface="Arial" panose="020B0604020202020204" pitchFamily="34" charset="0"/>
+            </a:rPr>
           </a:br>
           <a:r>
-            <a:rPr lang="de-DE" sz="500" dirty="0"/>
+            <a:rPr lang="de-DE" sz="500" dirty="0">
+              <a:latin typeface="Arial" panose="020B0604020202020204" pitchFamily="34" charset="0"/>
+              <a:cs typeface="Arial" panose="020B0604020202020204" pitchFamily="34" charset="0"/>
+            </a:rPr>
             <a:t>3.2.1.2</a:t>
           </a:r>
         </a:p>
@@ -2693,7 +3080,10 @@
         <a:bodyPr/>
         <a:lstStyle/>
         <a:p>
-          <a:endParaRPr lang="de-DE" sz="1800"/>
+          <a:endParaRPr lang="de-DE" sz="1800">
+            <a:latin typeface="Arial" panose="020B0604020202020204" pitchFamily="34" charset="0"/>
+            <a:cs typeface="Arial" panose="020B0604020202020204" pitchFamily="34" charset="0"/>
+          </a:endParaRPr>
         </a:p>
       </dgm:t>
     </dgm:pt>
@@ -2737,21 +3127,36 @@
             <a:buAutoNum type="arabicPeriod"/>
           </a:pPr>
           <a:r>
-            <a:rPr lang="de-DE" sz="500" dirty="0"/>
+            <a:rPr lang="de-DE" sz="500" dirty="0">
+              <a:latin typeface="Arial" panose="020B0604020202020204" pitchFamily="34" charset="0"/>
+              <a:cs typeface="Arial" panose="020B0604020202020204" pitchFamily="34" charset="0"/>
+            </a:rPr>
             <a:t>AP3</a:t>
           </a:r>
           <a:br>
-            <a:rPr lang="de-DE" sz="500" dirty="0"/>
+            <a:rPr lang="de-DE" sz="500" dirty="0">
+              <a:latin typeface="Arial" panose="020B0604020202020204" pitchFamily="34" charset="0"/>
+              <a:cs typeface="Arial" panose="020B0604020202020204" pitchFamily="34" charset="0"/>
+            </a:rPr>
           </a:br>
           <a:r>
-            <a:rPr lang="de-DE" sz="500" dirty="0"/>
+            <a:rPr lang="de-DE" sz="500" dirty="0">
+              <a:latin typeface="Arial" panose="020B0604020202020204" pitchFamily="34" charset="0"/>
+              <a:cs typeface="Arial" panose="020B0604020202020204" pitchFamily="34" charset="0"/>
+            </a:rPr>
             <a:t>Lokale Speicherung der App-Daten</a:t>
           </a:r>
           <a:br>
-            <a:rPr lang="de-DE" sz="500" dirty="0"/>
+            <a:rPr lang="de-DE" sz="500" dirty="0">
+              <a:latin typeface="Arial" panose="020B0604020202020204" pitchFamily="34" charset="0"/>
+              <a:cs typeface="Arial" panose="020B0604020202020204" pitchFamily="34" charset="0"/>
+            </a:rPr>
           </a:br>
           <a:r>
-            <a:rPr lang="de-DE" sz="500" dirty="0"/>
+            <a:rPr lang="de-DE" sz="500" dirty="0">
+              <a:latin typeface="Arial" panose="020B0604020202020204" pitchFamily="34" charset="0"/>
+              <a:cs typeface="Arial" panose="020B0604020202020204" pitchFamily="34" charset="0"/>
+            </a:rPr>
             <a:t>3.2.1.3</a:t>
           </a:r>
         </a:p>
@@ -2764,7 +3169,10 @@
         <a:bodyPr/>
         <a:lstStyle/>
         <a:p>
-          <a:endParaRPr lang="de-DE" sz="1800"/>
+          <a:endParaRPr lang="de-DE" sz="1800">
+            <a:latin typeface="Arial" panose="020B0604020202020204" pitchFamily="34" charset="0"/>
+            <a:cs typeface="Arial" panose="020B0604020202020204" pitchFamily="34" charset="0"/>
+          </a:endParaRPr>
         </a:p>
       </dgm:t>
     </dgm:pt>
@@ -2806,15 +3214,24 @@
             <a:buAutoNum type="arabicPeriod"/>
           </a:pPr>
           <a:r>
-            <a:rPr lang="de-DE" sz="500"/>
+            <a:rPr lang="de-DE" sz="500" dirty="0">
+              <a:latin typeface="Arial" panose="020B0604020202020204" pitchFamily="34" charset="0"/>
+              <a:cs typeface="Arial" panose="020B0604020202020204" pitchFamily="34" charset="0"/>
+            </a:rPr>
             <a:t>Ernährungsbezogene Umsetzung</a:t>
           </a:r>
           <a:br>
-            <a:rPr lang="de-DE" sz="500"/>
+            <a:rPr lang="de-DE" sz="500" dirty="0">
+              <a:latin typeface="Arial" panose="020B0604020202020204" pitchFamily="34" charset="0"/>
+              <a:cs typeface="Arial" panose="020B0604020202020204" pitchFamily="34" charset="0"/>
+            </a:rPr>
           </a:br>
           <a:r>
-            <a:rPr lang="de-DE" sz="500"/>
-            <a:t>TP3.2.2</a:t>
+            <a:rPr lang="de-DE" sz="500" dirty="0">
+              <a:latin typeface="Arial" panose="020B0604020202020204" pitchFamily="34" charset="0"/>
+              <a:cs typeface="Arial" panose="020B0604020202020204" pitchFamily="34" charset="0"/>
+            </a:rPr>
+            <a:t>TA3.2.2</a:t>
           </a:r>
         </a:p>
       </dgm:t>
@@ -2826,7 +3243,10 @@
         <a:bodyPr/>
         <a:lstStyle/>
         <a:p>
-          <a:endParaRPr lang="de-DE" sz="1800"/>
+          <a:endParaRPr lang="de-DE" sz="1800">
+            <a:latin typeface="Arial" panose="020B0604020202020204" pitchFamily="34" charset="0"/>
+            <a:cs typeface="Arial" panose="020B0604020202020204" pitchFamily="34" charset="0"/>
+          </a:endParaRPr>
         </a:p>
       </dgm:t>
     </dgm:pt>
@@ -2870,21 +3290,36 @@
             <a:buAutoNum type="arabicPeriod"/>
           </a:pPr>
           <a:r>
-            <a:rPr lang="de-DE" sz="500" dirty="0"/>
+            <a:rPr lang="de-DE" sz="500" dirty="0">
+              <a:latin typeface="Arial" panose="020B0604020202020204" pitchFamily="34" charset="0"/>
+              <a:cs typeface="Arial" panose="020B0604020202020204" pitchFamily="34" charset="0"/>
+            </a:rPr>
             <a:t>AP1</a:t>
           </a:r>
           <a:br>
-            <a:rPr lang="de-DE" sz="500" dirty="0"/>
+            <a:rPr lang="de-DE" sz="500" dirty="0">
+              <a:latin typeface="Arial" panose="020B0604020202020204" pitchFamily="34" charset="0"/>
+              <a:cs typeface="Arial" panose="020B0604020202020204" pitchFamily="34" charset="0"/>
+            </a:rPr>
           </a:br>
           <a:r>
-            <a:rPr lang="de-DE" sz="500" dirty="0"/>
+            <a:rPr lang="de-DE" sz="500" dirty="0">
+              <a:latin typeface="Arial" panose="020B0604020202020204" pitchFamily="34" charset="0"/>
+              <a:cs typeface="Arial" panose="020B0604020202020204" pitchFamily="34" charset="0"/>
+            </a:rPr>
             <a:t>Abfrage für ein Userprofil</a:t>
           </a:r>
           <a:br>
-            <a:rPr lang="de-DE" sz="500" dirty="0"/>
+            <a:rPr lang="de-DE" sz="500" dirty="0">
+              <a:latin typeface="Arial" panose="020B0604020202020204" pitchFamily="34" charset="0"/>
+              <a:cs typeface="Arial" panose="020B0604020202020204" pitchFamily="34" charset="0"/>
+            </a:rPr>
           </a:br>
           <a:r>
-            <a:rPr lang="de-DE" sz="500" dirty="0"/>
+            <a:rPr lang="de-DE" sz="500" dirty="0">
+              <a:latin typeface="Arial" panose="020B0604020202020204" pitchFamily="34" charset="0"/>
+              <a:cs typeface="Arial" panose="020B0604020202020204" pitchFamily="34" charset="0"/>
+            </a:rPr>
             <a:t>3.2.2.1</a:t>
           </a:r>
         </a:p>
@@ -2897,7 +3332,10 @@
         <a:bodyPr/>
         <a:lstStyle/>
         <a:p>
-          <a:endParaRPr lang="de-DE" sz="1800"/>
+          <a:endParaRPr lang="de-DE" sz="1800">
+            <a:latin typeface="Arial" panose="020B0604020202020204" pitchFamily="34" charset="0"/>
+            <a:cs typeface="Arial" panose="020B0604020202020204" pitchFamily="34" charset="0"/>
+          </a:endParaRPr>
         </a:p>
       </dgm:t>
     </dgm:pt>
@@ -2941,21 +3379,36 @@
             <a:buAutoNum type="arabicPeriod"/>
           </a:pPr>
           <a:r>
-            <a:rPr lang="de-DE" sz="500" dirty="0"/>
+            <a:rPr lang="de-DE" sz="500" dirty="0">
+              <a:latin typeface="Arial" panose="020B0604020202020204" pitchFamily="34" charset="0"/>
+              <a:cs typeface="Arial" panose="020B0604020202020204" pitchFamily="34" charset="0"/>
+            </a:rPr>
             <a:t>AP2</a:t>
           </a:r>
           <a:br>
-            <a:rPr lang="de-DE" sz="500" dirty="0"/>
+            <a:rPr lang="de-DE" sz="500" dirty="0">
+              <a:latin typeface="Arial" panose="020B0604020202020204" pitchFamily="34" charset="0"/>
+              <a:cs typeface="Arial" panose="020B0604020202020204" pitchFamily="34" charset="0"/>
+            </a:rPr>
           </a:br>
           <a:r>
-            <a:rPr lang="de-DE" sz="500" dirty="0"/>
+            <a:rPr lang="de-DE" sz="500" dirty="0">
+              <a:latin typeface="Arial" panose="020B0604020202020204" pitchFamily="34" charset="0"/>
+              <a:cs typeface="Arial" panose="020B0604020202020204" pitchFamily="34" charset="0"/>
+            </a:rPr>
             <a:t>Profilmanagement</a:t>
           </a:r>
           <a:br>
-            <a:rPr lang="de-DE" sz="500" dirty="0"/>
+            <a:rPr lang="de-DE" sz="500" dirty="0">
+              <a:latin typeface="Arial" panose="020B0604020202020204" pitchFamily="34" charset="0"/>
+              <a:cs typeface="Arial" panose="020B0604020202020204" pitchFamily="34" charset="0"/>
+            </a:rPr>
           </a:br>
           <a:r>
-            <a:rPr lang="de-DE" sz="500" dirty="0"/>
+            <a:rPr lang="de-DE" sz="500" dirty="0">
+              <a:latin typeface="Arial" panose="020B0604020202020204" pitchFamily="34" charset="0"/>
+              <a:cs typeface="Arial" panose="020B0604020202020204" pitchFamily="34" charset="0"/>
+            </a:rPr>
             <a:t>3.2.2.2</a:t>
           </a:r>
         </a:p>
@@ -2968,7 +3421,10 @@
         <a:bodyPr/>
         <a:lstStyle/>
         <a:p>
-          <a:endParaRPr lang="de-DE" sz="1800"/>
+          <a:endParaRPr lang="de-DE" sz="1800">
+            <a:latin typeface="Arial" panose="020B0604020202020204" pitchFamily="34" charset="0"/>
+            <a:cs typeface="Arial" panose="020B0604020202020204" pitchFamily="34" charset="0"/>
+          </a:endParaRPr>
         </a:p>
       </dgm:t>
     </dgm:pt>
@@ -3012,21 +3468,36 @@
             <a:buAutoNum type="arabicPeriod"/>
           </a:pPr>
           <a:r>
-            <a:rPr lang="de-DE" sz="500" dirty="0"/>
+            <a:rPr lang="de-DE" sz="500" dirty="0">
+              <a:latin typeface="Arial" panose="020B0604020202020204" pitchFamily="34" charset="0"/>
+              <a:cs typeface="Arial" panose="020B0604020202020204" pitchFamily="34" charset="0"/>
+            </a:rPr>
             <a:t>AP3</a:t>
           </a:r>
           <a:br>
-            <a:rPr lang="de-DE" sz="500" dirty="0"/>
+            <a:rPr lang="de-DE" sz="500" dirty="0">
+              <a:latin typeface="Arial" panose="020B0604020202020204" pitchFamily="34" charset="0"/>
+              <a:cs typeface="Arial" panose="020B0604020202020204" pitchFamily="34" charset="0"/>
+            </a:rPr>
           </a:br>
           <a:r>
-            <a:rPr lang="de-DE" sz="500" dirty="0"/>
+            <a:rPr lang="de-DE" sz="500" dirty="0">
+              <a:latin typeface="Arial" panose="020B0604020202020204" pitchFamily="34" charset="0"/>
+              <a:cs typeface="Arial" panose="020B0604020202020204" pitchFamily="34" charset="0"/>
+            </a:rPr>
             <a:t>Nährwertberechnung und Algorithmen entwickeln</a:t>
           </a:r>
           <a:br>
-            <a:rPr lang="de-DE" sz="500" dirty="0"/>
+            <a:rPr lang="de-DE" sz="500" dirty="0">
+              <a:latin typeface="Arial" panose="020B0604020202020204" pitchFamily="34" charset="0"/>
+              <a:cs typeface="Arial" panose="020B0604020202020204" pitchFamily="34" charset="0"/>
+            </a:rPr>
           </a:br>
           <a:r>
-            <a:rPr lang="de-DE" sz="500" dirty="0"/>
+            <a:rPr lang="de-DE" sz="500" dirty="0">
+              <a:latin typeface="Arial" panose="020B0604020202020204" pitchFamily="34" charset="0"/>
+              <a:cs typeface="Arial" panose="020B0604020202020204" pitchFamily="34" charset="0"/>
+            </a:rPr>
             <a:t>3.2.2.3</a:t>
           </a:r>
         </a:p>
@@ -3039,7 +3510,10 @@
         <a:bodyPr/>
         <a:lstStyle/>
         <a:p>
-          <a:endParaRPr lang="de-DE" sz="1800"/>
+          <a:endParaRPr lang="de-DE" sz="1800">
+            <a:latin typeface="Arial" panose="020B0604020202020204" pitchFamily="34" charset="0"/>
+            <a:cs typeface="Arial" panose="020B0604020202020204" pitchFamily="34" charset="0"/>
+          </a:endParaRPr>
         </a:p>
       </dgm:t>
     </dgm:pt>
@@ -3083,21 +3557,36 @@
             <a:buAutoNum type="arabicPeriod"/>
           </a:pPr>
           <a:r>
-            <a:rPr lang="de-DE" sz="500" dirty="0"/>
+            <a:rPr lang="de-DE" sz="500" dirty="0">
+              <a:latin typeface="Arial" panose="020B0604020202020204" pitchFamily="34" charset="0"/>
+              <a:cs typeface="Arial" panose="020B0604020202020204" pitchFamily="34" charset="0"/>
+            </a:rPr>
             <a:t>AP4</a:t>
           </a:r>
           <a:br>
-            <a:rPr lang="de-DE" sz="500" dirty="0"/>
+            <a:rPr lang="de-DE" sz="500" dirty="0">
+              <a:latin typeface="Arial" panose="020B0604020202020204" pitchFamily="34" charset="0"/>
+              <a:cs typeface="Arial" panose="020B0604020202020204" pitchFamily="34" charset="0"/>
+            </a:rPr>
           </a:br>
           <a:r>
-            <a:rPr lang="de-DE" sz="500" dirty="0"/>
+            <a:rPr lang="de-DE" sz="500" dirty="0">
+              <a:latin typeface="Arial" panose="020B0604020202020204" pitchFamily="34" charset="0"/>
+              <a:cs typeface="Arial" panose="020B0604020202020204" pitchFamily="34" charset="0"/>
+            </a:rPr>
             <a:t>Parameter Ernährungsarten</a:t>
           </a:r>
           <a:br>
-            <a:rPr lang="de-DE" sz="500" dirty="0"/>
+            <a:rPr lang="de-DE" sz="500" dirty="0">
+              <a:latin typeface="Arial" panose="020B0604020202020204" pitchFamily="34" charset="0"/>
+              <a:cs typeface="Arial" panose="020B0604020202020204" pitchFamily="34" charset="0"/>
+            </a:rPr>
           </a:br>
           <a:r>
-            <a:rPr lang="de-DE" sz="500" dirty="0"/>
+            <a:rPr lang="de-DE" sz="500" dirty="0">
+              <a:latin typeface="Arial" panose="020B0604020202020204" pitchFamily="34" charset="0"/>
+              <a:cs typeface="Arial" panose="020B0604020202020204" pitchFamily="34" charset="0"/>
+            </a:rPr>
             <a:t>3.2.2.4</a:t>
           </a:r>
         </a:p>
@@ -3110,7 +3599,10 @@
         <a:bodyPr/>
         <a:lstStyle/>
         <a:p>
-          <a:endParaRPr lang="de-DE" sz="1800"/>
+          <a:endParaRPr lang="de-DE" sz="1800">
+            <a:latin typeface="Arial" panose="020B0604020202020204" pitchFamily="34" charset="0"/>
+            <a:cs typeface="Arial" panose="020B0604020202020204" pitchFamily="34" charset="0"/>
+          </a:endParaRPr>
         </a:p>
       </dgm:t>
     </dgm:pt>
@@ -3154,21 +3646,36 @@
             <a:buAutoNum type="arabicPeriod"/>
           </a:pPr>
           <a:r>
-            <a:rPr lang="de-DE" sz="500" dirty="0"/>
+            <a:rPr lang="de-DE" sz="500" dirty="0">
+              <a:latin typeface="Arial" panose="020B0604020202020204" pitchFamily="34" charset="0"/>
+              <a:cs typeface="Arial" panose="020B0604020202020204" pitchFamily="34" charset="0"/>
+            </a:rPr>
             <a:t>AP5</a:t>
           </a:r>
           <a:br>
-            <a:rPr lang="de-DE" sz="500" dirty="0"/>
+            <a:rPr lang="de-DE" sz="500" dirty="0">
+              <a:latin typeface="Arial" panose="020B0604020202020204" pitchFamily="34" charset="0"/>
+              <a:cs typeface="Arial" panose="020B0604020202020204" pitchFamily="34" charset="0"/>
+            </a:rPr>
           </a:br>
           <a:r>
-            <a:rPr lang="de-DE" sz="500" dirty="0"/>
+            <a:rPr lang="de-DE" sz="500" dirty="0">
+              <a:latin typeface="Arial" panose="020B0604020202020204" pitchFamily="34" charset="0"/>
+              <a:cs typeface="Arial" panose="020B0604020202020204" pitchFamily="34" charset="0"/>
+            </a:rPr>
             <a:t>Rezept- und Produktvorschläge</a:t>
           </a:r>
           <a:br>
-            <a:rPr lang="de-DE" sz="500" dirty="0"/>
+            <a:rPr lang="de-DE" sz="500" dirty="0">
+              <a:latin typeface="Arial" panose="020B0604020202020204" pitchFamily="34" charset="0"/>
+              <a:cs typeface="Arial" panose="020B0604020202020204" pitchFamily="34" charset="0"/>
+            </a:rPr>
           </a:br>
           <a:r>
-            <a:rPr lang="de-DE" sz="500" dirty="0"/>
+            <a:rPr lang="de-DE" sz="500" dirty="0">
+              <a:latin typeface="Arial" panose="020B0604020202020204" pitchFamily="34" charset="0"/>
+              <a:cs typeface="Arial" panose="020B0604020202020204" pitchFamily="34" charset="0"/>
+            </a:rPr>
             <a:t>3.2.2.5</a:t>
           </a:r>
         </a:p>
@@ -3181,7 +3688,10 @@
         <a:bodyPr/>
         <a:lstStyle/>
         <a:p>
-          <a:endParaRPr lang="de-DE" sz="1800"/>
+          <a:endParaRPr lang="de-DE" sz="1800">
+            <a:latin typeface="Arial" panose="020B0604020202020204" pitchFamily="34" charset="0"/>
+            <a:cs typeface="Arial" panose="020B0604020202020204" pitchFamily="34" charset="0"/>
+          </a:endParaRPr>
         </a:p>
       </dgm:t>
     </dgm:pt>
@@ -3225,21 +3735,36 @@
             <a:buAutoNum type="arabicPeriod"/>
           </a:pPr>
           <a:r>
-            <a:rPr lang="de-DE" sz="500" dirty="0"/>
+            <a:rPr lang="de-DE" sz="500" dirty="0">
+              <a:latin typeface="Arial" panose="020B0604020202020204" pitchFamily="34" charset="0"/>
+              <a:cs typeface="Arial" panose="020B0604020202020204" pitchFamily="34" charset="0"/>
+            </a:rPr>
             <a:t>AP6</a:t>
           </a:r>
           <a:br>
-            <a:rPr lang="de-DE" sz="500" dirty="0"/>
+            <a:rPr lang="de-DE" sz="500" dirty="0">
+              <a:latin typeface="Arial" panose="020B0604020202020204" pitchFamily="34" charset="0"/>
+              <a:cs typeface="Arial" panose="020B0604020202020204" pitchFamily="34" charset="0"/>
+            </a:rPr>
           </a:br>
           <a:r>
-            <a:rPr lang="de-DE" sz="500" dirty="0"/>
+            <a:rPr lang="de-DE" sz="500" dirty="0">
+              <a:latin typeface="Arial" panose="020B0604020202020204" pitchFamily="34" charset="0"/>
+              <a:cs typeface="Arial" panose="020B0604020202020204" pitchFamily="34" charset="0"/>
+            </a:rPr>
             <a:t>Eintragung eigener Lebensmittel und Rezepte </a:t>
           </a:r>
           <a:br>
-            <a:rPr lang="de-DE" sz="500" dirty="0"/>
+            <a:rPr lang="de-DE" sz="500" dirty="0">
+              <a:latin typeface="Arial" panose="020B0604020202020204" pitchFamily="34" charset="0"/>
+              <a:cs typeface="Arial" panose="020B0604020202020204" pitchFamily="34" charset="0"/>
+            </a:rPr>
           </a:br>
           <a:r>
-            <a:rPr lang="de-DE" sz="500" dirty="0"/>
+            <a:rPr lang="de-DE" sz="500" dirty="0">
+              <a:latin typeface="Arial" panose="020B0604020202020204" pitchFamily="34" charset="0"/>
+              <a:cs typeface="Arial" panose="020B0604020202020204" pitchFamily="34" charset="0"/>
+            </a:rPr>
             <a:t>3.2.2.6</a:t>
           </a:r>
         </a:p>
@@ -3252,7 +3777,10 @@
         <a:bodyPr/>
         <a:lstStyle/>
         <a:p>
-          <a:endParaRPr lang="de-DE" sz="1800"/>
+          <a:endParaRPr lang="de-DE" sz="1800">
+            <a:latin typeface="Arial" panose="020B0604020202020204" pitchFamily="34" charset="0"/>
+            <a:cs typeface="Arial" panose="020B0604020202020204" pitchFamily="34" charset="0"/>
+          </a:endParaRPr>
         </a:p>
       </dgm:t>
     </dgm:pt>
@@ -3296,21 +3824,36 @@
             <a:buAutoNum type="arabicPeriod"/>
           </a:pPr>
           <a:r>
-            <a:rPr lang="de-DE" sz="500" dirty="0"/>
+            <a:rPr lang="de-DE" sz="500" dirty="0">
+              <a:latin typeface="Arial" panose="020B0604020202020204" pitchFamily="34" charset="0"/>
+              <a:cs typeface="Arial" panose="020B0604020202020204" pitchFamily="34" charset="0"/>
+            </a:rPr>
             <a:t>AP7</a:t>
           </a:r>
           <a:br>
-            <a:rPr lang="de-DE" sz="500" dirty="0"/>
+            <a:rPr lang="de-DE" sz="500" dirty="0">
+              <a:latin typeface="Arial" panose="020B0604020202020204" pitchFamily="34" charset="0"/>
+              <a:cs typeface="Arial" panose="020B0604020202020204" pitchFamily="34" charset="0"/>
+            </a:rPr>
           </a:br>
           <a:r>
-            <a:rPr lang="de-DE" sz="500" dirty="0"/>
+            <a:rPr lang="de-DE" sz="500" dirty="0">
+              <a:latin typeface="Arial" panose="020B0604020202020204" pitchFamily="34" charset="0"/>
+              <a:cs typeface="Arial" panose="020B0604020202020204" pitchFamily="34" charset="0"/>
+            </a:rPr>
             <a:t>Anmerkungen bei unpassenden Produkten </a:t>
           </a:r>
           <a:br>
-            <a:rPr lang="de-DE" sz="500" dirty="0"/>
+            <a:rPr lang="de-DE" sz="500" dirty="0">
+              <a:latin typeface="Arial" panose="020B0604020202020204" pitchFamily="34" charset="0"/>
+              <a:cs typeface="Arial" panose="020B0604020202020204" pitchFamily="34" charset="0"/>
+            </a:rPr>
           </a:br>
           <a:r>
-            <a:rPr lang="de-DE" sz="500" dirty="0"/>
+            <a:rPr lang="de-DE" sz="500" dirty="0">
+              <a:latin typeface="Arial" panose="020B0604020202020204" pitchFamily="34" charset="0"/>
+              <a:cs typeface="Arial" panose="020B0604020202020204" pitchFamily="34" charset="0"/>
+            </a:rPr>
             <a:t>3.2.2.7</a:t>
           </a:r>
         </a:p>
@@ -3323,7 +3866,10 @@
         <a:bodyPr/>
         <a:lstStyle/>
         <a:p>
-          <a:endParaRPr lang="de-DE" sz="1800"/>
+          <a:endParaRPr lang="de-DE" sz="1800">
+            <a:latin typeface="Arial" panose="020B0604020202020204" pitchFamily="34" charset="0"/>
+            <a:cs typeface="Arial" panose="020B0604020202020204" pitchFamily="34" charset="0"/>
+          </a:endParaRPr>
         </a:p>
       </dgm:t>
     </dgm:pt>
@@ -3367,21 +3913,36 @@
             <a:buAutoNum type="arabicPeriod"/>
           </a:pPr>
           <a:r>
-            <a:rPr lang="de-DE" sz="500" dirty="0"/>
-            <a:t>AP1</a:t>
+            <a:rPr lang="de-DE" sz="500" dirty="0">
+              <a:latin typeface="Arial" panose="020B0604020202020204" pitchFamily="34" charset="0"/>
+              <a:cs typeface="Arial" panose="020B0604020202020204" pitchFamily="34" charset="0"/>
+            </a:rPr>
+            <a:t>AP1.1</a:t>
           </a:r>
           <a:br>
-            <a:rPr lang="de-DE" sz="500" dirty="0"/>
+            <a:rPr lang="de-DE" sz="500" dirty="0">
+              <a:latin typeface="Arial" panose="020B0604020202020204" pitchFamily="34" charset="0"/>
+              <a:cs typeface="Arial" panose="020B0604020202020204" pitchFamily="34" charset="0"/>
+            </a:rPr>
           </a:br>
           <a:r>
-            <a:rPr lang="de-DE" sz="500" dirty="0"/>
+            <a:rPr lang="de-DE" sz="500" dirty="0">
+              <a:latin typeface="Arial" panose="020B0604020202020204" pitchFamily="34" charset="0"/>
+              <a:cs typeface="Arial" panose="020B0604020202020204" pitchFamily="34" charset="0"/>
+            </a:rPr>
             <a:t>Konzept und Design entwerfen </a:t>
           </a:r>
           <a:br>
-            <a:rPr lang="de-DE" sz="500" dirty="0"/>
+            <a:rPr lang="de-DE" sz="500" dirty="0">
+              <a:latin typeface="Arial" panose="020B0604020202020204" pitchFamily="34" charset="0"/>
+              <a:cs typeface="Arial" panose="020B0604020202020204" pitchFamily="34" charset="0"/>
+            </a:rPr>
           </a:br>
           <a:r>
-            <a:rPr lang="de-DE" sz="500" dirty="0"/>
+            <a:rPr lang="de-DE" sz="500" dirty="0">
+              <a:latin typeface="Arial" panose="020B0604020202020204" pitchFamily="34" charset="0"/>
+              <a:cs typeface="Arial" panose="020B0604020202020204" pitchFamily="34" charset="0"/>
+            </a:rPr>
             <a:t>3.2.3</a:t>
           </a:r>
         </a:p>
@@ -3394,7 +3955,10 @@
         <a:bodyPr/>
         <a:lstStyle/>
         <a:p>
-          <a:endParaRPr lang="de-DE" sz="1800"/>
+          <a:endParaRPr lang="de-DE" sz="1800">
+            <a:latin typeface="Arial" panose="020B0604020202020204" pitchFamily="34" charset="0"/>
+            <a:cs typeface="Arial" panose="020B0604020202020204" pitchFamily="34" charset="0"/>
+          </a:endParaRPr>
         </a:p>
       </dgm:t>
     </dgm:pt>
@@ -3438,21 +4002,36 @@
             <a:buAutoNum type="arabicPeriod"/>
           </a:pPr>
           <a:r>
-            <a:rPr lang="de-DE" sz="500" dirty="0"/>
-            <a:t>AP1</a:t>
+            <a:rPr lang="de-DE" sz="500" dirty="0">
+              <a:latin typeface="Arial" panose="020B0604020202020204" pitchFamily="34" charset="0"/>
+              <a:cs typeface="Arial" panose="020B0604020202020204" pitchFamily="34" charset="0"/>
+            </a:rPr>
+            <a:t>AP1.2</a:t>
           </a:r>
           <a:br>
-            <a:rPr lang="de-DE" sz="500" dirty="0"/>
+            <a:rPr lang="de-DE" sz="500" dirty="0">
+              <a:latin typeface="Arial" panose="020B0604020202020204" pitchFamily="34" charset="0"/>
+              <a:cs typeface="Arial" panose="020B0604020202020204" pitchFamily="34" charset="0"/>
+            </a:rPr>
           </a:br>
           <a:r>
-            <a:rPr lang="de-DE" sz="500" dirty="0"/>
+            <a:rPr lang="de-DE" sz="500" dirty="0">
+              <a:latin typeface="Arial" panose="020B0604020202020204" pitchFamily="34" charset="0"/>
+              <a:cs typeface="Arial" panose="020B0604020202020204" pitchFamily="34" charset="0"/>
+            </a:rPr>
             <a:t>Notizartige Einkaufslistenoption</a:t>
           </a:r>
           <a:br>
-            <a:rPr lang="de-DE" sz="500" dirty="0"/>
+            <a:rPr lang="de-DE" sz="500" dirty="0">
+              <a:latin typeface="Arial" panose="020B0604020202020204" pitchFamily="34" charset="0"/>
+              <a:cs typeface="Arial" panose="020B0604020202020204" pitchFamily="34" charset="0"/>
+            </a:rPr>
           </a:br>
           <a:r>
-            <a:rPr lang="de-DE" sz="500" dirty="0"/>
+            <a:rPr lang="de-DE" sz="500" dirty="0">
+              <a:latin typeface="Arial" panose="020B0604020202020204" pitchFamily="34" charset="0"/>
+              <a:cs typeface="Arial" panose="020B0604020202020204" pitchFamily="34" charset="0"/>
+            </a:rPr>
             <a:t>3.2.4</a:t>
           </a:r>
         </a:p>
@@ -3465,7 +4044,10 @@
         <a:bodyPr/>
         <a:lstStyle/>
         <a:p>
-          <a:endParaRPr lang="de-DE" sz="1800"/>
+          <a:endParaRPr lang="de-DE" sz="1800">
+            <a:latin typeface="Arial" panose="020B0604020202020204" pitchFamily="34" charset="0"/>
+            <a:cs typeface="Arial" panose="020B0604020202020204" pitchFamily="34" charset="0"/>
+          </a:endParaRPr>
         </a:p>
       </dgm:t>
     </dgm:pt>
@@ -3509,21 +4091,36 @@
             <a:buAutoNum type="arabicPeriod"/>
           </a:pPr>
           <a:r>
-            <a:rPr lang="de-DE" sz="500" dirty="0"/>
-            <a:t>AP1</a:t>
+            <a:rPr lang="de-DE" sz="500" dirty="0">
+              <a:latin typeface="Arial" panose="020B0604020202020204" pitchFamily="34" charset="0"/>
+              <a:cs typeface="Arial" panose="020B0604020202020204" pitchFamily="34" charset="0"/>
+            </a:rPr>
+            <a:t>AP1.3</a:t>
           </a:r>
           <a:br>
-            <a:rPr lang="de-DE" sz="500" dirty="0"/>
+            <a:rPr lang="de-DE" sz="500" dirty="0">
+              <a:latin typeface="Arial" panose="020B0604020202020204" pitchFamily="34" charset="0"/>
+              <a:cs typeface="Arial" panose="020B0604020202020204" pitchFamily="34" charset="0"/>
+            </a:rPr>
           </a:br>
           <a:r>
-            <a:rPr lang="de-DE" sz="500" dirty="0"/>
+            <a:rPr lang="de-DE" sz="500" dirty="0">
+              <a:latin typeface="Arial" panose="020B0604020202020204" pitchFamily="34" charset="0"/>
+              <a:cs typeface="Arial" panose="020B0604020202020204" pitchFamily="34" charset="0"/>
+            </a:rPr>
             <a:t>Kompletter Testdurchlauf der gesamten App</a:t>
           </a:r>
           <a:br>
-            <a:rPr lang="de-DE" sz="500" dirty="0"/>
+            <a:rPr lang="de-DE" sz="500" dirty="0">
+              <a:latin typeface="Arial" panose="020B0604020202020204" pitchFamily="34" charset="0"/>
+              <a:cs typeface="Arial" panose="020B0604020202020204" pitchFamily="34" charset="0"/>
+            </a:rPr>
           </a:br>
           <a:r>
-            <a:rPr lang="de-DE" sz="500" dirty="0"/>
+            <a:rPr lang="de-DE" sz="500" dirty="0">
+              <a:latin typeface="Arial" panose="020B0604020202020204" pitchFamily="34" charset="0"/>
+              <a:cs typeface="Arial" panose="020B0604020202020204" pitchFamily="34" charset="0"/>
+            </a:rPr>
             <a:t>3.2.5</a:t>
           </a:r>
         </a:p>
@@ -3536,7 +4133,10 @@
         <a:bodyPr/>
         <a:lstStyle/>
         <a:p>
-          <a:endParaRPr lang="de-DE" sz="1800"/>
+          <a:endParaRPr lang="de-DE" sz="1800">
+            <a:latin typeface="Arial" panose="020B0604020202020204" pitchFamily="34" charset="0"/>
+            <a:cs typeface="Arial" panose="020B0604020202020204" pitchFamily="34" charset="0"/>
+          </a:endParaRPr>
         </a:p>
       </dgm:t>
     </dgm:pt>
@@ -3578,15 +4178,24 @@
             <a:buAutoNum type="arabicPeriod"/>
           </a:pPr>
           <a:r>
-            <a:rPr lang="de-DE" sz="500"/>
+            <a:rPr lang="de-DE" sz="500" dirty="0">
+              <a:latin typeface="Arial" panose="020B0604020202020204" pitchFamily="34" charset="0"/>
+              <a:cs typeface="Arial" panose="020B0604020202020204" pitchFamily="34" charset="0"/>
+            </a:rPr>
             <a:t>Projektsteuerung</a:t>
           </a:r>
           <a:br>
-            <a:rPr lang="de-DE" sz="500"/>
+            <a:rPr lang="de-DE" sz="500" dirty="0">
+              <a:latin typeface="Arial" panose="020B0604020202020204" pitchFamily="34" charset="0"/>
+              <a:cs typeface="Arial" panose="020B0604020202020204" pitchFamily="34" charset="0"/>
+            </a:rPr>
           </a:br>
           <a:r>
-            <a:rPr lang="de-DE" sz="500"/>
-            <a:t>TP3.3</a:t>
+            <a:rPr lang="de-DE" sz="500" dirty="0">
+              <a:latin typeface="Arial" panose="020B0604020202020204" pitchFamily="34" charset="0"/>
+              <a:cs typeface="Arial" panose="020B0604020202020204" pitchFamily="34" charset="0"/>
+            </a:rPr>
+            <a:t>TA3.3</a:t>
           </a:r>
         </a:p>
       </dgm:t>
@@ -3598,7 +4207,10 @@
         <a:bodyPr/>
         <a:lstStyle/>
         <a:p>
-          <a:endParaRPr lang="de-DE" sz="1800"/>
+          <a:endParaRPr lang="de-DE" sz="1800">
+            <a:latin typeface="Arial" panose="020B0604020202020204" pitchFamily="34" charset="0"/>
+            <a:cs typeface="Arial" panose="020B0604020202020204" pitchFamily="34" charset="0"/>
+          </a:endParaRPr>
         </a:p>
       </dgm:t>
     </dgm:pt>
@@ -3642,21 +4254,36 @@
             <a:buAutoNum type="arabicPeriod"/>
           </a:pPr>
           <a:r>
-            <a:rPr lang="de-DE" sz="500" dirty="0"/>
+            <a:rPr lang="de-DE" sz="500" dirty="0">
+              <a:latin typeface="Arial" panose="020B0604020202020204" pitchFamily="34" charset="0"/>
+              <a:cs typeface="Arial" panose="020B0604020202020204" pitchFamily="34" charset="0"/>
+            </a:rPr>
             <a:t>AP1</a:t>
           </a:r>
           <a:br>
-            <a:rPr lang="de-DE" sz="500" dirty="0"/>
+            <a:rPr lang="de-DE" sz="500" dirty="0">
+              <a:latin typeface="Arial" panose="020B0604020202020204" pitchFamily="34" charset="0"/>
+              <a:cs typeface="Arial" panose="020B0604020202020204" pitchFamily="34" charset="0"/>
+            </a:rPr>
           </a:br>
           <a:r>
-            <a:rPr lang="de-DE" sz="500" dirty="0"/>
+            <a:rPr lang="de-DE" sz="500" dirty="0">
+              <a:latin typeface="Arial" panose="020B0604020202020204" pitchFamily="34" charset="0"/>
+              <a:cs typeface="Arial" panose="020B0604020202020204" pitchFamily="34" charset="0"/>
+            </a:rPr>
             <a:t>Teamsitzung</a:t>
           </a:r>
           <a:br>
-            <a:rPr lang="de-DE" sz="500" dirty="0"/>
+            <a:rPr lang="de-DE" sz="500" dirty="0">
+              <a:latin typeface="Arial" panose="020B0604020202020204" pitchFamily="34" charset="0"/>
+              <a:cs typeface="Arial" panose="020B0604020202020204" pitchFamily="34" charset="0"/>
+            </a:rPr>
           </a:br>
           <a:r>
-            <a:rPr lang="de-DE" sz="500" dirty="0"/>
+            <a:rPr lang="de-DE" sz="500" dirty="0">
+              <a:latin typeface="Arial" panose="020B0604020202020204" pitchFamily="34" charset="0"/>
+              <a:cs typeface="Arial" panose="020B0604020202020204" pitchFamily="34" charset="0"/>
+            </a:rPr>
             <a:t>3.3.1</a:t>
           </a:r>
         </a:p>
@@ -3669,7 +4296,10 @@
         <a:bodyPr/>
         <a:lstStyle/>
         <a:p>
-          <a:endParaRPr lang="de-DE" sz="1800"/>
+          <a:endParaRPr lang="de-DE" sz="1800">
+            <a:latin typeface="Arial" panose="020B0604020202020204" pitchFamily="34" charset="0"/>
+            <a:cs typeface="Arial" panose="020B0604020202020204" pitchFamily="34" charset="0"/>
+          </a:endParaRPr>
         </a:p>
       </dgm:t>
     </dgm:pt>
@@ -3713,21 +4343,36 @@
             <a:buAutoNum type="arabicPeriod"/>
           </a:pPr>
           <a:r>
-            <a:rPr lang="de-DE" sz="500" dirty="0"/>
+            <a:rPr lang="de-DE" sz="500" dirty="0">
+              <a:latin typeface="Arial" panose="020B0604020202020204" pitchFamily="34" charset="0"/>
+              <a:cs typeface="Arial" panose="020B0604020202020204" pitchFamily="34" charset="0"/>
+            </a:rPr>
             <a:t>AP2</a:t>
           </a:r>
           <a:br>
-            <a:rPr lang="de-DE" sz="500" dirty="0"/>
+            <a:rPr lang="de-DE" sz="500" dirty="0">
+              <a:latin typeface="Arial" panose="020B0604020202020204" pitchFamily="34" charset="0"/>
+              <a:cs typeface="Arial" panose="020B0604020202020204" pitchFamily="34" charset="0"/>
+            </a:rPr>
           </a:br>
           <a:r>
-            <a:rPr lang="de-DE" sz="500" dirty="0"/>
+            <a:rPr lang="de-DE" sz="500" dirty="0">
+              <a:latin typeface="Arial" panose="020B0604020202020204" pitchFamily="34" charset="0"/>
+              <a:cs typeface="Arial" panose="020B0604020202020204" pitchFamily="34" charset="0"/>
+            </a:rPr>
             <a:t>Soll-Ist-Vergleich</a:t>
           </a:r>
           <a:br>
-            <a:rPr lang="de-DE" sz="500" dirty="0"/>
+            <a:rPr lang="de-DE" sz="500" dirty="0">
+              <a:latin typeface="Arial" panose="020B0604020202020204" pitchFamily="34" charset="0"/>
+              <a:cs typeface="Arial" panose="020B0604020202020204" pitchFamily="34" charset="0"/>
+            </a:rPr>
           </a:br>
           <a:r>
-            <a:rPr lang="de-DE" sz="500" dirty="0"/>
+            <a:rPr lang="de-DE" sz="500" dirty="0">
+              <a:latin typeface="Arial" panose="020B0604020202020204" pitchFamily="34" charset="0"/>
+              <a:cs typeface="Arial" panose="020B0604020202020204" pitchFamily="34" charset="0"/>
+            </a:rPr>
             <a:t>3.3.2</a:t>
           </a:r>
         </a:p>
@@ -3740,7 +4385,10 @@
         <a:bodyPr/>
         <a:lstStyle/>
         <a:p>
-          <a:endParaRPr lang="de-DE" sz="1800"/>
+          <a:endParaRPr lang="de-DE" sz="1800">
+            <a:latin typeface="Arial" panose="020B0604020202020204" pitchFamily="34" charset="0"/>
+            <a:cs typeface="Arial" panose="020B0604020202020204" pitchFamily="34" charset="0"/>
+          </a:endParaRPr>
         </a:p>
       </dgm:t>
     </dgm:pt>
@@ -3782,7 +4430,10 @@
             <a:buAutoNum type="arabicPeriod"/>
           </a:pPr>
           <a:r>
-            <a:rPr lang="de-DE" sz="600" b="1" dirty="0"/>
+            <a:rPr lang="de-DE" sz="600" b="1" dirty="0">
+              <a:latin typeface="Arial" panose="020B0604020202020204" pitchFamily="34" charset="0"/>
+              <a:cs typeface="Arial" panose="020B0604020202020204" pitchFamily="34" charset="0"/>
+            </a:rPr>
             <a:t>4.Abschlussphase</a:t>
           </a:r>
         </a:p>
@@ -3795,7 +4446,10 @@
         <a:bodyPr/>
         <a:lstStyle/>
         <a:p>
-          <a:endParaRPr lang="de-DE" sz="1800"/>
+          <a:endParaRPr lang="de-DE" sz="1800">
+            <a:latin typeface="Arial" panose="020B0604020202020204" pitchFamily="34" charset="0"/>
+            <a:cs typeface="Arial" panose="020B0604020202020204" pitchFamily="34" charset="0"/>
+          </a:endParaRPr>
         </a:p>
       </dgm:t>
     </dgm:pt>
@@ -3839,21 +4493,36 @@
             <a:buAutoNum type="arabicPeriod"/>
           </a:pPr>
           <a:r>
-            <a:rPr lang="de-DE" sz="500" dirty="0"/>
-            <a:t>AP1</a:t>
+            <a:rPr lang="de-DE" sz="500" dirty="0">
+              <a:latin typeface="Arial" panose="020B0604020202020204" pitchFamily="34" charset="0"/>
+              <a:cs typeface="Arial" panose="020B0604020202020204" pitchFamily="34" charset="0"/>
+            </a:rPr>
+            <a:t>AP1.1</a:t>
           </a:r>
           <a:br>
-            <a:rPr lang="de-DE" sz="500" dirty="0"/>
+            <a:rPr lang="de-DE" sz="500" dirty="0">
+              <a:latin typeface="Arial" panose="020B0604020202020204" pitchFamily="34" charset="0"/>
+              <a:cs typeface="Arial" panose="020B0604020202020204" pitchFamily="34" charset="0"/>
+            </a:rPr>
           </a:br>
           <a:r>
-            <a:rPr lang="de-DE" sz="500" dirty="0"/>
+            <a:rPr lang="de-DE" sz="500" dirty="0">
+              <a:latin typeface="Arial" panose="020B0604020202020204" pitchFamily="34" charset="0"/>
+              <a:cs typeface="Arial" panose="020B0604020202020204" pitchFamily="34" charset="0"/>
+            </a:rPr>
             <a:t>Reflexion des Projektverlaufes </a:t>
           </a:r>
           <a:br>
-            <a:rPr lang="de-DE" sz="500" dirty="0"/>
+            <a:rPr lang="de-DE" sz="500" dirty="0">
+              <a:latin typeface="Arial" panose="020B0604020202020204" pitchFamily="34" charset="0"/>
+              <a:cs typeface="Arial" panose="020B0604020202020204" pitchFamily="34" charset="0"/>
+            </a:rPr>
           </a:br>
           <a:r>
-            <a:rPr lang="de-DE" sz="500" dirty="0"/>
+            <a:rPr lang="de-DE" sz="500" dirty="0">
+              <a:latin typeface="Arial" panose="020B0604020202020204" pitchFamily="34" charset="0"/>
+              <a:cs typeface="Arial" panose="020B0604020202020204" pitchFamily="34" charset="0"/>
+            </a:rPr>
             <a:t>4.1</a:t>
           </a:r>
         </a:p>
@@ -3866,7 +4535,10 @@
         <a:bodyPr/>
         <a:lstStyle/>
         <a:p>
-          <a:endParaRPr lang="de-DE" sz="1800"/>
+          <a:endParaRPr lang="de-DE" sz="1800">
+            <a:latin typeface="Arial" panose="020B0604020202020204" pitchFamily="34" charset="0"/>
+            <a:cs typeface="Arial" panose="020B0604020202020204" pitchFamily="34" charset="0"/>
+          </a:endParaRPr>
         </a:p>
       </dgm:t>
     </dgm:pt>
@@ -3910,21 +4582,36 @@
             <a:buAutoNum type="arabicPeriod"/>
           </a:pPr>
           <a:r>
-            <a:rPr lang="de-DE" sz="500" dirty="0"/>
-            <a:t>AP1</a:t>
+            <a:rPr lang="de-DE" sz="500" dirty="0">
+              <a:latin typeface="Arial" panose="020B0604020202020204" pitchFamily="34" charset="0"/>
+              <a:cs typeface="Arial" panose="020B0604020202020204" pitchFamily="34" charset="0"/>
+            </a:rPr>
+            <a:t>AP1.2</a:t>
           </a:r>
           <a:br>
-            <a:rPr lang="de-DE" sz="500" dirty="0"/>
+            <a:rPr lang="de-DE" sz="500" dirty="0">
+              <a:latin typeface="Arial" panose="020B0604020202020204" pitchFamily="34" charset="0"/>
+              <a:cs typeface="Arial" panose="020B0604020202020204" pitchFamily="34" charset="0"/>
+            </a:rPr>
           </a:br>
           <a:r>
-            <a:rPr lang="de-DE" sz="500" dirty="0"/>
+            <a:rPr lang="de-DE" sz="500" dirty="0">
+              <a:latin typeface="Arial" panose="020B0604020202020204" pitchFamily="34" charset="0"/>
+              <a:cs typeface="Arial" panose="020B0604020202020204" pitchFamily="34" charset="0"/>
+            </a:rPr>
             <a:t>Abschlussbericht erstellen</a:t>
           </a:r>
           <a:br>
-            <a:rPr lang="de-DE" sz="500" dirty="0"/>
+            <a:rPr lang="de-DE" sz="500" dirty="0">
+              <a:latin typeface="Arial" panose="020B0604020202020204" pitchFamily="34" charset="0"/>
+              <a:cs typeface="Arial" panose="020B0604020202020204" pitchFamily="34" charset="0"/>
+            </a:rPr>
           </a:br>
           <a:r>
-            <a:rPr lang="de-DE" sz="500" dirty="0"/>
+            <a:rPr lang="de-DE" sz="500" dirty="0">
+              <a:latin typeface="Arial" panose="020B0604020202020204" pitchFamily="34" charset="0"/>
+              <a:cs typeface="Arial" panose="020B0604020202020204" pitchFamily="34" charset="0"/>
+            </a:rPr>
             <a:t>4.2</a:t>
           </a:r>
         </a:p>
@@ -3937,7 +4624,10 @@
         <a:bodyPr/>
         <a:lstStyle/>
         <a:p>
-          <a:endParaRPr lang="de-DE" sz="1800"/>
+          <a:endParaRPr lang="de-DE" sz="1800">
+            <a:latin typeface="Arial" panose="020B0604020202020204" pitchFamily="34" charset="0"/>
+            <a:cs typeface="Arial" panose="020B0604020202020204" pitchFamily="34" charset="0"/>
+          </a:endParaRPr>
         </a:p>
       </dgm:t>
     </dgm:pt>
@@ -3981,21 +4671,36 @@
             <a:buAutoNum type="arabicPeriod"/>
           </a:pPr>
           <a:r>
-            <a:rPr lang="de-DE" sz="500" dirty="0"/>
-            <a:t>AP1</a:t>
+            <a:rPr lang="de-DE" sz="500" dirty="0">
+              <a:latin typeface="Arial" panose="020B0604020202020204" pitchFamily="34" charset="0"/>
+              <a:cs typeface="Arial" panose="020B0604020202020204" pitchFamily="34" charset="0"/>
+            </a:rPr>
+            <a:t>AP1.3</a:t>
           </a:r>
           <a:br>
-            <a:rPr lang="de-DE" sz="500" dirty="0"/>
+            <a:rPr lang="de-DE" sz="500" dirty="0">
+              <a:latin typeface="Arial" panose="020B0604020202020204" pitchFamily="34" charset="0"/>
+              <a:cs typeface="Arial" panose="020B0604020202020204" pitchFamily="34" charset="0"/>
+            </a:rPr>
           </a:br>
           <a:r>
-            <a:rPr lang="de-DE" sz="500" dirty="0"/>
+            <a:rPr lang="de-DE" sz="500" dirty="0">
+              <a:latin typeface="Arial" panose="020B0604020202020204" pitchFamily="34" charset="0"/>
+              <a:cs typeface="Arial" panose="020B0604020202020204" pitchFamily="34" charset="0"/>
+            </a:rPr>
             <a:t>Vorstellung des Projektergebnisses</a:t>
           </a:r>
           <a:br>
-            <a:rPr lang="de-DE" sz="500" dirty="0"/>
+            <a:rPr lang="de-DE" sz="500" dirty="0">
+              <a:latin typeface="Arial" panose="020B0604020202020204" pitchFamily="34" charset="0"/>
+              <a:cs typeface="Arial" panose="020B0604020202020204" pitchFamily="34" charset="0"/>
+            </a:rPr>
           </a:br>
           <a:r>
-            <a:rPr lang="de-DE" sz="500" dirty="0"/>
+            <a:rPr lang="de-DE" sz="500" dirty="0">
+              <a:latin typeface="Arial" panose="020B0604020202020204" pitchFamily="34" charset="0"/>
+              <a:cs typeface="Arial" panose="020B0604020202020204" pitchFamily="34" charset="0"/>
+            </a:rPr>
             <a:t>4.3</a:t>
           </a:r>
         </a:p>
@@ -4008,7 +4713,10 @@
         <a:bodyPr/>
         <a:lstStyle/>
         <a:p>
-          <a:endParaRPr lang="de-DE" sz="1800"/>
+          <a:endParaRPr lang="de-DE" sz="1800">
+            <a:latin typeface="Arial" panose="020B0604020202020204" pitchFamily="34" charset="0"/>
+            <a:cs typeface="Arial" panose="020B0604020202020204" pitchFamily="34" charset="0"/>
+          </a:endParaRPr>
         </a:p>
       </dgm:t>
     </dgm:pt>
@@ -4052,24 +4760,38 @@
             <a:buAutoNum type="arabicPeriod"/>
           </a:pPr>
           <a:r>
-            <a:rPr lang="de-DE" sz="500" dirty="0"/>
-            <a:t>AP1</a:t>
+            <a:rPr lang="de-DE" sz="500" dirty="0">
+              <a:latin typeface="Arial" panose="020B0604020202020204" pitchFamily="34" charset="0"/>
+              <a:cs typeface="Arial" panose="020B0604020202020204" pitchFamily="34" charset="0"/>
+            </a:rPr>
+            <a:t>AP1.4</a:t>
           </a:r>
           <a:br>
-            <a:rPr lang="de-DE" sz="500" dirty="0"/>
+            <a:rPr lang="de-DE" sz="500" dirty="0">
+              <a:latin typeface="Arial" panose="020B0604020202020204" pitchFamily="34" charset="0"/>
+              <a:cs typeface="Arial" panose="020B0604020202020204" pitchFamily="34" charset="0"/>
+            </a:rPr>
           </a:br>
           <a:r>
-            <a:rPr lang="de-DE" sz="500" dirty="0"/>
+            <a:rPr lang="de-DE" sz="500" dirty="0">
+              <a:latin typeface="Arial" panose="020B0604020202020204" pitchFamily="34" charset="0"/>
+              <a:cs typeface="Arial" panose="020B0604020202020204" pitchFamily="34" charset="0"/>
+            </a:rPr>
             <a:t>Abnahme der App</a:t>
           </a:r>
           <a:br>
-            <a:rPr lang="de-DE" sz="500"/>
+            <a:rPr lang="de-DE" sz="500" dirty="0">
+              <a:latin typeface="Arial" panose="020B0604020202020204" pitchFamily="34" charset="0"/>
+              <a:cs typeface="Arial" panose="020B0604020202020204" pitchFamily="34" charset="0"/>
+            </a:rPr>
           </a:br>
           <a:r>
-            <a:rPr lang="de-DE" sz="500"/>
+            <a:rPr lang="de-DE" sz="500" dirty="0">
+              <a:latin typeface="Arial" panose="020B0604020202020204" pitchFamily="34" charset="0"/>
+              <a:cs typeface="Arial" panose="020B0604020202020204" pitchFamily="34" charset="0"/>
+            </a:rPr>
             <a:t>4.4</a:t>
           </a:r>
-          <a:endParaRPr lang="de-DE" sz="500" dirty="0"/>
         </a:p>
       </dgm:t>
     </dgm:pt>
@@ -4080,7 +4802,10 @@
         <a:bodyPr/>
         <a:lstStyle/>
         <a:p>
-          <a:endParaRPr lang="de-DE" sz="1800"/>
+          <a:endParaRPr lang="de-DE" sz="1800">
+            <a:latin typeface="Arial" panose="020B0604020202020204" pitchFamily="34" charset="0"/>
+            <a:cs typeface="Arial" panose="020B0604020202020204" pitchFamily="34" charset="0"/>
+          </a:endParaRPr>
         </a:p>
       </dgm:t>
     </dgm:pt>
@@ -4106,7 +4831,10 @@
             <a:buFont typeface="+mj-lt"/>
             <a:buAutoNum type="arabicPeriod"/>
           </a:pPr>
-          <a:endParaRPr lang="de-DE" sz="500" dirty="0"/>
+          <a:endParaRPr lang="de-DE" sz="500" dirty="0">
+            <a:latin typeface="Arial" panose="020B0604020202020204" pitchFamily="34" charset="0"/>
+            <a:cs typeface="Arial" panose="020B0604020202020204" pitchFamily="34" charset="0"/>
+          </a:endParaRPr>
         </a:p>
       </dgm:t>
     </dgm:pt>
@@ -4117,7 +4845,10 @@
         <a:bodyPr/>
         <a:lstStyle/>
         <a:p>
-          <a:endParaRPr lang="de-DE" sz="1800"/>
+          <a:endParaRPr lang="de-DE" sz="1800">
+            <a:latin typeface="Arial" panose="020B0604020202020204" pitchFamily="34" charset="0"/>
+            <a:cs typeface="Arial" panose="020B0604020202020204" pitchFamily="34" charset="0"/>
+          </a:endParaRPr>
         </a:p>
       </dgm:t>
     </dgm:pt>
@@ -4161,21 +4892,36 @@
             <a:buAutoNum type="arabicPeriod"/>
           </a:pPr>
           <a:r>
-            <a:rPr lang="de-DE" sz="500" dirty="0"/>
+            <a:rPr lang="de-DE" sz="500" dirty="0">
+              <a:latin typeface="Arial" panose="020B0604020202020204" pitchFamily="34" charset="0"/>
+              <a:cs typeface="Arial" panose="020B0604020202020204" pitchFamily="34" charset="0"/>
+            </a:rPr>
             <a:t>AP4</a:t>
           </a:r>
           <a:br>
-            <a:rPr lang="de-DE" sz="500" dirty="0"/>
+            <a:rPr lang="de-DE" sz="500" dirty="0">
+              <a:latin typeface="Arial" panose="020B0604020202020204" pitchFamily="34" charset="0"/>
+              <a:cs typeface="Arial" panose="020B0604020202020204" pitchFamily="34" charset="0"/>
+            </a:rPr>
           </a:br>
           <a:r>
-            <a:rPr lang="de-DE" sz="500" dirty="0"/>
+            <a:rPr lang="de-DE" sz="500" dirty="0">
+              <a:latin typeface="Arial" panose="020B0604020202020204" pitchFamily="34" charset="0"/>
+              <a:cs typeface="Arial" panose="020B0604020202020204" pitchFamily="34" charset="0"/>
+            </a:rPr>
             <a:t>Festlegen der Erfolgskriterien</a:t>
           </a:r>
           <a:br>
-            <a:rPr lang="de-DE" sz="500" dirty="0"/>
+            <a:rPr lang="de-DE" sz="500" dirty="0">
+              <a:latin typeface="Arial" panose="020B0604020202020204" pitchFamily="34" charset="0"/>
+              <a:cs typeface="Arial" panose="020B0604020202020204" pitchFamily="34" charset="0"/>
+            </a:rPr>
           </a:br>
           <a:r>
-            <a:rPr lang="de-DE" sz="500" dirty="0"/>
+            <a:rPr lang="de-DE" sz="500" dirty="0">
+              <a:latin typeface="Arial" panose="020B0604020202020204" pitchFamily="34" charset="0"/>
+              <a:cs typeface="Arial" panose="020B0604020202020204" pitchFamily="34" charset="0"/>
+            </a:rPr>
             <a:t>1.1.4</a:t>
           </a:r>
         </a:p>
@@ -4188,7 +4934,10 @@
         <a:bodyPr/>
         <a:lstStyle/>
         <a:p>
-          <a:endParaRPr lang="de-DE" sz="2000"/>
+          <a:endParaRPr lang="de-DE" sz="2000">
+            <a:latin typeface="Arial" panose="020B0604020202020204" pitchFamily="34" charset="0"/>
+            <a:cs typeface="Arial" panose="020B0604020202020204" pitchFamily="34" charset="0"/>
+          </a:endParaRPr>
         </a:p>
       </dgm:t>
     </dgm:pt>
@@ -4232,21 +4981,36 @@
             <a:buAutoNum type="arabicPeriod"/>
           </a:pPr>
           <a:r>
-            <a:rPr lang="de-DE" sz="500" dirty="0"/>
+            <a:rPr lang="de-DE" sz="500" dirty="0">
+              <a:latin typeface="Arial" panose="020B0604020202020204" pitchFamily="34" charset="0"/>
+              <a:cs typeface="Arial" panose="020B0604020202020204" pitchFamily="34" charset="0"/>
+            </a:rPr>
             <a:t>AP1</a:t>
           </a:r>
           <a:br>
-            <a:rPr lang="de-DE" sz="500" dirty="0"/>
+            <a:rPr lang="de-DE" sz="500" dirty="0">
+              <a:latin typeface="Arial" panose="020B0604020202020204" pitchFamily="34" charset="0"/>
+              <a:cs typeface="Arial" panose="020B0604020202020204" pitchFamily="34" charset="0"/>
+            </a:rPr>
           </a:br>
           <a:r>
-            <a:rPr lang="de-DE" sz="500" dirty="0"/>
+            <a:rPr lang="de-DE" sz="500" dirty="0">
+              <a:latin typeface="Arial" panose="020B0604020202020204" pitchFamily="34" charset="0"/>
+              <a:cs typeface="Arial" panose="020B0604020202020204" pitchFamily="34" charset="0"/>
+            </a:rPr>
             <a:t>Festlegen der Methodik</a:t>
           </a:r>
           <a:br>
-            <a:rPr lang="de-DE" sz="500" dirty="0"/>
+            <a:rPr lang="de-DE" sz="500" dirty="0">
+              <a:latin typeface="Arial" panose="020B0604020202020204" pitchFamily="34" charset="0"/>
+              <a:cs typeface="Arial" panose="020B0604020202020204" pitchFamily="34" charset="0"/>
+            </a:rPr>
           </a:br>
           <a:r>
-            <a:rPr lang="de-DE" sz="500" dirty="0"/>
+            <a:rPr lang="de-DE" sz="500" dirty="0">
+              <a:latin typeface="Arial" panose="020B0604020202020204" pitchFamily="34" charset="0"/>
+              <a:cs typeface="Arial" panose="020B0604020202020204" pitchFamily="34" charset="0"/>
+            </a:rPr>
             <a:t>1.2.1</a:t>
           </a:r>
         </a:p>
@@ -4259,7 +5023,10 @@
         <a:bodyPr/>
         <a:lstStyle/>
         <a:p>
-          <a:endParaRPr lang="de-DE" sz="2000"/>
+          <a:endParaRPr lang="de-DE" sz="2000">
+            <a:latin typeface="Arial" panose="020B0604020202020204" pitchFamily="34" charset="0"/>
+            <a:cs typeface="Arial" panose="020B0604020202020204" pitchFamily="34" charset="0"/>
+          </a:endParaRPr>
         </a:p>
       </dgm:t>
     </dgm:pt>
@@ -4332,7 +5099,7 @@
       <dgm:spPr/>
     </dgm:pt>
     <dgm:pt modelId="{5DEC0F34-08F5-4E43-82F2-111FEB8CB402}" type="pres">
-      <dgm:prSet presAssocID="{58B54922-E5F8-4B6D-951F-4EEBCD072ADA}" presName="rootText" presStyleLbl="node2" presStyleIdx="0" presStyleCnt="4">
+      <dgm:prSet presAssocID="{58B54922-E5F8-4B6D-951F-4EEBCD072ADA}" presName="rootText" presStyleLbl="node2" presStyleIdx="0" presStyleCnt="4" custScaleX="128734">
         <dgm:presLayoutVars>
           <dgm:chPref val="3"/>
         </dgm:presLayoutVars>
@@ -6613,8 +7380,8 @@
       </dsp:nvSpPr>
       <dsp:spPr>
         <a:xfrm>
-          <a:off x="10362350" y="1567783"/>
-          <a:ext cx="1304289" cy="150909"/>
+          <a:off x="10374643" y="1584422"/>
+          <a:ext cx="1292628" cy="149560"/>
         </a:xfrm>
         <a:custGeom>
           <a:avLst/>
@@ -6628,13 +7395,13 @@
                 <a:pt x="0" y="0"/>
               </a:moveTo>
               <a:lnTo>
-                <a:pt x="0" y="75454"/>
+                <a:pt x="0" y="74780"/>
               </a:lnTo>
               <a:lnTo>
-                <a:pt x="1304289" y="75454"/>
+                <a:pt x="1292628" y="74780"/>
               </a:lnTo>
               <a:lnTo>
-                <a:pt x="1304289" y="150909"/>
+                <a:pt x="1292628" y="149560"/>
               </a:lnTo>
             </a:path>
           </a:pathLst>
@@ -6675,8 +7442,8 @@
       </dsp:nvSpPr>
       <dsp:spPr>
         <a:xfrm>
-          <a:off x="10362350" y="1567783"/>
-          <a:ext cx="434763" cy="150909"/>
+          <a:off x="10374643" y="1584422"/>
+          <a:ext cx="430876" cy="149560"/>
         </a:xfrm>
         <a:custGeom>
           <a:avLst/>
@@ -6690,13 +7457,13 @@
                 <a:pt x="0" y="0"/>
               </a:moveTo>
               <a:lnTo>
-                <a:pt x="0" y="75454"/>
+                <a:pt x="0" y="74780"/>
               </a:lnTo>
               <a:lnTo>
-                <a:pt x="434763" y="75454"/>
+                <a:pt x="430876" y="74780"/>
               </a:lnTo>
               <a:lnTo>
-                <a:pt x="434763" y="150909"/>
+                <a:pt x="430876" y="149560"/>
               </a:lnTo>
             </a:path>
           </a:pathLst>
@@ -6737,8 +7504,8 @@
       </dsp:nvSpPr>
       <dsp:spPr>
         <a:xfrm>
-          <a:off x="9927587" y="1567783"/>
-          <a:ext cx="434763" cy="150909"/>
+          <a:off x="9943766" y="1584422"/>
+          <a:ext cx="430876" cy="149560"/>
         </a:xfrm>
         <a:custGeom>
           <a:avLst/>
@@ -6749,16 +7516,16 @@
           <a:pathLst>
             <a:path>
               <a:moveTo>
-                <a:pt x="434763" y="0"/>
+                <a:pt x="430876" y="0"/>
               </a:moveTo>
               <a:lnTo>
-                <a:pt x="434763" y="75454"/>
+                <a:pt x="430876" y="74780"/>
               </a:lnTo>
               <a:lnTo>
-                <a:pt x="0" y="75454"/>
+                <a:pt x="0" y="74780"/>
               </a:lnTo>
               <a:lnTo>
-                <a:pt x="0" y="150909"/>
+                <a:pt x="0" y="149560"/>
               </a:lnTo>
             </a:path>
           </a:pathLst>
@@ -6799,8 +7566,8 @@
       </dsp:nvSpPr>
       <dsp:spPr>
         <a:xfrm>
-          <a:off x="8770614" y="2078582"/>
-          <a:ext cx="107792" cy="329981"/>
+          <a:off x="8797137" y="2090655"/>
+          <a:ext cx="106828" cy="327031"/>
         </a:xfrm>
         <a:custGeom>
           <a:avLst/>
@@ -6814,10 +7581,10 @@
                 <a:pt x="0" y="0"/>
               </a:moveTo>
               <a:lnTo>
-                <a:pt x="0" y="329981"/>
+                <a:pt x="0" y="327031"/>
               </a:lnTo>
               <a:lnTo>
-                <a:pt x="107792" y="329981"/>
+                <a:pt x="106828" y="327031"/>
               </a:lnTo>
             </a:path>
           </a:pathLst>
@@ -6858,8 +7625,8 @@
       </dsp:nvSpPr>
       <dsp:spPr>
         <a:xfrm>
-          <a:off x="9058061" y="1567783"/>
-          <a:ext cx="1304289" cy="151491"/>
+          <a:off x="9082014" y="1584422"/>
+          <a:ext cx="1292628" cy="150137"/>
         </a:xfrm>
         <a:custGeom>
           <a:avLst/>
@@ -6870,16 +7637,16 @@
           <a:pathLst>
             <a:path>
               <a:moveTo>
-                <a:pt x="1304289" y="0"/>
+                <a:pt x="1292628" y="0"/>
               </a:moveTo>
               <a:lnTo>
-                <a:pt x="1304289" y="76036"/>
+                <a:pt x="1292628" y="75357"/>
               </a:lnTo>
               <a:lnTo>
-                <a:pt x="0" y="76036"/>
+                <a:pt x="0" y="75357"/>
               </a:lnTo>
               <a:lnTo>
-                <a:pt x="0" y="151491"/>
+                <a:pt x="0" y="150137"/>
               </a:lnTo>
             </a:path>
           </a:pathLst>
@@ -6920,8 +7687,8 @@
       </dsp:nvSpPr>
       <dsp:spPr>
         <a:xfrm>
-          <a:off x="5362575" y="1057565"/>
-          <a:ext cx="4999775" cy="150909"/>
+          <a:off x="5368405" y="1078765"/>
+          <a:ext cx="5006237" cy="149560"/>
         </a:xfrm>
         <a:custGeom>
           <a:avLst/>
@@ -6935,13 +7702,13 @@
                 <a:pt x="0" y="0"/>
               </a:moveTo>
               <a:lnTo>
-                <a:pt x="0" y="75454"/>
+                <a:pt x="0" y="74780"/>
               </a:lnTo>
               <a:lnTo>
-                <a:pt x="4999775" y="75454"/>
+                <a:pt x="5006237" y="74780"/>
               </a:lnTo>
               <a:lnTo>
-                <a:pt x="4999775" y="150909"/>
+                <a:pt x="5006237" y="149560"/>
               </a:lnTo>
             </a:path>
           </a:pathLst>
@@ -6982,8 +7749,8 @@
       </dsp:nvSpPr>
       <dsp:spPr>
         <a:xfrm>
-          <a:off x="7901088" y="2078000"/>
-          <a:ext cx="107792" cy="841363"/>
+          <a:off x="7935384" y="2090078"/>
+          <a:ext cx="106828" cy="833841"/>
         </a:xfrm>
         <a:custGeom>
           <a:avLst/>
@@ -6997,10 +7764,10 @@
                 <a:pt x="0" y="0"/>
               </a:moveTo>
               <a:lnTo>
-                <a:pt x="0" y="841363"/>
+                <a:pt x="0" y="833841"/>
               </a:lnTo>
               <a:lnTo>
-                <a:pt x="107792" y="841363"/>
+                <a:pt x="106828" y="833841"/>
               </a:lnTo>
             </a:path>
           </a:pathLst>
@@ -7041,8 +7808,8 @@
       </dsp:nvSpPr>
       <dsp:spPr>
         <a:xfrm>
-          <a:off x="7901088" y="2078000"/>
-          <a:ext cx="107792" cy="331145"/>
+          <a:off x="7935384" y="2090078"/>
+          <a:ext cx="106828" cy="328185"/>
         </a:xfrm>
         <a:custGeom>
           <a:avLst/>
@@ -7056,10 +7823,10 @@
                 <a:pt x="0" y="0"/>
               </a:moveTo>
               <a:lnTo>
-                <a:pt x="0" y="331145"/>
+                <a:pt x="0" y="328185"/>
               </a:lnTo>
               <a:lnTo>
-                <a:pt x="107792" y="331145"/>
+                <a:pt x="106828" y="328185"/>
               </a:lnTo>
             </a:path>
           </a:pathLst>
@@ -7100,8 +7867,8 @@
       </dsp:nvSpPr>
       <dsp:spPr>
         <a:xfrm>
-          <a:off x="5579956" y="1567783"/>
-          <a:ext cx="2608578" cy="150909"/>
+          <a:off x="5635004" y="1584422"/>
+          <a:ext cx="2585257" cy="149560"/>
         </a:xfrm>
         <a:custGeom>
           <a:avLst/>
@@ -7115,13 +7882,13 @@
                 <a:pt x="0" y="0"/>
               </a:moveTo>
               <a:lnTo>
-                <a:pt x="0" y="75454"/>
+                <a:pt x="0" y="74780"/>
               </a:lnTo>
               <a:lnTo>
-                <a:pt x="2608578" y="75454"/>
+                <a:pt x="2585257" y="74780"/>
               </a:lnTo>
               <a:lnTo>
-                <a:pt x="2608578" y="150909"/>
+                <a:pt x="2585257" y="149560"/>
               </a:lnTo>
             </a:path>
           </a:pathLst>
@@ -7162,8 +7929,8 @@
       </dsp:nvSpPr>
       <dsp:spPr>
         <a:xfrm>
-          <a:off x="5759611" y="2078000"/>
-          <a:ext cx="1739052" cy="151491"/>
+          <a:off x="5813052" y="2090078"/>
+          <a:ext cx="1723505" cy="150137"/>
         </a:xfrm>
         <a:custGeom>
           <a:avLst/>
@@ -7177,13 +7944,13 @@
                 <a:pt x="0" y="0"/>
               </a:moveTo>
               <a:lnTo>
-                <a:pt x="0" y="76036"/>
+                <a:pt x="0" y="75357"/>
               </a:lnTo>
               <a:lnTo>
-                <a:pt x="1739052" y="76036"/>
+                <a:pt x="1723505" y="75357"/>
               </a:lnTo>
               <a:lnTo>
-                <a:pt x="1739052" y="151491"/>
+                <a:pt x="1723505" y="150137"/>
               </a:lnTo>
             </a:path>
           </a:pathLst>
@@ -7224,8 +7991,8 @@
       </dsp:nvSpPr>
       <dsp:spPr>
         <a:xfrm>
-          <a:off x="5759611" y="2078000"/>
-          <a:ext cx="869526" cy="151491"/>
+          <a:off x="5813052" y="2090078"/>
+          <a:ext cx="861752" cy="150137"/>
         </a:xfrm>
         <a:custGeom>
           <a:avLst/>
@@ -7239,13 +8006,13 @@
                 <a:pt x="0" y="0"/>
               </a:moveTo>
               <a:lnTo>
-                <a:pt x="0" y="76036"/>
+                <a:pt x="0" y="75357"/>
               </a:lnTo>
               <a:lnTo>
-                <a:pt x="869526" y="76036"/>
+                <a:pt x="861752" y="75357"/>
               </a:lnTo>
               <a:lnTo>
-                <a:pt x="869526" y="151491"/>
+                <a:pt x="861752" y="150137"/>
               </a:lnTo>
             </a:path>
           </a:pathLst>
@@ -7286,8 +8053,8 @@
       </dsp:nvSpPr>
       <dsp:spPr>
         <a:xfrm>
-          <a:off x="5713891" y="2078000"/>
-          <a:ext cx="91440" cy="151491"/>
+          <a:off x="5767332" y="2090078"/>
+          <a:ext cx="91440" cy="150137"/>
         </a:xfrm>
         <a:custGeom>
           <a:avLst/>
@@ -7301,7 +8068,7 @@
                 <a:pt x="45720" y="0"/>
               </a:moveTo>
               <a:lnTo>
-                <a:pt x="45720" y="151491"/>
+                <a:pt x="45720" y="150137"/>
               </a:lnTo>
             </a:path>
           </a:pathLst>
@@ -7342,8 +8109,8 @@
       </dsp:nvSpPr>
       <dsp:spPr>
         <a:xfrm>
-          <a:off x="4602638" y="2588218"/>
-          <a:ext cx="107792" cy="3391870"/>
+          <a:off x="4666422" y="2595735"/>
+          <a:ext cx="106828" cy="3361547"/>
         </a:xfrm>
         <a:custGeom>
           <a:avLst/>
@@ -7357,10 +8124,10 @@
                 <a:pt x="0" y="0"/>
               </a:moveTo>
               <a:lnTo>
-                <a:pt x="0" y="3391870"/>
+                <a:pt x="0" y="3361547"/>
               </a:lnTo>
               <a:lnTo>
-                <a:pt x="107792" y="3391870"/>
+                <a:pt x="106828" y="3361547"/>
               </a:lnTo>
             </a:path>
           </a:pathLst>
@@ -7401,8 +8168,8 @@
       </dsp:nvSpPr>
       <dsp:spPr>
         <a:xfrm>
-          <a:off x="4602638" y="2588218"/>
-          <a:ext cx="107792" cy="2882234"/>
+          <a:off x="4666422" y="2595735"/>
+          <a:ext cx="106828" cy="2856467"/>
         </a:xfrm>
         <a:custGeom>
           <a:avLst/>
@@ -7416,10 +8183,10 @@
                 <a:pt x="0" y="0"/>
               </a:moveTo>
               <a:lnTo>
-                <a:pt x="0" y="2882234"/>
+                <a:pt x="0" y="2856467"/>
               </a:lnTo>
               <a:lnTo>
-                <a:pt x="107792" y="2882234"/>
+                <a:pt x="106828" y="2856467"/>
               </a:lnTo>
             </a:path>
           </a:pathLst>
@@ -7460,8 +8227,8 @@
       </dsp:nvSpPr>
       <dsp:spPr>
         <a:xfrm>
-          <a:off x="4602638" y="2588218"/>
-          <a:ext cx="107792" cy="2372016"/>
+          <a:off x="4666422" y="2595735"/>
+          <a:ext cx="106828" cy="2350811"/>
         </a:xfrm>
         <a:custGeom>
           <a:avLst/>
@@ -7475,10 +8242,10 @@
                 <a:pt x="0" y="0"/>
               </a:moveTo>
               <a:lnTo>
-                <a:pt x="0" y="2372016"/>
+                <a:pt x="0" y="2350811"/>
               </a:lnTo>
               <a:lnTo>
-                <a:pt x="107792" y="2372016"/>
+                <a:pt x="106828" y="2350811"/>
               </a:lnTo>
             </a:path>
           </a:pathLst>
@@ -7519,8 +8286,8 @@
       </dsp:nvSpPr>
       <dsp:spPr>
         <a:xfrm>
-          <a:off x="4602638" y="2588218"/>
-          <a:ext cx="107792" cy="1861799"/>
+          <a:off x="4666422" y="2595735"/>
+          <a:ext cx="106828" cy="1845154"/>
         </a:xfrm>
         <a:custGeom>
           <a:avLst/>
@@ -7534,10 +8301,10 @@
                 <a:pt x="0" y="0"/>
               </a:moveTo>
               <a:lnTo>
-                <a:pt x="0" y="1861799"/>
+                <a:pt x="0" y="1845154"/>
               </a:lnTo>
               <a:lnTo>
-                <a:pt x="107792" y="1861799"/>
+                <a:pt x="106828" y="1845154"/>
               </a:lnTo>
             </a:path>
           </a:pathLst>
@@ -7578,8 +8345,8 @@
       </dsp:nvSpPr>
       <dsp:spPr>
         <a:xfrm>
-          <a:off x="4602638" y="2588218"/>
-          <a:ext cx="107792" cy="1351581"/>
+          <a:off x="4666422" y="2595735"/>
+          <a:ext cx="106828" cy="1339498"/>
         </a:xfrm>
         <a:custGeom>
           <a:avLst/>
@@ -7593,10 +8360,10 @@
                 <a:pt x="0" y="0"/>
               </a:moveTo>
               <a:lnTo>
-                <a:pt x="0" y="1351581"/>
+                <a:pt x="0" y="1339498"/>
               </a:lnTo>
               <a:lnTo>
-                <a:pt x="107792" y="1351581"/>
+                <a:pt x="106828" y="1339498"/>
               </a:lnTo>
             </a:path>
           </a:pathLst>
@@ -7637,8 +8404,8 @@
       </dsp:nvSpPr>
       <dsp:spPr>
         <a:xfrm>
-          <a:off x="4602638" y="2588218"/>
-          <a:ext cx="107792" cy="841363"/>
+          <a:off x="4666422" y="2595735"/>
+          <a:ext cx="106828" cy="833841"/>
         </a:xfrm>
         <a:custGeom>
           <a:avLst/>
@@ -7652,10 +8419,10 @@
                 <a:pt x="0" y="0"/>
               </a:moveTo>
               <a:lnTo>
-                <a:pt x="0" y="841363"/>
+                <a:pt x="0" y="833841"/>
               </a:lnTo>
               <a:lnTo>
-                <a:pt x="107792" y="841363"/>
+                <a:pt x="106828" y="833841"/>
               </a:lnTo>
             </a:path>
           </a:pathLst>
@@ -7696,8 +8463,8 @@
       </dsp:nvSpPr>
       <dsp:spPr>
         <a:xfrm>
-          <a:off x="4602638" y="2588218"/>
-          <a:ext cx="107792" cy="331145"/>
+          <a:off x="4666422" y="2595735"/>
+          <a:ext cx="106828" cy="328185"/>
         </a:xfrm>
         <a:custGeom>
           <a:avLst/>
@@ -7711,10 +8478,10 @@
                 <a:pt x="0" y="0"/>
               </a:moveTo>
               <a:lnTo>
-                <a:pt x="0" y="331145"/>
+                <a:pt x="0" y="328185"/>
               </a:lnTo>
               <a:lnTo>
-                <a:pt x="107792" y="331145"/>
+                <a:pt x="106828" y="328185"/>
               </a:lnTo>
             </a:path>
           </a:pathLst>
@@ -7755,8 +8522,8 @@
       </dsp:nvSpPr>
       <dsp:spPr>
         <a:xfrm>
-          <a:off x="4890085" y="2078000"/>
-          <a:ext cx="869526" cy="150909"/>
+          <a:off x="4951299" y="2090078"/>
+          <a:ext cx="861752" cy="149560"/>
         </a:xfrm>
         <a:custGeom>
           <a:avLst/>
@@ -7767,16 +8534,16 @@
           <a:pathLst>
             <a:path>
               <a:moveTo>
-                <a:pt x="869526" y="0"/>
+                <a:pt x="861752" y="0"/>
               </a:moveTo>
               <a:lnTo>
-                <a:pt x="869526" y="75454"/>
+                <a:pt x="861752" y="74780"/>
               </a:lnTo>
               <a:lnTo>
-                <a:pt x="0" y="75454"/>
+                <a:pt x="0" y="74780"/>
               </a:lnTo>
               <a:lnTo>
-                <a:pt x="0" y="150909"/>
+                <a:pt x="0" y="149560"/>
               </a:lnTo>
             </a:path>
           </a:pathLst>
@@ -7817,8 +8584,8 @@
       </dsp:nvSpPr>
       <dsp:spPr>
         <a:xfrm>
-          <a:off x="3733112" y="2588218"/>
-          <a:ext cx="107792" cy="1351581"/>
+          <a:off x="3804670" y="2595735"/>
+          <a:ext cx="106828" cy="1339498"/>
         </a:xfrm>
         <a:custGeom>
           <a:avLst/>
@@ -7832,10 +8599,10 @@
                 <a:pt x="0" y="0"/>
               </a:moveTo>
               <a:lnTo>
-                <a:pt x="0" y="1351581"/>
+                <a:pt x="0" y="1339498"/>
               </a:lnTo>
               <a:lnTo>
-                <a:pt x="107792" y="1351581"/>
+                <a:pt x="106828" y="1339498"/>
               </a:lnTo>
             </a:path>
           </a:pathLst>
@@ -7876,8 +8643,8 @@
       </dsp:nvSpPr>
       <dsp:spPr>
         <a:xfrm>
-          <a:off x="3733112" y="2588218"/>
-          <a:ext cx="107792" cy="841363"/>
+          <a:off x="3804670" y="2595735"/>
+          <a:ext cx="106828" cy="833841"/>
         </a:xfrm>
         <a:custGeom>
           <a:avLst/>
@@ -7891,10 +8658,10 @@
                 <a:pt x="0" y="0"/>
               </a:moveTo>
               <a:lnTo>
-                <a:pt x="0" y="841363"/>
+                <a:pt x="0" y="833841"/>
               </a:lnTo>
               <a:lnTo>
-                <a:pt x="107792" y="841363"/>
+                <a:pt x="106828" y="833841"/>
               </a:lnTo>
             </a:path>
           </a:pathLst>
@@ -7935,8 +8702,8 @@
       </dsp:nvSpPr>
       <dsp:spPr>
         <a:xfrm>
-          <a:off x="3733112" y="2588218"/>
-          <a:ext cx="107792" cy="331145"/>
+          <a:off x="3804670" y="2595735"/>
+          <a:ext cx="106828" cy="328185"/>
         </a:xfrm>
         <a:custGeom>
           <a:avLst/>
@@ -7950,10 +8717,10 @@
                 <a:pt x="0" y="0"/>
               </a:moveTo>
               <a:lnTo>
-                <a:pt x="0" y="331145"/>
+                <a:pt x="0" y="328185"/>
               </a:lnTo>
               <a:lnTo>
-                <a:pt x="107792" y="331145"/>
+                <a:pt x="106828" y="328185"/>
               </a:lnTo>
             </a:path>
           </a:pathLst>
@@ -7994,8 +8761,8 @@
       </dsp:nvSpPr>
       <dsp:spPr>
         <a:xfrm>
-          <a:off x="4020558" y="2078000"/>
-          <a:ext cx="1739052" cy="150909"/>
+          <a:off x="4089547" y="2090078"/>
+          <a:ext cx="1723505" cy="149560"/>
         </a:xfrm>
         <a:custGeom>
           <a:avLst/>
@@ -8006,16 +8773,16 @@
           <a:pathLst>
             <a:path>
               <a:moveTo>
-                <a:pt x="1739052" y="0"/>
+                <a:pt x="1723505" y="0"/>
               </a:moveTo>
               <a:lnTo>
-                <a:pt x="1739052" y="75454"/>
+                <a:pt x="1723505" y="74780"/>
               </a:lnTo>
               <a:lnTo>
-                <a:pt x="0" y="75454"/>
+                <a:pt x="0" y="74780"/>
               </a:lnTo>
               <a:lnTo>
-                <a:pt x="0" y="150909"/>
+                <a:pt x="0" y="149560"/>
               </a:lnTo>
             </a:path>
           </a:pathLst>
@@ -8056,8 +8823,8 @@
       </dsp:nvSpPr>
       <dsp:spPr>
         <a:xfrm>
-          <a:off x="5579956" y="1567783"/>
-          <a:ext cx="179654" cy="150909"/>
+          <a:off x="5635004" y="1584422"/>
+          <a:ext cx="178048" cy="149560"/>
         </a:xfrm>
         <a:custGeom>
           <a:avLst/>
@@ -8071,13 +8838,13 @@
                 <a:pt x="0" y="0"/>
               </a:moveTo>
               <a:lnTo>
-                <a:pt x="0" y="75454"/>
+                <a:pt x="0" y="74780"/>
               </a:lnTo>
               <a:lnTo>
-                <a:pt x="179654" y="75454"/>
+                <a:pt x="178048" y="74780"/>
               </a:lnTo>
               <a:lnTo>
-                <a:pt x="179654" y="150909"/>
+                <a:pt x="178048" y="149560"/>
               </a:lnTo>
             </a:path>
           </a:pathLst>
@@ -8118,8 +8885,8 @@
       </dsp:nvSpPr>
       <dsp:spPr>
         <a:xfrm>
-          <a:off x="2683932" y="2078000"/>
-          <a:ext cx="107792" cy="2372016"/>
+          <a:off x="2764869" y="2090078"/>
+          <a:ext cx="106828" cy="2350811"/>
         </a:xfrm>
         <a:custGeom>
           <a:avLst/>
@@ -8133,10 +8900,10 @@
                 <a:pt x="0" y="0"/>
               </a:moveTo>
               <a:lnTo>
-                <a:pt x="0" y="2372016"/>
+                <a:pt x="0" y="2350811"/>
               </a:lnTo>
               <a:lnTo>
-                <a:pt x="107792" y="2372016"/>
+                <a:pt x="106828" y="2350811"/>
               </a:lnTo>
             </a:path>
           </a:pathLst>
@@ -8177,8 +8944,8 @@
       </dsp:nvSpPr>
       <dsp:spPr>
         <a:xfrm>
-          <a:off x="2683932" y="2078000"/>
-          <a:ext cx="107792" cy="1861799"/>
+          <a:off x="2764869" y="2090078"/>
+          <a:ext cx="106828" cy="1845154"/>
         </a:xfrm>
         <a:custGeom>
           <a:avLst/>
@@ -8192,10 +8959,10 @@
                 <a:pt x="0" y="0"/>
               </a:moveTo>
               <a:lnTo>
-                <a:pt x="0" y="1861799"/>
+                <a:pt x="0" y="1845154"/>
               </a:lnTo>
               <a:lnTo>
-                <a:pt x="107792" y="1861799"/>
+                <a:pt x="106828" y="1845154"/>
               </a:lnTo>
             </a:path>
           </a:pathLst>
@@ -8236,8 +9003,8 @@
       </dsp:nvSpPr>
       <dsp:spPr>
         <a:xfrm>
-          <a:off x="2683932" y="2078000"/>
-          <a:ext cx="107792" cy="1351581"/>
+          <a:off x="2764869" y="2090078"/>
+          <a:ext cx="106828" cy="1339498"/>
         </a:xfrm>
         <a:custGeom>
           <a:avLst/>
@@ -8251,10 +9018,10 @@
                 <a:pt x="0" y="0"/>
               </a:moveTo>
               <a:lnTo>
-                <a:pt x="0" y="1351581"/>
+                <a:pt x="0" y="1339498"/>
               </a:lnTo>
               <a:lnTo>
-                <a:pt x="107792" y="1351581"/>
+                <a:pt x="106828" y="1339498"/>
               </a:lnTo>
             </a:path>
           </a:pathLst>
@@ -8295,8 +9062,8 @@
       </dsp:nvSpPr>
       <dsp:spPr>
         <a:xfrm>
-          <a:off x="2683932" y="2078000"/>
-          <a:ext cx="107792" cy="841363"/>
+          <a:off x="2764869" y="2090078"/>
+          <a:ext cx="106828" cy="833841"/>
         </a:xfrm>
         <a:custGeom>
           <a:avLst/>
@@ -8310,10 +9077,10 @@
                 <a:pt x="0" y="0"/>
               </a:moveTo>
               <a:lnTo>
-                <a:pt x="0" y="841363"/>
+                <a:pt x="0" y="833841"/>
               </a:lnTo>
               <a:lnTo>
-                <a:pt x="107792" y="841363"/>
+                <a:pt x="106828" y="833841"/>
               </a:lnTo>
             </a:path>
           </a:pathLst>
@@ -8354,8 +9121,8 @@
       </dsp:nvSpPr>
       <dsp:spPr>
         <a:xfrm>
-          <a:off x="2683932" y="2078000"/>
-          <a:ext cx="107792" cy="331145"/>
+          <a:off x="2764869" y="2090078"/>
+          <a:ext cx="106828" cy="328185"/>
         </a:xfrm>
         <a:custGeom>
           <a:avLst/>
@@ -8369,10 +9136,10 @@
                 <a:pt x="0" y="0"/>
               </a:moveTo>
               <a:lnTo>
-                <a:pt x="0" y="331145"/>
+                <a:pt x="0" y="328185"/>
               </a:lnTo>
               <a:lnTo>
-                <a:pt x="107792" y="331145"/>
+                <a:pt x="106828" y="328185"/>
               </a:lnTo>
             </a:path>
           </a:pathLst>
@@ -8413,8 +9180,8 @@
       </dsp:nvSpPr>
       <dsp:spPr>
         <a:xfrm>
-          <a:off x="2971378" y="1567783"/>
-          <a:ext cx="2608578" cy="150909"/>
+          <a:off x="3049746" y="1584422"/>
+          <a:ext cx="2585257" cy="149560"/>
         </a:xfrm>
         <a:custGeom>
           <a:avLst/>
@@ -8425,16 +9192,16 @@
           <a:pathLst>
             <a:path>
               <a:moveTo>
-                <a:pt x="2608578" y="0"/>
+                <a:pt x="2585257" y="0"/>
               </a:moveTo>
               <a:lnTo>
-                <a:pt x="2608578" y="75454"/>
+                <a:pt x="2585257" y="74780"/>
               </a:lnTo>
               <a:lnTo>
-                <a:pt x="0" y="75454"/>
+                <a:pt x="0" y="74780"/>
               </a:lnTo>
               <a:lnTo>
-                <a:pt x="0" y="150909"/>
+                <a:pt x="0" y="149560"/>
               </a:lnTo>
             </a:path>
           </a:pathLst>
@@ -8475,8 +9242,8 @@
       </dsp:nvSpPr>
       <dsp:spPr>
         <a:xfrm>
-          <a:off x="5362575" y="1057565"/>
-          <a:ext cx="217381" cy="150909"/>
+          <a:off x="5368405" y="1078765"/>
+          <a:ext cx="266598" cy="149560"/>
         </a:xfrm>
         <a:custGeom>
           <a:avLst/>
@@ -8490,13 +9257,13 @@
                 <a:pt x="0" y="0"/>
               </a:moveTo>
               <a:lnTo>
-                <a:pt x="0" y="75454"/>
+                <a:pt x="0" y="74780"/>
               </a:lnTo>
               <a:lnTo>
-                <a:pt x="217381" y="75454"/>
+                <a:pt x="266598" y="74780"/>
               </a:lnTo>
               <a:lnTo>
-                <a:pt x="217381" y="150909"/>
+                <a:pt x="266598" y="149560"/>
               </a:lnTo>
             </a:path>
           </a:pathLst>
@@ -8537,8 +9304,8 @@
       </dsp:nvSpPr>
       <dsp:spPr>
         <a:xfrm>
-          <a:off x="1814405" y="2078000"/>
-          <a:ext cx="107792" cy="1351581"/>
+          <a:off x="1903116" y="2090078"/>
+          <a:ext cx="106828" cy="1339498"/>
         </a:xfrm>
         <a:custGeom>
           <a:avLst/>
@@ -8552,10 +9319,10 @@
                 <a:pt x="0" y="0"/>
               </a:moveTo>
               <a:lnTo>
-                <a:pt x="0" y="1351581"/>
+                <a:pt x="0" y="1339498"/>
               </a:lnTo>
               <a:lnTo>
-                <a:pt x="107792" y="1351581"/>
+                <a:pt x="106828" y="1339498"/>
               </a:lnTo>
             </a:path>
           </a:pathLst>
@@ -8596,8 +9363,8 @@
       </dsp:nvSpPr>
       <dsp:spPr>
         <a:xfrm>
-          <a:off x="1814405" y="2078000"/>
-          <a:ext cx="107792" cy="841363"/>
+          <a:off x="1903116" y="2090078"/>
+          <a:ext cx="106828" cy="833841"/>
         </a:xfrm>
         <a:custGeom>
           <a:avLst/>
@@ -8611,10 +9378,10 @@
                 <a:pt x="0" y="0"/>
               </a:moveTo>
               <a:lnTo>
-                <a:pt x="0" y="841363"/>
+                <a:pt x="0" y="833841"/>
               </a:lnTo>
               <a:lnTo>
-                <a:pt x="107792" y="841363"/>
+                <a:pt x="106828" y="833841"/>
               </a:lnTo>
             </a:path>
           </a:pathLst>
@@ -8655,8 +9422,8 @@
       </dsp:nvSpPr>
       <dsp:spPr>
         <a:xfrm>
-          <a:off x="1814405" y="2078000"/>
-          <a:ext cx="107792" cy="331145"/>
+          <a:off x="1903116" y="2090078"/>
+          <a:ext cx="106828" cy="328185"/>
         </a:xfrm>
         <a:custGeom>
           <a:avLst/>
@@ -8670,10 +9437,10 @@
                 <a:pt x="0" y="0"/>
               </a:moveTo>
               <a:lnTo>
-                <a:pt x="0" y="331145"/>
+                <a:pt x="0" y="328185"/>
               </a:lnTo>
               <a:lnTo>
-                <a:pt x="107792" y="331145"/>
+                <a:pt x="106828" y="328185"/>
               </a:lnTo>
             </a:path>
           </a:pathLst>
@@ -8714,8 +9481,8 @@
       </dsp:nvSpPr>
       <dsp:spPr>
         <a:xfrm>
-          <a:off x="1667089" y="1567783"/>
-          <a:ext cx="434763" cy="150909"/>
+          <a:off x="1757117" y="1584422"/>
+          <a:ext cx="430876" cy="149560"/>
         </a:xfrm>
         <a:custGeom>
           <a:avLst/>
@@ -8729,13 +9496,13 @@
                 <a:pt x="0" y="0"/>
               </a:moveTo>
               <a:lnTo>
-                <a:pt x="0" y="75454"/>
+                <a:pt x="0" y="74780"/>
               </a:lnTo>
               <a:lnTo>
-                <a:pt x="434763" y="75454"/>
+                <a:pt x="430876" y="74780"/>
               </a:lnTo>
               <a:lnTo>
-                <a:pt x="434763" y="150909"/>
+                <a:pt x="430876" y="149560"/>
               </a:lnTo>
             </a:path>
           </a:pathLst>
@@ -8776,8 +9543,8 @@
       </dsp:nvSpPr>
       <dsp:spPr>
         <a:xfrm>
-          <a:off x="944879" y="2078000"/>
-          <a:ext cx="107792" cy="1351581"/>
+          <a:off x="1041364" y="2090078"/>
+          <a:ext cx="106828" cy="1339498"/>
         </a:xfrm>
         <a:custGeom>
           <a:avLst/>
@@ -8791,10 +9558,10 @@
                 <a:pt x="0" y="0"/>
               </a:moveTo>
               <a:lnTo>
-                <a:pt x="0" y="1351581"/>
+                <a:pt x="0" y="1339498"/>
               </a:lnTo>
               <a:lnTo>
-                <a:pt x="107792" y="1351581"/>
+                <a:pt x="106828" y="1339498"/>
               </a:lnTo>
             </a:path>
           </a:pathLst>
@@ -8835,8 +9602,8 @@
       </dsp:nvSpPr>
       <dsp:spPr>
         <a:xfrm>
-          <a:off x="944879" y="2078000"/>
-          <a:ext cx="107792" cy="841363"/>
+          <a:off x="1041364" y="2090078"/>
+          <a:ext cx="106828" cy="833841"/>
         </a:xfrm>
         <a:custGeom>
           <a:avLst/>
@@ -8850,10 +9617,10 @@
                 <a:pt x="0" y="0"/>
               </a:moveTo>
               <a:lnTo>
-                <a:pt x="0" y="841363"/>
+                <a:pt x="0" y="833841"/>
               </a:lnTo>
               <a:lnTo>
-                <a:pt x="107792" y="841363"/>
+                <a:pt x="106828" y="833841"/>
               </a:lnTo>
             </a:path>
           </a:pathLst>
@@ -8894,8 +9661,8 @@
       </dsp:nvSpPr>
       <dsp:spPr>
         <a:xfrm>
-          <a:off x="944879" y="2078000"/>
-          <a:ext cx="107792" cy="331145"/>
+          <a:off x="1041364" y="2090078"/>
+          <a:ext cx="106828" cy="328185"/>
         </a:xfrm>
         <a:custGeom>
           <a:avLst/>
@@ -8909,10 +9676,10 @@
                 <a:pt x="0" y="0"/>
               </a:moveTo>
               <a:lnTo>
-                <a:pt x="0" y="331145"/>
+                <a:pt x="0" y="328185"/>
               </a:lnTo>
               <a:lnTo>
-                <a:pt x="107792" y="331145"/>
+                <a:pt x="106828" y="328185"/>
               </a:lnTo>
             </a:path>
           </a:pathLst>
@@ -8953,8 +9720,8 @@
       </dsp:nvSpPr>
       <dsp:spPr>
         <a:xfrm>
-          <a:off x="1232326" y="1567783"/>
-          <a:ext cx="434763" cy="150909"/>
+          <a:off x="1326241" y="1584422"/>
+          <a:ext cx="430876" cy="149560"/>
         </a:xfrm>
         <a:custGeom>
           <a:avLst/>
@@ -8965,16 +9732,16 @@
           <a:pathLst>
             <a:path>
               <a:moveTo>
-                <a:pt x="434763" y="0"/>
+                <a:pt x="430876" y="0"/>
               </a:moveTo>
               <a:lnTo>
-                <a:pt x="434763" y="75454"/>
+                <a:pt x="430876" y="74780"/>
               </a:lnTo>
               <a:lnTo>
-                <a:pt x="0" y="75454"/>
+                <a:pt x="0" y="74780"/>
               </a:lnTo>
               <a:lnTo>
-                <a:pt x="0" y="150909"/>
+                <a:pt x="0" y="149560"/>
               </a:lnTo>
             </a:path>
           </a:pathLst>
@@ -9015,8 +9782,8 @@
       </dsp:nvSpPr>
       <dsp:spPr>
         <a:xfrm>
-          <a:off x="1667089" y="1057565"/>
-          <a:ext cx="3695485" cy="150909"/>
+          <a:off x="1757117" y="1078765"/>
+          <a:ext cx="3611287" cy="149560"/>
         </a:xfrm>
         <a:custGeom>
           <a:avLst/>
@@ -9027,16 +9794,16 @@
           <a:pathLst>
             <a:path>
               <a:moveTo>
-                <a:pt x="3695485" y="0"/>
+                <a:pt x="3611287" y="0"/>
               </a:moveTo>
               <a:lnTo>
-                <a:pt x="3695485" y="75454"/>
+                <a:pt x="3611287" y="74780"/>
               </a:lnTo>
               <a:lnTo>
-                <a:pt x="0" y="75454"/>
+                <a:pt x="0" y="74780"/>
               </a:lnTo>
               <a:lnTo>
-                <a:pt x="0" y="150909"/>
+                <a:pt x="0" y="149560"/>
               </a:lnTo>
             </a:path>
           </a:pathLst>
@@ -9077,8 +9844,8 @@
       </dsp:nvSpPr>
       <dsp:spPr>
         <a:xfrm>
-          <a:off x="75353" y="2078000"/>
-          <a:ext cx="107792" cy="2372016"/>
+          <a:off x="179611" y="2090078"/>
+          <a:ext cx="106828" cy="2350811"/>
         </a:xfrm>
         <a:custGeom>
           <a:avLst/>
@@ -9092,10 +9859,10 @@
                 <a:pt x="0" y="0"/>
               </a:moveTo>
               <a:lnTo>
-                <a:pt x="0" y="2372016"/>
+                <a:pt x="0" y="2350811"/>
               </a:lnTo>
               <a:lnTo>
-                <a:pt x="107792" y="2372016"/>
+                <a:pt x="106828" y="2350811"/>
               </a:lnTo>
             </a:path>
           </a:pathLst>
@@ -9136,8 +9903,8 @@
       </dsp:nvSpPr>
       <dsp:spPr>
         <a:xfrm>
-          <a:off x="75353" y="2078000"/>
-          <a:ext cx="107792" cy="1861799"/>
+          <a:off x="179611" y="2090078"/>
+          <a:ext cx="106828" cy="1845154"/>
         </a:xfrm>
         <a:custGeom>
           <a:avLst/>
@@ -9151,10 +9918,10 @@
                 <a:pt x="0" y="0"/>
               </a:moveTo>
               <a:lnTo>
-                <a:pt x="0" y="1861799"/>
+                <a:pt x="0" y="1845154"/>
               </a:lnTo>
               <a:lnTo>
-                <a:pt x="107792" y="1861799"/>
+                <a:pt x="106828" y="1845154"/>
               </a:lnTo>
             </a:path>
           </a:pathLst>
@@ -9195,8 +9962,8 @@
       </dsp:nvSpPr>
       <dsp:spPr>
         <a:xfrm>
-          <a:off x="75353" y="2078000"/>
-          <a:ext cx="107792" cy="1351581"/>
+          <a:off x="179611" y="2090078"/>
+          <a:ext cx="106828" cy="1339498"/>
         </a:xfrm>
         <a:custGeom>
           <a:avLst/>
@@ -9210,10 +9977,10 @@
                 <a:pt x="0" y="0"/>
               </a:moveTo>
               <a:lnTo>
-                <a:pt x="0" y="1351581"/>
+                <a:pt x="0" y="1339498"/>
               </a:lnTo>
               <a:lnTo>
-                <a:pt x="107792" y="1351581"/>
+                <a:pt x="106828" y="1339498"/>
               </a:lnTo>
             </a:path>
           </a:pathLst>
@@ -9254,8 +10021,8 @@
       </dsp:nvSpPr>
       <dsp:spPr>
         <a:xfrm>
-          <a:off x="75353" y="2078000"/>
-          <a:ext cx="107792" cy="841363"/>
+          <a:off x="179611" y="2090078"/>
+          <a:ext cx="106828" cy="833841"/>
         </a:xfrm>
         <a:custGeom>
           <a:avLst/>
@@ -9269,10 +10036,10 @@
                 <a:pt x="0" y="0"/>
               </a:moveTo>
               <a:lnTo>
-                <a:pt x="0" y="841363"/>
+                <a:pt x="0" y="833841"/>
               </a:lnTo>
               <a:lnTo>
-                <a:pt x="107792" y="841363"/>
+                <a:pt x="106828" y="833841"/>
               </a:lnTo>
             </a:path>
           </a:pathLst>
@@ -9313,8 +10080,8 @@
       </dsp:nvSpPr>
       <dsp:spPr>
         <a:xfrm>
-          <a:off x="75353" y="2078000"/>
-          <a:ext cx="107792" cy="297352"/>
+          <a:off x="179611" y="2090078"/>
+          <a:ext cx="106828" cy="294694"/>
         </a:xfrm>
         <a:custGeom>
           <a:avLst/>
@@ -9328,10 +10095,10 @@
                 <a:pt x="0" y="0"/>
               </a:moveTo>
               <a:lnTo>
-                <a:pt x="0" y="297352"/>
+                <a:pt x="0" y="294694"/>
               </a:lnTo>
               <a:lnTo>
-                <a:pt x="107792" y="297352"/>
+                <a:pt x="106828" y="294694"/>
               </a:lnTo>
             </a:path>
           </a:pathLst>
@@ -9372,8 +10139,8 @@
       </dsp:nvSpPr>
       <dsp:spPr>
         <a:xfrm>
-          <a:off x="317080" y="1567783"/>
-          <a:ext cx="91440" cy="150909"/>
+          <a:off x="418768" y="1584422"/>
+          <a:ext cx="91440" cy="149560"/>
         </a:xfrm>
         <a:custGeom>
           <a:avLst/>
@@ -9387,7 +10154,7 @@
                 <a:pt x="45720" y="0"/>
               </a:moveTo>
               <a:lnTo>
-                <a:pt x="45720" y="150909"/>
+                <a:pt x="45720" y="149560"/>
               </a:lnTo>
             </a:path>
           </a:pathLst>
@@ -9428,8 +10195,8 @@
       </dsp:nvSpPr>
       <dsp:spPr>
         <a:xfrm>
-          <a:off x="362800" y="1057565"/>
-          <a:ext cx="4999775" cy="150909"/>
+          <a:off x="464488" y="1078765"/>
+          <a:ext cx="4903916" cy="149560"/>
         </a:xfrm>
         <a:custGeom>
           <a:avLst/>
@@ -9440,16 +10207,16 @@
           <a:pathLst>
             <a:path>
               <a:moveTo>
-                <a:pt x="4999775" y="0"/>
+                <a:pt x="4903916" y="0"/>
               </a:moveTo>
               <a:lnTo>
-                <a:pt x="4999775" y="75454"/>
+                <a:pt x="4903916" y="74780"/>
               </a:lnTo>
               <a:lnTo>
-                <a:pt x="0" y="75454"/>
+                <a:pt x="0" y="74780"/>
               </a:lnTo>
               <a:lnTo>
-                <a:pt x="0" y="150909"/>
+                <a:pt x="0" y="149560"/>
               </a:lnTo>
             </a:path>
           </a:pathLst>
@@ -9490,8 +10257,8 @@
       </dsp:nvSpPr>
       <dsp:spPr>
         <a:xfrm>
-          <a:off x="4700269" y="698256"/>
-          <a:ext cx="1324611" cy="359308"/>
+          <a:off x="4712020" y="722669"/>
+          <a:ext cx="1312769" cy="356096"/>
         </a:xfrm>
         <a:prstGeom prst="rect">
           <a:avLst/>
@@ -9546,12 +10313,12 @@
         </a:fontRef>
       </dsp:style>
       <dsp:txBody>
-        <a:bodyPr spcFirstLastPara="0" vert="horz" wrap="square" lIns="7620" tIns="7620" rIns="7620" bIns="7620" numCol="1" spcCol="1270" anchor="ctr" anchorCtr="0">
+        <a:bodyPr spcFirstLastPara="0" vert="horz" wrap="square" lIns="6350" tIns="6350" rIns="6350" bIns="6350" numCol="1" spcCol="1270" anchor="ctr" anchorCtr="0">
           <a:noAutofit/>
         </a:bodyPr>
         <a:lstStyle/>
         <a:p>
-          <a:pPr marL="0" lvl="0" indent="0" algn="ctr" defTabSz="533400">
+          <a:pPr marL="0" lvl="0" indent="0" algn="ctr" defTabSz="444500">
             <a:lnSpc>
               <a:spcPct val="90000"/>
             </a:lnSpc>
@@ -9564,15 +10331,17 @@
             <a:buNone/>
           </a:pPr>
           <a:r>
-            <a:rPr lang="de-DE" sz="1200" b="1" kern="1200" dirty="0"/>
-            <a:t>Nährwertrechner</a:t>
-          </a:r>
-          <a:endParaRPr lang="de-DE" sz="800" b="1" kern="1200" dirty="0"/>
+            <a:rPr lang="de-DE" sz="1000" b="1" kern="1200" dirty="0">
+              <a:latin typeface="Arial" panose="020B0604020202020204" pitchFamily="34" charset="0"/>
+              <a:cs typeface="Arial" panose="020B0604020202020204" pitchFamily="34" charset="0"/>
+            </a:rPr>
+            <a:t>Smart Nutrition Planner</a:t>
+          </a:r>
         </a:p>
       </dsp:txBody>
       <dsp:txXfrm>
-        <a:off x="4700269" y="698256"/>
-        <a:ext cx="1324611" cy="359308"/>
+        <a:off x="4712020" y="722669"/>
+        <a:ext cx="1312769" cy="356096"/>
       </dsp:txXfrm>
     </dsp:sp>
     <dsp:sp modelId="{5DEC0F34-08F5-4E43-82F2-111FEB8CB402}">
@@ -9582,8 +10351,8 @@
       </dsp:nvSpPr>
       <dsp:spPr>
         <a:xfrm>
-          <a:off x="3492" y="1208474"/>
-          <a:ext cx="718616" cy="359308"/>
+          <a:off x="6072" y="1228326"/>
+          <a:ext cx="916833" cy="356096"/>
         </a:xfrm>
         <a:prstGeom prst="rect">
           <a:avLst/>
@@ -9657,14 +10426,17 @@
             <a:buNone/>
           </a:pPr>
           <a:r>
-            <a:rPr lang="de-DE" sz="600" b="1" kern="1200" dirty="0"/>
+            <a:rPr lang="de-DE" sz="600" b="1" kern="1200" dirty="0">
+              <a:latin typeface="Arial" panose="020B0604020202020204" pitchFamily="34" charset="0"/>
+              <a:cs typeface="Arial" panose="020B0604020202020204" pitchFamily="34" charset="0"/>
+            </a:rPr>
             <a:t>1.Initialisierungsphase</a:t>
           </a:r>
         </a:p>
       </dsp:txBody>
       <dsp:txXfrm>
-        <a:off x="3492" y="1208474"/>
-        <a:ext cx="718616" cy="359308"/>
+        <a:off x="6072" y="1228326"/>
+        <a:ext cx="916833" cy="356096"/>
       </dsp:txXfrm>
     </dsp:sp>
     <dsp:sp modelId="{5064CC3D-1003-4C55-9BCB-3741D8E13BC5}">
@@ -9674,8 +10446,8 @@
       </dsp:nvSpPr>
       <dsp:spPr>
         <a:xfrm>
-          <a:off x="3492" y="1718692"/>
-          <a:ext cx="718616" cy="359308"/>
+          <a:off x="108392" y="1733982"/>
+          <a:ext cx="712192" cy="356096"/>
         </a:xfrm>
         <a:prstGeom prst="rect">
           <a:avLst/>
@@ -9749,21 +10521,30 @@
             <a:buNone/>
           </a:pPr>
           <a:r>
-            <a:rPr lang="de-DE" sz="500" kern="1200"/>
+            <a:rPr lang="de-DE" sz="500" kern="1200" dirty="0">
+              <a:latin typeface="Arial" panose="020B0604020202020204" pitchFamily="34" charset="0"/>
+              <a:cs typeface="Arial" panose="020B0604020202020204" pitchFamily="34" charset="0"/>
+            </a:rPr>
             <a:t>Projektdefinition und Zielsetzung</a:t>
           </a:r>
           <a:br>
-            <a:rPr lang="de-DE" sz="500" kern="1200"/>
+            <a:rPr lang="de-DE" sz="500" kern="1200" dirty="0">
+              <a:latin typeface="Arial" panose="020B0604020202020204" pitchFamily="34" charset="0"/>
+              <a:cs typeface="Arial" panose="020B0604020202020204" pitchFamily="34" charset="0"/>
+            </a:rPr>
           </a:br>
           <a:r>
-            <a:rPr lang="de-DE" sz="500" kern="1200"/>
-            <a:t>TP1.1</a:t>
+            <a:rPr lang="de-DE" sz="500" kern="1200" dirty="0">
+              <a:latin typeface="Arial" panose="020B0604020202020204" pitchFamily="34" charset="0"/>
+              <a:cs typeface="Arial" panose="020B0604020202020204" pitchFamily="34" charset="0"/>
+            </a:rPr>
+            <a:t>TA1.1</a:t>
           </a:r>
         </a:p>
       </dsp:txBody>
       <dsp:txXfrm>
-        <a:off x="3492" y="1718692"/>
-        <a:ext cx="718616" cy="359308"/>
+        <a:off x="108392" y="1733982"/>
+        <a:ext cx="712192" cy="356096"/>
       </dsp:txXfrm>
     </dsp:sp>
     <dsp:sp modelId="{1A0FE970-4322-40D1-8ED8-90378BDB25DF}">
@@ -9773,8 +10554,8 @@
       </dsp:nvSpPr>
       <dsp:spPr>
         <a:xfrm>
-          <a:off x="183146" y="2195699"/>
-          <a:ext cx="718616" cy="359308"/>
+          <a:off x="286440" y="2206725"/>
+          <a:ext cx="712192" cy="356096"/>
         </a:xfrm>
         <a:prstGeom prst="rect">
           <a:avLst/>
@@ -9848,28 +10629,43 @@
             <a:buNone/>
           </a:pPr>
           <a:r>
-            <a:rPr lang="de-DE" sz="500" kern="1200" dirty="0"/>
+            <a:rPr lang="de-DE" sz="500" kern="1200" dirty="0">
+              <a:latin typeface="Arial" panose="020B0604020202020204" pitchFamily="34" charset="0"/>
+              <a:cs typeface="Arial" panose="020B0604020202020204" pitchFamily="34" charset="0"/>
+            </a:rPr>
             <a:t>AP1</a:t>
           </a:r>
           <a:br>
-            <a:rPr lang="de-DE" sz="500" kern="1200" dirty="0"/>
+            <a:rPr lang="de-DE" sz="500" kern="1200" dirty="0">
+              <a:latin typeface="Arial" panose="020B0604020202020204" pitchFamily="34" charset="0"/>
+              <a:cs typeface="Arial" panose="020B0604020202020204" pitchFamily="34" charset="0"/>
+            </a:rPr>
           </a:br>
           <a:r>
-            <a:rPr lang="de-DE" sz="500" kern="1200" dirty="0"/>
+            <a:rPr lang="de-DE" sz="500" kern="1200" dirty="0">
+              <a:latin typeface="Arial" panose="020B0604020202020204" pitchFamily="34" charset="0"/>
+              <a:cs typeface="Arial" panose="020B0604020202020204" pitchFamily="34" charset="0"/>
+            </a:rPr>
             <a:t>Auftragsklärung</a:t>
           </a:r>
           <a:br>
-            <a:rPr lang="de-DE" sz="500" kern="1200" dirty="0"/>
+            <a:rPr lang="de-DE" sz="500" kern="1200" dirty="0">
+              <a:latin typeface="Arial" panose="020B0604020202020204" pitchFamily="34" charset="0"/>
+              <a:cs typeface="Arial" panose="020B0604020202020204" pitchFamily="34" charset="0"/>
+            </a:rPr>
           </a:br>
           <a:r>
-            <a:rPr lang="de-DE" sz="500" kern="1200" dirty="0"/>
+            <a:rPr lang="de-DE" sz="500" kern="1200" dirty="0">
+              <a:latin typeface="Arial" panose="020B0604020202020204" pitchFamily="34" charset="0"/>
+              <a:cs typeface="Arial" panose="020B0604020202020204" pitchFamily="34" charset="0"/>
+            </a:rPr>
             <a:t>1.1.1</a:t>
           </a:r>
         </a:p>
       </dsp:txBody>
       <dsp:txXfrm>
-        <a:off x="183146" y="2195699"/>
-        <a:ext cx="718616" cy="359308"/>
+        <a:off x="286440" y="2206725"/>
+        <a:ext cx="712192" cy="356096"/>
       </dsp:txXfrm>
     </dsp:sp>
     <dsp:sp modelId="{DDCE0842-CC9F-4562-B839-C280E730B49F}">
@@ -9879,8 +10675,8 @@
       </dsp:nvSpPr>
       <dsp:spPr>
         <a:xfrm>
-          <a:off x="183146" y="2739710"/>
-          <a:ext cx="718616" cy="359308"/>
+          <a:off x="286440" y="2745872"/>
+          <a:ext cx="712192" cy="356096"/>
         </a:xfrm>
         <a:prstGeom prst="rect">
           <a:avLst/>
@@ -9954,28 +10750,43 @@
             <a:buNone/>
           </a:pPr>
           <a:r>
-            <a:rPr lang="de-DE" sz="500" kern="1200" dirty="0"/>
+            <a:rPr lang="de-DE" sz="500" kern="1200" dirty="0">
+              <a:latin typeface="Arial" panose="020B0604020202020204" pitchFamily="34" charset="0"/>
+              <a:cs typeface="Arial" panose="020B0604020202020204" pitchFamily="34" charset="0"/>
+            </a:rPr>
             <a:t>AP2</a:t>
           </a:r>
           <a:br>
-            <a:rPr lang="de-DE" sz="500" kern="1200" dirty="0"/>
+            <a:rPr lang="de-DE" sz="500" kern="1200" dirty="0">
+              <a:latin typeface="Arial" panose="020B0604020202020204" pitchFamily="34" charset="0"/>
+              <a:cs typeface="Arial" panose="020B0604020202020204" pitchFamily="34" charset="0"/>
+            </a:rPr>
           </a:br>
           <a:r>
-            <a:rPr lang="de-DE" sz="500" kern="1200" dirty="0"/>
+            <a:rPr lang="de-DE" sz="500" kern="1200" dirty="0">
+              <a:latin typeface="Arial" panose="020B0604020202020204" pitchFamily="34" charset="0"/>
+              <a:cs typeface="Arial" panose="020B0604020202020204" pitchFamily="34" charset="0"/>
+            </a:rPr>
             <a:t>Definition des Projektumfangs</a:t>
           </a:r>
           <a:br>
-            <a:rPr lang="de-DE" sz="500" kern="1200" dirty="0"/>
+            <a:rPr lang="de-DE" sz="500" kern="1200" dirty="0">
+              <a:latin typeface="Arial" panose="020B0604020202020204" pitchFamily="34" charset="0"/>
+              <a:cs typeface="Arial" panose="020B0604020202020204" pitchFamily="34" charset="0"/>
+            </a:rPr>
           </a:br>
           <a:r>
-            <a:rPr lang="de-DE" sz="500" kern="1200" dirty="0"/>
+            <a:rPr lang="de-DE" sz="500" kern="1200" dirty="0">
+              <a:latin typeface="Arial" panose="020B0604020202020204" pitchFamily="34" charset="0"/>
+              <a:cs typeface="Arial" panose="020B0604020202020204" pitchFamily="34" charset="0"/>
+            </a:rPr>
             <a:t>1.1.2</a:t>
           </a:r>
         </a:p>
       </dsp:txBody>
       <dsp:txXfrm>
-        <a:off x="183146" y="2739710"/>
-        <a:ext cx="718616" cy="359308"/>
+        <a:off x="286440" y="2745872"/>
+        <a:ext cx="712192" cy="356096"/>
       </dsp:txXfrm>
     </dsp:sp>
     <dsp:sp modelId="{DA91711F-C6DB-4A2C-9E43-3BACAB117826}">
@@ -9985,8 +10796,8 @@
       </dsp:nvSpPr>
       <dsp:spPr>
         <a:xfrm>
-          <a:off x="183146" y="3249927"/>
-          <a:ext cx="718616" cy="359308"/>
+          <a:off x="286440" y="3251528"/>
+          <a:ext cx="712192" cy="356096"/>
         </a:xfrm>
         <a:prstGeom prst="rect">
           <a:avLst/>
@@ -10060,28 +10871,43 @@
             <a:buNone/>
           </a:pPr>
           <a:r>
-            <a:rPr lang="de-DE" sz="500" kern="1200" dirty="0"/>
+            <a:rPr lang="de-DE" sz="500" kern="1200" dirty="0">
+              <a:latin typeface="Arial" panose="020B0604020202020204" pitchFamily="34" charset="0"/>
+              <a:cs typeface="Arial" panose="020B0604020202020204" pitchFamily="34" charset="0"/>
+            </a:rPr>
             <a:t>AP3</a:t>
           </a:r>
           <a:br>
-            <a:rPr lang="de-DE" sz="500" kern="1200" dirty="0"/>
+            <a:rPr lang="de-DE" sz="500" kern="1200" dirty="0">
+              <a:latin typeface="Arial" panose="020B0604020202020204" pitchFamily="34" charset="0"/>
+              <a:cs typeface="Arial" panose="020B0604020202020204" pitchFamily="34" charset="0"/>
+            </a:rPr>
           </a:br>
           <a:r>
-            <a:rPr lang="de-DE" sz="500" kern="1200" dirty="0"/>
+            <a:rPr lang="de-DE" sz="500" kern="1200" dirty="0">
+              <a:latin typeface="Arial" panose="020B0604020202020204" pitchFamily="34" charset="0"/>
+              <a:cs typeface="Arial" panose="020B0604020202020204" pitchFamily="34" charset="0"/>
+            </a:rPr>
             <a:t>Anforderungsanalyse</a:t>
           </a:r>
           <a:br>
-            <a:rPr lang="de-DE" sz="500" kern="1200" dirty="0"/>
+            <a:rPr lang="de-DE" sz="500" kern="1200" dirty="0">
+              <a:latin typeface="Arial" panose="020B0604020202020204" pitchFamily="34" charset="0"/>
+              <a:cs typeface="Arial" panose="020B0604020202020204" pitchFamily="34" charset="0"/>
+            </a:rPr>
           </a:br>
           <a:r>
-            <a:rPr lang="de-DE" sz="500" kern="1200" dirty="0"/>
+            <a:rPr lang="de-DE" sz="500" kern="1200" dirty="0">
+              <a:latin typeface="Arial" panose="020B0604020202020204" pitchFamily="34" charset="0"/>
+              <a:cs typeface="Arial" panose="020B0604020202020204" pitchFamily="34" charset="0"/>
+            </a:rPr>
             <a:t>1.1.3</a:t>
           </a:r>
         </a:p>
       </dsp:txBody>
       <dsp:txXfrm>
-        <a:off x="183146" y="3249927"/>
-        <a:ext cx="718616" cy="359308"/>
+        <a:off x="286440" y="3251528"/>
+        <a:ext cx="712192" cy="356096"/>
       </dsp:txXfrm>
     </dsp:sp>
     <dsp:sp modelId="{DE9A1373-2987-46D9-9ED7-829C15C72707}">
@@ -10091,8 +10917,8 @@
       </dsp:nvSpPr>
       <dsp:spPr>
         <a:xfrm>
-          <a:off x="183146" y="3760145"/>
-          <a:ext cx="718616" cy="359308"/>
+          <a:off x="286440" y="3757185"/>
+          <a:ext cx="712192" cy="356096"/>
         </a:xfrm>
         <a:prstGeom prst="rect">
           <a:avLst/>
@@ -10166,28 +10992,43 @@
             <a:buNone/>
           </a:pPr>
           <a:r>
-            <a:rPr lang="de-DE" sz="500" kern="1200" dirty="0"/>
+            <a:rPr lang="de-DE" sz="500" kern="1200" dirty="0">
+              <a:latin typeface="Arial" panose="020B0604020202020204" pitchFamily="34" charset="0"/>
+              <a:cs typeface="Arial" panose="020B0604020202020204" pitchFamily="34" charset="0"/>
+            </a:rPr>
             <a:t>AP4</a:t>
           </a:r>
           <a:br>
-            <a:rPr lang="de-DE" sz="500" kern="1200" dirty="0"/>
+            <a:rPr lang="de-DE" sz="500" kern="1200" dirty="0">
+              <a:latin typeface="Arial" panose="020B0604020202020204" pitchFamily="34" charset="0"/>
+              <a:cs typeface="Arial" panose="020B0604020202020204" pitchFamily="34" charset="0"/>
+            </a:rPr>
           </a:br>
           <a:r>
-            <a:rPr lang="de-DE" sz="500" kern="1200" dirty="0"/>
+            <a:rPr lang="de-DE" sz="500" kern="1200" dirty="0">
+              <a:latin typeface="Arial" panose="020B0604020202020204" pitchFamily="34" charset="0"/>
+              <a:cs typeface="Arial" panose="020B0604020202020204" pitchFamily="34" charset="0"/>
+            </a:rPr>
             <a:t>Festlegen der Erfolgskriterien</a:t>
           </a:r>
           <a:br>
-            <a:rPr lang="de-DE" sz="500" kern="1200" dirty="0"/>
+            <a:rPr lang="de-DE" sz="500" kern="1200" dirty="0">
+              <a:latin typeface="Arial" panose="020B0604020202020204" pitchFamily="34" charset="0"/>
+              <a:cs typeface="Arial" panose="020B0604020202020204" pitchFamily="34" charset="0"/>
+            </a:rPr>
           </a:br>
           <a:r>
-            <a:rPr lang="de-DE" sz="500" kern="1200" dirty="0"/>
+            <a:rPr lang="de-DE" sz="500" kern="1200" dirty="0">
+              <a:latin typeface="Arial" panose="020B0604020202020204" pitchFamily="34" charset="0"/>
+              <a:cs typeface="Arial" panose="020B0604020202020204" pitchFamily="34" charset="0"/>
+            </a:rPr>
             <a:t>1.1.4</a:t>
           </a:r>
         </a:p>
       </dsp:txBody>
       <dsp:txXfrm>
-        <a:off x="183146" y="3760145"/>
-        <a:ext cx="718616" cy="359308"/>
+        <a:off x="286440" y="3757185"/>
+        <a:ext cx="712192" cy="356096"/>
       </dsp:txXfrm>
     </dsp:sp>
     <dsp:sp modelId="{D0C30FB7-6018-46EF-B03F-FF6AAFDBBB60}">
@@ -10197,8 +11038,8 @@
       </dsp:nvSpPr>
       <dsp:spPr>
         <a:xfrm>
-          <a:off x="183146" y="4270363"/>
-          <a:ext cx="718616" cy="359308"/>
+          <a:off x="286440" y="4262841"/>
+          <a:ext cx="712192" cy="356096"/>
         </a:xfrm>
         <a:prstGeom prst="rect">
           <a:avLst/>
@@ -10272,28 +11113,43 @@
             <a:buNone/>
           </a:pPr>
           <a:r>
-            <a:rPr lang="de-DE" sz="500" kern="1200" dirty="0"/>
+            <a:rPr lang="de-DE" sz="500" kern="1200" dirty="0">
+              <a:latin typeface="Arial" panose="020B0604020202020204" pitchFamily="34" charset="0"/>
+              <a:cs typeface="Arial" panose="020B0604020202020204" pitchFamily="34" charset="0"/>
+            </a:rPr>
             <a:t>AP1</a:t>
           </a:r>
           <a:br>
-            <a:rPr lang="de-DE" sz="500" kern="1200" dirty="0"/>
+            <a:rPr lang="de-DE" sz="500" kern="1200" dirty="0">
+              <a:latin typeface="Arial" panose="020B0604020202020204" pitchFamily="34" charset="0"/>
+              <a:cs typeface="Arial" panose="020B0604020202020204" pitchFamily="34" charset="0"/>
+            </a:rPr>
           </a:br>
           <a:r>
-            <a:rPr lang="de-DE" sz="500" kern="1200" dirty="0"/>
+            <a:rPr lang="de-DE" sz="500" kern="1200" dirty="0">
+              <a:latin typeface="Arial" panose="020B0604020202020204" pitchFamily="34" charset="0"/>
+              <a:cs typeface="Arial" panose="020B0604020202020204" pitchFamily="34" charset="0"/>
+            </a:rPr>
             <a:t>Festlegen der Methodik</a:t>
           </a:r>
           <a:br>
-            <a:rPr lang="de-DE" sz="500" kern="1200" dirty="0"/>
+            <a:rPr lang="de-DE" sz="500" kern="1200" dirty="0">
+              <a:latin typeface="Arial" panose="020B0604020202020204" pitchFamily="34" charset="0"/>
+              <a:cs typeface="Arial" panose="020B0604020202020204" pitchFamily="34" charset="0"/>
+            </a:rPr>
           </a:br>
           <a:r>
-            <a:rPr lang="de-DE" sz="500" kern="1200" dirty="0"/>
+            <a:rPr lang="de-DE" sz="500" kern="1200" dirty="0">
+              <a:latin typeface="Arial" panose="020B0604020202020204" pitchFamily="34" charset="0"/>
+              <a:cs typeface="Arial" panose="020B0604020202020204" pitchFamily="34" charset="0"/>
+            </a:rPr>
             <a:t>1.2.1</a:t>
           </a:r>
         </a:p>
       </dsp:txBody>
       <dsp:txXfrm>
-        <a:off x="183146" y="4270363"/>
-        <a:ext cx="718616" cy="359308"/>
+        <a:off x="286440" y="4262841"/>
+        <a:ext cx="712192" cy="356096"/>
       </dsp:txXfrm>
     </dsp:sp>
     <dsp:sp modelId="{99FBF61B-723F-44FE-A1E7-5053160E88F1}">
@@ -10303,8 +11159,8 @@
       </dsp:nvSpPr>
       <dsp:spPr>
         <a:xfrm>
-          <a:off x="1307781" y="1208474"/>
-          <a:ext cx="718616" cy="359308"/>
+          <a:off x="1401021" y="1228326"/>
+          <a:ext cx="712192" cy="356096"/>
         </a:xfrm>
         <a:prstGeom prst="rect">
           <a:avLst/>
@@ -10378,14 +11234,17 @@
             <a:buNone/>
           </a:pPr>
           <a:r>
-            <a:rPr lang="de-DE" sz="600" b="1" kern="1200" dirty="0"/>
+            <a:rPr lang="de-DE" sz="600" b="1" kern="1200" dirty="0">
+              <a:latin typeface="Arial" panose="020B0604020202020204" pitchFamily="34" charset="0"/>
+              <a:cs typeface="Arial" panose="020B0604020202020204" pitchFamily="34" charset="0"/>
+            </a:rPr>
             <a:t>2.Planungsphase</a:t>
           </a:r>
         </a:p>
       </dsp:txBody>
       <dsp:txXfrm>
-        <a:off x="1307781" y="1208474"/>
-        <a:ext cx="718616" cy="359308"/>
+        <a:off x="1401021" y="1228326"/>
+        <a:ext cx="712192" cy="356096"/>
       </dsp:txXfrm>
     </dsp:sp>
     <dsp:sp modelId="{5D6A704C-DA52-4545-9117-ECF463EC0119}">
@@ -10395,8 +11254,8 @@
       </dsp:nvSpPr>
       <dsp:spPr>
         <a:xfrm>
-          <a:off x="873018" y="1718692"/>
-          <a:ext cx="718616" cy="359308"/>
+          <a:off x="970145" y="1733982"/>
+          <a:ext cx="712192" cy="356096"/>
         </a:xfrm>
         <a:prstGeom prst="rect">
           <a:avLst/>
@@ -10470,21 +11329,30 @@
             <a:buNone/>
           </a:pPr>
           <a:r>
-            <a:rPr lang="de-DE" sz="500" kern="1200"/>
+            <a:rPr lang="de-DE" sz="500" kern="1200" dirty="0">
+              <a:latin typeface="Arial" panose="020B0604020202020204" pitchFamily="34" charset="0"/>
+              <a:cs typeface="Arial" panose="020B0604020202020204" pitchFamily="34" charset="0"/>
+            </a:rPr>
             <a:t>Projektstrukturierung</a:t>
           </a:r>
           <a:br>
-            <a:rPr lang="de-DE" sz="500" kern="1200"/>
+            <a:rPr lang="de-DE" sz="500" kern="1200" dirty="0">
+              <a:latin typeface="Arial" panose="020B0604020202020204" pitchFamily="34" charset="0"/>
+              <a:cs typeface="Arial" panose="020B0604020202020204" pitchFamily="34" charset="0"/>
+            </a:rPr>
           </a:br>
           <a:r>
-            <a:rPr lang="de-DE" sz="500" kern="1200"/>
-            <a:t>TP2.1</a:t>
+            <a:rPr lang="de-DE" sz="500" kern="1200" dirty="0">
+              <a:latin typeface="Arial" panose="020B0604020202020204" pitchFamily="34" charset="0"/>
+              <a:cs typeface="Arial" panose="020B0604020202020204" pitchFamily="34" charset="0"/>
+            </a:rPr>
+            <a:t>TA2.1</a:t>
           </a:r>
         </a:p>
       </dsp:txBody>
       <dsp:txXfrm>
-        <a:off x="873018" y="1718692"/>
-        <a:ext cx="718616" cy="359308"/>
+        <a:off x="970145" y="1733982"/>
+        <a:ext cx="712192" cy="356096"/>
       </dsp:txXfrm>
     </dsp:sp>
     <dsp:sp modelId="{C401C5A3-D237-41F1-873F-FF779CD07C67}">
@@ -10494,8 +11362,8 @@
       </dsp:nvSpPr>
       <dsp:spPr>
         <a:xfrm>
-          <a:off x="1052672" y="2229492"/>
-          <a:ext cx="718616" cy="359308"/>
+          <a:off x="1148193" y="2240215"/>
+          <a:ext cx="712192" cy="356096"/>
         </a:xfrm>
         <a:prstGeom prst="rect">
           <a:avLst/>
@@ -10569,28 +11437,43 @@
             <a:buNone/>
           </a:pPr>
           <a:r>
-            <a:rPr lang="de-DE" sz="500" kern="1200" dirty="0"/>
+            <a:rPr lang="de-DE" sz="500" kern="1200" dirty="0">
+              <a:latin typeface="Arial" panose="020B0604020202020204" pitchFamily="34" charset="0"/>
+              <a:cs typeface="Arial" panose="020B0604020202020204" pitchFamily="34" charset="0"/>
+            </a:rPr>
             <a:t>AP1</a:t>
           </a:r>
           <a:br>
-            <a:rPr lang="de-DE" sz="500" kern="1200" dirty="0"/>
+            <a:rPr lang="de-DE" sz="500" kern="1200" dirty="0">
+              <a:latin typeface="Arial" panose="020B0604020202020204" pitchFamily="34" charset="0"/>
+              <a:cs typeface="Arial" panose="020B0604020202020204" pitchFamily="34" charset="0"/>
+            </a:rPr>
           </a:br>
           <a:r>
-            <a:rPr lang="de-DE" sz="500" kern="1200" dirty="0"/>
+            <a:rPr lang="de-DE" sz="500" kern="1200" dirty="0">
+              <a:latin typeface="Arial" panose="020B0604020202020204" pitchFamily="34" charset="0"/>
+              <a:cs typeface="Arial" panose="020B0604020202020204" pitchFamily="34" charset="0"/>
+            </a:rPr>
             <a:t>Arbeitspakete definieren</a:t>
           </a:r>
           <a:br>
-            <a:rPr lang="de-DE" sz="500" kern="1200" dirty="0"/>
+            <a:rPr lang="de-DE" sz="500" kern="1200" dirty="0">
+              <a:latin typeface="Arial" panose="020B0604020202020204" pitchFamily="34" charset="0"/>
+              <a:cs typeface="Arial" panose="020B0604020202020204" pitchFamily="34" charset="0"/>
+            </a:rPr>
           </a:br>
           <a:r>
-            <a:rPr lang="de-DE" sz="500" kern="1200" dirty="0"/>
+            <a:rPr lang="de-DE" sz="500" kern="1200" dirty="0">
+              <a:latin typeface="Arial" panose="020B0604020202020204" pitchFamily="34" charset="0"/>
+              <a:cs typeface="Arial" panose="020B0604020202020204" pitchFamily="34" charset="0"/>
+            </a:rPr>
             <a:t>2.1.1</a:t>
           </a:r>
         </a:p>
       </dsp:txBody>
       <dsp:txXfrm>
-        <a:off x="1052672" y="2229492"/>
-        <a:ext cx="718616" cy="359308"/>
+        <a:off x="1148193" y="2240215"/>
+        <a:ext cx="712192" cy="356096"/>
       </dsp:txXfrm>
     </dsp:sp>
     <dsp:sp modelId="{12BA7F44-6311-49C8-A63B-E18FE18EE526}">
@@ -10600,8 +11483,8 @@
       </dsp:nvSpPr>
       <dsp:spPr>
         <a:xfrm>
-          <a:off x="1052672" y="2739710"/>
-          <a:ext cx="718616" cy="359308"/>
+          <a:off x="1148193" y="2745872"/>
+          <a:ext cx="712192" cy="356096"/>
         </a:xfrm>
         <a:prstGeom prst="rect">
           <a:avLst/>
@@ -10675,28 +11558,43 @@
             <a:buNone/>
           </a:pPr>
           <a:r>
-            <a:rPr lang="de-DE" sz="500" kern="1200" dirty="0"/>
+            <a:rPr lang="de-DE" sz="500" kern="1200" dirty="0">
+              <a:latin typeface="Arial" panose="020B0604020202020204" pitchFamily="34" charset="0"/>
+              <a:cs typeface="Arial" panose="020B0604020202020204" pitchFamily="34" charset="0"/>
+            </a:rPr>
             <a:t>AP2</a:t>
           </a:r>
           <a:br>
-            <a:rPr lang="de-DE" sz="500" kern="1200" dirty="0"/>
+            <a:rPr lang="de-DE" sz="500" kern="1200" dirty="0">
+              <a:latin typeface="Arial" panose="020B0604020202020204" pitchFamily="34" charset="0"/>
+              <a:cs typeface="Arial" panose="020B0604020202020204" pitchFamily="34" charset="0"/>
+            </a:rPr>
           </a:br>
           <a:r>
-            <a:rPr lang="de-DE" sz="500" kern="1200" dirty="0"/>
+            <a:rPr lang="de-DE" sz="500" kern="1200" dirty="0">
+              <a:latin typeface="Arial" panose="020B0604020202020204" pitchFamily="34" charset="0"/>
+              <a:cs typeface="Arial" panose="020B0604020202020204" pitchFamily="34" charset="0"/>
+            </a:rPr>
             <a:t>Projektstrukturplan erstellen</a:t>
           </a:r>
           <a:br>
-            <a:rPr lang="de-DE" sz="500" kern="1200" dirty="0"/>
+            <a:rPr lang="de-DE" sz="500" kern="1200" dirty="0">
+              <a:latin typeface="Arial" panose="020B0604020202020204" pitchFamily="34" charset="0"/>
+              <a:cs typeface="Arial" panose="020B0604020202020204" pitchFamily="34" charset="0"/>
+            </a:rPr>
           </a:br>
           <a:r>
-            <a:rPr lang="de-DE" sz="500" kern="1200" dirty="0"/>
+            <a:rPr lang="de-DE" sz="500" kern="1200" dirty="0">
+              <a:latin typeface="Arial" panose="020B0604020202020204" pitchFamily="34" charset="0"/>
+              <a:cs typeface="Arial" panose="020B0604020202020204" pitchFamily="34" charset="0"/>
+            </a:rPr>
             <a:t>2.1.2</a:t>
           </a:r>
         </a:p>
       </dsp:txBody>
       <dsp:txXfrm>
-        <a:off x="1052672" y="2739710"/>
-        <a:ext cx="718616" cy="359308"/>
+        <a:off x="1148193" y="2745872"/>
+        <a:ext cx="712192" cy="356096"/>
       </dsp:txXfrm>
     </dsp:sp>
     <dsp:sp modelId="{0487A974-C01A-41BC-BA2C-CF5B64E54B51}">
@@ -10706,8 +11604,8 @@
       </dsp:nvSpPr>
       <dsp:spPr>
         <a:xfrm>
-          <a:off x="1052672" y="3249927"/>
-          <a:ext cx="718616" cy="359308"/>
+          <a:off x="1148193" y="3251528"/>
+          <a:ext cx="712192" cy="356096"/>
         </a:xfrm>
         <a:prstGeom prst="rect">
           <a:avLst/>
@@ -10781,28 +11679,43 @@
             <a:buNone/>
           </a:pPr>
           <a:r>
-            <a:rPr lang="de-DE" sz="500" kern="1200" dirty="0"/>
+            <a:rPr lang="de-DE" sz="500" kern="1200" dirty="0">
+              <a:latin typeface="Arial" panose="020B0604020202020204" pitchFamily="34" charset="0"/>
+              <a:cs typeface="Arial" panose="020B0604020202020204" pitchFamily="34" charset="0"/>
+            </a:rPr>
             <a:t>AP3</a:t>
           </a:r>
           <a:br>
-            <a:rPr lang="de-DE" sz="500" kern="1200" dirty="0"/>
+            <a:rPr lang="de-DE" sz="500" kern="1200" dirty="0">
+              <a:latin typeface="Arial" panose="020B0604020202020204" pitchFamily="34" charset="0"/>
+              <a:cs typeface="Arial" panose="020B0604020202020204" pitchFamily="34" charset="0"/>
+            </a:rPr>
           </a:br>
           <a:r>
-            <a:rPr lang="de-DE" sz="500" kern="1200" dirty="0"/>
+            <a:rPr lang="de-DE" sz="500" kern="1200" dirty="0">
+              <a:latin typeface="Arial" panose="020B0604020202020204" pitchFamily="34" charset="0"/>
+              <a:cs typeface="Arial" panose="020B0604020202020204" pitchFamily="34" charset="0"/>
+            </a:rPr>
             <a:t>Bestimmung der Verantwortlichkeiten</a:t>
           </a:r>
           <a:br>
-            <a:rPr lang="de-DE" sz="500" kern="1200" dirty="0"/>
+            <a:rPr lang="de-DE" sz="500" kern="1200" dirty="0">
+              <a:latin typeface="Arial" panose="020B0604020202020204" pitchFamily="34" charset="0"/>
+              <a:cs typeface="Arial" panose="020B0604020202020204" pitchFamily="34" charset="0"/>
+            </a:rPr>
           </a:br>
           <a:r>
-            <a:rPr lang="de-DE" sz="500" kern="1200" dirty="0"/>
+            <a:rPr lang="de-DE" sz="500" kern="1200" dirty="0">
+              <a:latin typeface="Arial" panose="020B0604020202020204" pitchFamily="34" charset="0"/>
+              <a:cs typeface="Arial" panose="020B0604020202020204" pitchFamily="34" charset="0"/>
+            </a:rPr>
             <a:t>2.1.3</a:t>
           </a:r>
         </a:p>
       </dsp:txBody>
       <dsp:txXfrm>
-        <a:off x="1052672" y="3249927"/>
-        <a:ext cx="718616" cy="359308"/>
+        <a:off x="1148193" y="3251528"/>
+        <a:ext cx="712192" cy="356096"/>
       </dsp:txXfrm>
     </dsp:sp>
     <dsp:sp modelId="{F820ECDB-9B4C-4BC7-828A-737A7E895138}">
@@ -10812,8 +11725,8 @@
       </dsp:nvSpPr>
       <dsp:spPr>
         <a:xfrm>
-          <a:off x="1742544" y="1718692"/>
-          <a:ext cx="718616" cy="359308"/>
+          <a:off x="1831897" y="1733982"/>
+          <a:ext cx="712192" cy="356096"/>
         </a:xfrm>
         <a:prstGeom prst="rect">
           <a:avLst/>
@@ -10887,21 +11800,30 @@
             <a:buNone/>
           </a:pPr>
           <a:r>
-            <a:rPr lang="de-DE" sz="500" kern="1200"/>
+            <a:rPr lang="de-DE" sz="500" kern="1200" dirty="0">
+              <a:latin typeface="Arial" panose="020B0604020202020204" pitchFamily="34" charset="0"/>
+              <a:cs typeface="Arial" panose="020B0604020202020204" pitchFamily="34" charset="0"/>
+            </a:rPr>
             <a:t>Projektdetailplanung</a:t>
           </a:r>
           <a:br>
-            <a:rPr lang="de-DE" sz="500" kern="1200"/>
+            <a:rPr lang="de-DE" sz="500" kern="1200" dirty="0">
+              <a:latin typeface="Arial" panose="020B0604020202020204" pitchFamily="34" charset="0"/>
+              <a:cs typeface="Arial" panose="020B0604020202020204" pitchFamily="34" charset="0"/>
+            </a:rPr>
           </a:br>
           <a:r>
-            <a:rPr lang="de-DE" sz="500" kern="1200"/>
-            <a:t>TP2.2</a:t>
+            <a:rPr lang="de-DE" sz="500" kern="1200" dirty="0">
+              <a:latin typeface="Arial" panose="020B0604020202020204" pitchFamily="34" charset="0"/>
+              <a:cs typeface="Arial" panose="020B0604020202020204" pitchFamily="34" charset="0"/>
+            </a:rPr>
+            <a:t>TA2.2</a:t>
           </a:r>
         </a:p>
       </dsp:txBody>
       <dsp:txXfrm>
-        <a:off x="1742544" y="1718692"/>
-        <a:ext cx="718616" cy="359308"/>
+        <a:off x="1831897" y="1733982"/>
+        <a:ext cx="712192" cy="356096"/>
       </dsp:txXfrm>
     </dsp:sp>
     <dsp:sp modelId="{790C8EAF-A4CE-408F-851F-5B26F242109F}">
@@ -10911,8 +11833,8 @@
       </dsp:nvSpPr>
       <dsp:spPr>
         <a:xfrm>
-          <a:off x="1922198" y="2229492"/>
-          <a:ext cx="718616" cy="359308"/>
+          <a:off x="2009945" y="2240215"/>
+          <a:ext cx="712192" cy="356096"/>
         </a:xfrm>
         <a:prstGeom prst="rect">
           <a:avLst/>
@@ -10986,28 +11908,43 @@
             <a:buNone/>
           </a:pPr>
           <a:r>
-            <a:rPr lang="de-DE" sz="500" kern="1200" dirty="0"/>
+            <a:rPr lang="de-DE" sz="500" kern="1200" dirty="0">
+              <a:latin typeface="Arial" panose="020B0604020202020204" pitchFamily="34" charset="0"/>
+              <a:cs typeface="Arial" panose="020B0604020202020204" pitchFamily="34" charset="0"/>
+            </a:rPr>
             <a:t>AP1</a:t>
           </a:r>
           <a:br>
-            <a:rPr lang="de-DE" sz="500" kern="1200" dirty="0"/>
+            <a:rPr lang="de-DE" sz="500" kern="1200" dirty="0">
+              <a:latin typeface="Arial" panose="020B0604020202020204" pitchFamily="34" charset="0"/>
+              <a:cs typeface="Arial" panose="020B0604020202020204" pitchFamily="34" charset="0"/>
+            </a:rPr>
           </a:br>
           <a:r>
-            <a:rPr lang="de-DE" sz="500" kern="1200" dirty="0"/>
+            <a:rPr lang="de-DE" sz="500" kern="1200" dirty="0">
+              <a:latin typeface="Arial" panose="020B0604020202020204" pitchFamily="34" charset="0"/>
+              <a:cs typeface="Arial" panose="020B0604020202020204" pitchFamily="34" charset="0"/>
+            </a:rPr>
             <a:t>Zeitplan erstellen</a:t>
           </a:r>
           <a:br>
-            <a:rPr lang="de-DE" sz="500" kern="1200" dirty="0"/>
+            <a:rPr lang="de-DE" sz="500" kern="1200" dirty="0">
+              <a:latin typeface="Arial" panose="020B0604020202020204" pitchFamily="34" charset="0"/>
+              <a:cs typeface="Arial" panose="020B0604020202020204" pitchFamily="34" charset="0"/>
+            </a:rPr>
           </a:br>
           <a:r>
-            <a:rPr lang="de-DE" sz="500" kern="1200" dirty="0"/>
+            <a:rPr lang="de-DE" sz="500" kern="1200" dirty="0">
+              <a:latin typeface="Arial" panose="020B0604020202020204" pitchFamily="34" charset="0"/>
+              <a:cs typeface="Arial" panose="020B0604020202020204" pitchFamily="34" charset="0"/>
+            </a:rPr>
             <a:t>2.2.1</a:t>
           </a:r>
         </a:p>
       </dsp:txBody>
       <dsp:txXfrm>
-        <a:off x="1922198" y="2229492"/>
-        <a:ext cx="718616" cy="359308"/>
+        <a:off x="2009945" y="2240215"/>
+        <a:ext cx="712192" cy="356096"/>
       </dsp:txXfrm>
     </dsp:sp>
     <dsp:sp modelId="{2CD3366C-7C0F-4226-ACF0-01AF3347E197}">
@@ -11017,8 +11954,8 @@
       </dsp:nvSpPr>
       <dsp:spPr>
         <a:xfrm>
-          <a:off x="1922198" y="2739710"/>
-          <a:ext cx="718616" cy="359308"/>
+          <a:off x="2009945" y="2745872"/>
+          <a:ext cx="712192" cy="356096"/>
         </a:xfrm>
         <a:prstGeom prst="rect">
           <a:avLst/>
@@ -11092,28 +12029,43 @@
             <a:buNone/>
           </a:pPr>
           <a:r>
-            <a:rPr lang="de-DE" sz="500" kern="1200" dirty="0"/>
+            <a:rPr lang="de-DE" sz="500" kern="1200" dirty="0">
+              <a:latin typeface="Arial" panose="020B0604020202020204" pitchFamily="34" charset="0"/>
+              <a:cs typeface="Arial" panose="020B0604020202020204" pitchFamily="34" charset="0"/>
+            </a:rPr>
             <a:t>AP2</a:t>
           </a:r>
           <a:br>
-            <a:rPr lang="de-DE" sz="500" kern="1200" dirty="0"/>
+            <a:rPr lang="de-DE" sz="500" kern="1200" dirty="0">
+              <a:latin typeface="Arial" panose="020B0604020202020204" pitchFamily="34" charset="0"/>
+              <a:cs typeface="Arial" panose="020B0604020202020204" pitchFamily="34" charset="0"/>
+            </a:rPr>
           </a:br>
           <a:r>
-            <a:rPr lang="de-DE" sz="500" kern="1200" dirty="0"/>
+            <a:rPr lang="de-DE" sz="500" kern="1200" dirty="0">
+              <a:latin typeface="Arial" panose="020B0604020202020204" pitchFamily="34" charset="0"/>
+              <a:cs typeface="Arial" panose="020B0604020202020204" pitchFamily="34" charset="0"/>
+            </a:rPr>
             <a:t>Meilensteine festlegen</a:t>
           </a:r>
           <a:br>
-            <a:rPr lang="de-DE" sz="500" kern="1200" dirty="0"/>
+            <a:rPr lang="de-DE" sz="500" kern="1200" dirty="0">
+              <a:latin typeface="Arial" panose="020B0604020202020204" pitchFamily="34" charset="0"/>
+              <a:cs typeface="Arial" panose="020B0604020202020204" pitchFamily="34" charset="0"/>
+            </a:rPr>
           </a:br>
           <a:r>
-            <a:rPr lang="de-DE" sz="500" kern="1200" dirty="0"/>
+            <a:rPr lang="de-DE" sz="500" kern="1200" dirty="0">
+              <a:latin typeface="Arial" panose="020B0604020202020204" pitchFamily="34" charset="0"/>
+              <a:cs typeface="Arial" panose="020B0604020202020204" pitchFamily="34" charset="0"/>
+            </a:rPr>
             <a:t>2.2.2</a:t>
           </a:r>
         </a:p>
       </dsp:txBody>
       <dsp:txXfrm>
-        <a:off x="1922198" y="2739710"/>
-        <a:ext cx="718616" cy="359308"/>
+        <a:off x="2009945" y="2745872"/>
+        <a:ext cx="712192" cy="356096"/>
       </dsp:txXfrm>
     </dsp:sp>
     <dsp:sp modelId="{C5FCA35F-86FC-4C88-AC51-0670D823E3B2}">
@@ -11123,8 +12075,8 @@
       </dsp:nvSpPr>
       <dsp:spPr>
         <a:xfrm>
-          <a:off x="1922198" y="3249927"/>
-          <a:ext cx="718616" cy="359308"/>
+          <a:off x="2009945" y="3251528"/>
+          <a:ext cx="712192" cy="356096"/>
         </a:xfrm>
         <a:prstGeom prst="rect">
           <a:avLst/>
@@ -11198,28 +12150,43 @@
             <a:buNone/>
           </a:pPr>
           <a:r>
-            <a:rPr lang="de-DE" sz="500" kern="1200" dirty="0"/>
+            <a:rPr lang="de-DE" sz="500" kern="1200" dirty="0">
+              <a:latin typeface="Arial" panose="020B0604020202020204" pitchFamily="34" charset="0"/>
+              <a:cs typeface="Arial" panose="020B0604020202020204" pitchFamily="34" charset="0"/>
+            </a:rPr>
             <a:t>AP3</a:t>
           </a:r>
           <a:br>
-            <a:rPr lang="de-DE" sz="500" kern="1200" dirty="0"/>
+            <a:rPr lang="de-DE" sz="500" kern="1200" dirty="0">
+              <a:latin typeface="Arial" panose="020B0604020202020204" pitchFamily="34" charset="0"/>
+              <a:cs typeface="Arial" panose="020B0604020202020204" pitchFamily="34" charset="0"/>
+            </a:rPr>
           </a:br>
           <a:r>
-            <a:rPr lang="de-DE" sz="500" kern="1200" dirty="0"/>
+            <a:rPr lang="de-DE" sz="500" kern="1200" dirty="0">
+              <a:latin typeface="Arial" panose="020B0604020202020204" pitchFamily="34" charset="0"/>
+              <a:cs typeface="Arial" panose="020B0604020202020204" pitchFamily="34" charset="0"/>
+            </a:rPr>
             <a:t>Ressourcenplan erstellen	</a:t>
           </a:r>
           <a:br>
-            <a:rPr lang="de-DE" sz="500" kern="1200" dirty="0"/>
+            <a:rPr lang="de-DE" sz="500" kern="1200" dirty="0">
+              <a:latin typeface="Arial" panose="020B0604020202020204" pitchFamily="34" charset="0"/>
+              <a:cs typeface="Arial" panose="020B0604020202020204" pitchFamily="34" charset="0"/>
+            </a:rPr>
           </a:br>
           <a:r>
-            <a:rPr lang="de-DE" sz="500" kern="1200" dirty="0"/>
+            <a:rPr lang="de-DE" sz="500" kern="1200" dirty="0">
+              <a:latin typeface="Arial" panose="020B0604020202020204" pitchFamily="34" charset="0"/>
+              <a:cs typeface="Arial" panose="020B0604020202020204" pitchFamily="34" charset="0"/>
+            </a:rPr>
             <a:t>2.2.3</a:t>
           </a:r>
         </a:p>
       </dsp:txBody>
       <dsp:txXfrm>
-        <a:off x="1922198" y="3249927"/>
-        <a:ext cx="718616" cy="359308"/>
+        <a:off x="2009945" y="3251528"/>
+        <a:ext cx="712192" cy="356096"/>
       </dsp:txXfrm>
     </dsp:sp>
     <dsp:sp modelId="{8292CF89-F59F-428B-B5EF-92AB599FC098}">
@@ -11229,8 +12196,8 @@
       </dsp:nvSpPr>
       <dsp:spPr>
         <a:xfrm>
-          <a:off x="5135032" y="1208474"/>
-          <a:ext cx="889848" cy="359308"/>
+          <a:off x="5194057" y="1228326"/>
+          <a:ext cx="881893" cy="356096"/>
         </a:xfrm>
         <a:prstGeom prst="rect">
           <a:avLst/>
@@ -11304,14 +12271,17 @@
             <a:buNone/>
           </a:pPr>
           <a:r>
-            <a:rPr lang="de-DE" sz="600" b="1" kern="1200" dirty="0"/>
+            <a:rPr lang="de-DE" sz="600" b="1" kern="1200" dirty="0">
+              <a:latin typeface="Arial" panose="020B0604020202020204" pitchFamily="34" charset="0"/>
+              <a:cs typeface="Arial" panose="020B0604020202020204" pitchFamily="34" charset="0"/>
+            </a:rPr>
             <a:t>3.Durchführungsphase</a:t>
           </a:r>
         </a:p>
       </dsp:txBody>
       <dsp:txXfrm>
-        <a:off x="5135032" y="1208474"/>
-        <a:ext cx="889848" cy="359308"/>
+        <a:off x="5194057" y="1228326"/>
+        <a:ext cx="881893" cy="356096"/>
       </dsp:txXfrm>
     </dsp:sp>
     <dsp:sp modelId="{0701DF2C-E74A-4F1C-A8AE-2AF856D1B4C6}">
@@ -11321,8 +12291,8 @@
       </dsp:nvSpPr>
       <dsp:spPr>
         <a:xfrm>
-          <a:off x="2612070" y="1718692"/>
-          <a:ext cx="718616" cy="359308"/>
+          <a:off x="2693650" y="1733982"/>
+          <a:ext cx="712192" cy="356096"/>
         </a:xfrm>
         <a:prstGeom prst="rect">
           <a:avLst/>
@@ -11396,21 +12366,30 @@
             <a:buNone/>
           </a:pPr>
           <a:r>
-            <a:rPr lang="de-DE" sz="500" kern="1200"/>
+            <a:rPr lang="de-DE" sz="500" kern="1200" dirty="0">
+              <a:latin typeface="Arial" panose="020B0604020202020204" pitchFamily="34" charset="0"/>
+              <a:cs typeface="Arial" panose="020B0604020202020204" pitchFamily="34" charset="0"/>
+            </a:rPr>
             <a:t>Projektbezogene Einarbeitung</a:t>
           </a:r>
           <a:br>
-            <a:rPr lang="de-DE" sz="500" kern="1200"/>
+            <a:rPr lang="de-DE" sz="500" kern="1200" dirty="0">
+              <a:latin typeface="Arial" panose="020B0604020202020204" pitchFamily="34" charset="0"/>
+              <a:cs typeface="Arial" panose="020B0604020202020204" pitchFamily="34" charset="0"/>
+            </a:rPr>
           </a:br>
           <a:r>
-            <a:rPr lang="de-DE" sz="500" kern="1200"/>
-            <a:t>TP3.1</a:t>
+            <a:rPr lang="de-DE" sz="500" kern="1200" dirty="0">
+              <a:latin typeface="Arial" panose="020B0604020202020204" pitchFamily="34" charset="0"/>
+              <a:cs typeface="Arial" panose="020B0604020202020204" pitchFamily="34" charset="0"/>
+            </a:rPr>
+            <a:t>TA3.1</a:t>
           </a:r>
         </a:p>
       </dsp:txBody>
       <dsp:txXfrm>
-        <a:off x="2612070" y="1718692"/>
-        <a:ext cx="718616" cy="359308"/>
+        <a:off x="2693650" y="1733982"/>
+        <a:ext cx="712192" cy="356096"/>
       </dsp:txXfrm>
     </dsp:sp>
     <dsp:sp modelId="{0F95EA87-3AE0-4BCD-BED8-0AAC5DE49085}">
@@ -11420,8 +12399,8 @@
       </dsp:nvSpPr>
       <dsp:spPr>
         <a:xfrm>
-          <a:off x="2791724" y="2229492"/>
-          <a:ext cx="718616" cy="359308"/>
+          <a:off x="2871698" y="2240215"/>
+          <a:ext cx="712192" cy="356096"/>
         </a:xfrm>
         <a:prstGeom prst="rect">
           <a:avLst/>
@@ -11495,32 +12474,50 @@
             <a:buNone/>
           </a:pPr>
           <a:r>
-            <a:rPr lang="de-DE" sz="500" kern="1200" dirty="0"/>
+            <a:rPr lang="de-DE" sz="500" kern="1200" dirty="0">
+              <a:latin typeface="Arial" panose="020B0604020202020204" pitchFamily="34" charset="0"/>
+              <a:cs typeface="Arial" panose="020B0604020202020204" pitchFamily="34" charset="0"/>
+            </a:rPr>
             <a:t>AP1</a:t>
           </a:r>
           <a:br>
-            <a:rPr lang="de-DE" sz="500" kern="1200" dirty="0"/>
+            <a:rPr lang="de-DE" sz="500" kern="1200" dirty="0">
+              <a:latin typeface="Arial" panose="020B0604020202020204" pitchFamily="34" charset="0"/>
+              <a:cs typeface="Arial" panose="020B0604020202020204" pitchFamily="34" charset="0"/>
+            </a:rPr>
           </a:br>
           <a:r>
-            <a:rPr lang="de-DE" sz="500" kern="1200" dirty="0"/>
+            <a:rPr lang="de-DE" sz="500" kern="1200" dirty="0">
+              <a:latin typeface="Arial" panose="020B0604020202020204" pitchFamily="34" charset="0"/>
+              <a:cs typeface="Arial" panose="020B0604020202020204" pitchFamily="34" charset="0"/>
+            </a:rPr>
             <a:t>Programmiersprache </a:t>
           </a:r>
           <a:r>
-            <a:rPr lang="de-DE" sz="500" kern="1200" dirty="0" err="1"/>
+            <a:rPr lang="de-DE" sz="500" kern="1200" dirty="0" err="1">
+              <a:latin typeface="Arial" panose="020B0604020202020204" pitchFamily="34" charset="0"/>
+              <a:cs typeface="Arial" panose="020B0604020202020204" pitchFamily="34" charset="0"/>
+            </a:rPr>
             <a:t>Golang</a:t>
           </a:r>
           <a:br>
-            <a:rPr lang="de-DE" sz="500" kern="1200" dirty="0"/>
+            <a:rPr lang="de-DE" sz="500" kern="1200" dirty="0">
+              <a:latin typeface="Arial" panose="020B0604020202020204" pitchFamily="34" charset="0"/>
+              <a:cs typeface="Arial" panose="020B0604020202020204" pitchFamily="34" charset="0"/>
+            </a:rPr>
           </a:br>
           <a:r>
-            <a:rPr lang="de-DE" sz="500" kern="1200" dirty="0"/>
+            <a:rPr lang="de-DE" sz="500" kern="1200" dirty="0">
+              <a:latin typeface="Arial" panose="020B0604020202020204" pitchFamily="34" charset="0"/>
+              <a:cs typeface="Arial" panose="020B0604020202020204" pitchFamily="34" charset="0"/>
+            </a:rPr>
             <a:t>3.1.1</a:t>
           </a:r>
         </a:p>
       </dsp:txBody>
       <dsp:txXfrm>
-        <a:off x="2791724" y="2229492"/>
-        <a:ext cx="718616" cy="359308"/>
+        <a:off x="2871698" y="2240215"/>
+        <a:ext cx="712192" cy="356096"/>
       </dsp:txXfrm>
     </dsp:sp>
     <dsp:sp modelId="{72043CF7-CB1D-4172-81FE-D58780D6F26F}">
@@ -11530,8 +12527,8 @@
       </dsp:nvSpPr>
       <dsp:spPr>
         <a:xfrm>
-          <a:off x="2791724" y="2739710"/>
-          <a:ext cx="718616" cy="359308"/>
+          <a:off x="2871698" y="2745872"/>
+          <a:ext cx="712192" cy="356096"/>
         </a:xfrm>
         <a:prstGeom prst="rect">
           <a:avLst/>
@@ -11605,28 +12602,43 @@
             <a:buNone/>
           </a:pPr>
           <a:r>
-            <a:rPr lang="de-DE" sz="500" kern="1200" dirty="0"/>
+            <a:rPr lang="de-DE" sz="500" kern="1200" dirty="0">
+              <a:latin typeface="Arial" panose="020B0604020202020204" pitchFamily="34" charset="0"/>
+              <a:cs typeface="Arial" panose="020B0604020202020204" pitchFamily="34" charset="0"/>
+            </a:rPr>
             <a:t>AP2</a:t>
           </a:r>
           <a:br>
-            <a:rPr lang="de-DE" sz="500" kern="1200" dirty="0"/>
+            <a:rPr lang="de-DE" sz="500" kern="1200" dirty="0">
+              <a:latin typeface="Arial" panose="020B0604020202020204" pitchFamily="34" charset="0"/>
+              <a:cs typeface="Arial" panose="020B0604020202020204" pitchFamily="34" charset="0"/>
+            </a:rPr>
           </a:br>
           <a:r>
-            <a:rPr lang="de-DE" sz="500" kern="1200" dirty="0"/>
+            <a:rPr lang="de-DE" sz="500" kern="1200" dirty="0">
+              <a:latin typeface="Arial" panose="020B0604020202020204" pitchFamily="34" charset="0"/>
+              <a:cs typeface="Arial" panose="020B0604020202020204" pitchFamily="34" charset="0"/>
+            </a:rPr>
             <a:t>Einbindung von APIs</a:t>
           </a:r>
           <a:br>
-            <a:rPr lang="de-DE" sz="500" kern="1200" dirty="0"/>
+            <a:rPr lang="de-DE" sz="500" kern="1200" dirty="0">
+              <a:latin typeface="Arial" panose="020B0604020202020204" pitchFamily="34" charset="0"/>
+              <a:cs typeface="Arial" panose="020B0604020202020204" pitchFamily="34" charset="0"/>
+            </a:rPr>
           </a:br>
           <a:r>
-            <a:rPr lang="de-DE" sz="500" kern="1200" dirty="0"/>
+            <a:rPr lang="de-DE" sz="500" kern="1200" dirty="0">
+              <a:latin typeface="Arial" panose="020B0604020202020204" pitchFamily="34" charset="0"/>
+              <a:cs typeface="Arial" panose="020B0604020202020204" pitchFamily="34" charset="0"/>
+            </a:rPr>
             <a:t>3.1.2</a:t>
           </a:r>
         </a:p>
       </dsp:txBody>
       <dsp:txXfrm>
-        <a:off x="2791724" y="2739710"/>
-        <a:ext cx="718616" cy="359308"/>
+        <a:off x="2871698" y="2745872"/>
+        <a:ext cx="712192" cy="356096"/>
       </dsp:txXfrm>
     </dsp:sp>
     <dsp:sp modelId="{10EC53DE-6798-4DE3-BA6D-3CADAB5A3DF8}">
@@ -11636,8 +12648,8 @@
       </dsp:nvSpPr>
       <dsp:spPr>
         <a:xfrm>
-          <a:off x="2791724" y="3249927"/>
-          <a:ext cx="718616" cy="359308"/>
+          <a:off x="2871698" y="3251528"/>
+          <a:ext cx="712192" cy="356096"/>
         </a:xfrm>
         <a:prstGeom prst="rect">
           <a:avLst/>
@@ -11711,28 +12723,43 @@
             <a:buNone/>
           </a:pPr>
           <a:r>
-            <a:rPr lang="de-DE" sz="500" kern="1200" dirty="0"/>
+            <a:rPr lang="de-DE" sz="500" kern="1200" dirty="0">
+              <a:latin typeface="Arial" panose="020B0604020202020204" pitchFamily="34" charset="0"/>
+              <a:cs typeface="Arial" panose="020B0604020202020204" pitchFamily="34" charset="0"/>
+            </a:rPr>
             <a:t>AP3</a:t>
           </a:r>
           <a:br>
-            <a:rPr lang="de-DE" sz="500" kern="1200" dirty="0"/>
+            <a:rPr lang="de-DE" sz="500" kern="1200" dirty="0">
+              <a:latin typeface="Arial" panose="020B0604020202020204" pitchFamily="34" charset="0"/>
+              <a:cs typeface="Arial" panose="020B0604020202020204" pitchFamily="34" charset="0"/>
+            </a:rPr>
           </a:br>
           <a:r>
-            <a:rPr lang="de-DE" sz="500" kern="1200" dirty="0"/>
+            <a:rPr lang="de-DE" sz="500" kern="1200" dirty="0">
+              <a:latin typeface="Arial" panose="020B0604020202020204" pitchFamily="34" charset="0"/>
+              <a:cs typeface="Arial" panose="020B0604020202020204" pitchFamily="34" charset="0"/>
+            </a:rPr>
             <a:t>Einbindung von Datenbanken</a:t>
           </a:r>
           <a:br>
-            <a:rPr lang="de-DE" sz="500" kern="1200" dirty="0"/>
+            <a:rPr lang="de-DE" sz="500" kern="1200" dirty="0">
+              <a:latin typeface="Arial" panose="020B0604020202020204" pitchFamily="34" charset="0"/>
+              <a:cs typeface="Arial" panose="020B0604020202020204" pitchFamily="34" charset="0"/>
+            </a:rPr>
           </a:br>
           <a:r>
-            <a:rPr lang="de-DE" sz="500" kern="1200" dirty="0"/>
+            <a:rPr lang="de-DE" sz="500" kern="1200" dirty="0">
+              <a:latin typeface="Arial" panose="020B0604020202020204" pitchFamily="34" charset="0"/>
+              <a:cs typeface="Arial" panose="020B0604020202020204" pitchFamily="34" charset="0"/>
+            </a:rPr>
             <a:t>3.1.3</a:t>
           </a:r>
         </a:p>
       </dsp:txBody>
       <dsp:txXfrm>
-        <a:off x="2791724" y="3249927"/>
-        <a:ext cx="718616" cy="359308"/>
+        <a:off x="2871698" y="3251528"/>
+        <a:ext cx="712192" cy="356096"/>
       </dsp:txXfrm>
     </dsp:sp>
     <dsp:sp modelId="{9B43FEA1-29FA-4BB0-8C27-BDF67CC8AADF}">
@@ -11742,8 +12769,8 @@
       </dsp:nvSpPr>
       <dsp:spPr>
         <a:xfrm>
-          <a:off x="2791724" y="3760145"/>
-          <a:ext cx="718616" cy="359308"/>
+          <a:off x="2871698" y="3757185"/>
+          <a:ext cx="712192" cy="356096"/>
         </a:xfrm>
         <a:prstGeom prst="rect">
           <a:avLst/>
@@ -11817,28 +12844,43 @@
             <a:buNone/>
           </a:pPr>
           <a:r>
-            <a:rPr lang="de-DE" sz="500" kern="1200" dirty="0"/>
+            <a:rPr lang="de-DE" sz="500" kern="1200" dirty="0">
+              <a:latin typeface="Arial" panose="020B0604020202020204" pitchFamily="34" charset="0"/>
+              <a:cs typeface="Arial" panose="020B0604020202020204" pitchFamily="34" charset="0"/>
+            </a:rPr>
             <a:t>AP4</a:t>
           </a:r>
           <a:br>
-            <a:rPr lang="de-DE" sz="500" kern="1200" dirty="0"/>
+            <a:rPr lang="de-DE" sz="500" kern="1200" dirty="0">
+              <a:latin typeface="Arial" panose="020B0604020202020204" pitchFamily="34" charset="0"/>
+              <a:cs typeface="Arial" panose="020B0604020202020204" pitchFamily="34" charset="0"/>
+            </a:rPr>
           </a:br>
           <a:r>
-            <a:rPr lang="de-DE" sz="500" kern="1200" dirty="0"/>
+            <a:rPr lang="de-DE" sz="500" kern="1200" dirty="0">
+              <a:latin typeface="Arial" panose="020B0604020202020204" pitchFamily="34" charset="0"/>
+              <a:cs typeface="Arial" panose="020B0604020202020204" pitchFamily="34" charset="0"/>
+            </a:rPr>
             <a:t>Nährwertberechnung</a:t>
           </a:r>
           <a:br>
-            <a:rPr lang="de-DE" sz="500" kern="1200" dirty="0"/>
+            <a:rPr lang="de-DE" sz="500" kern="1200" dirty="0">
+              <a:latin typeface="Arial" panose="020B0604020202020204" pitchFamily="34" charset="0"/>
+              <a:cs typeface="Arial" panose="020B0604020202020204" pitchFamily="34" charset="0"/>
+            </a:rPr>
           </a:br>
           <a:r>
-            <a:rPr lang="de-DE" sz="500" kern="1200" dirty="0"/>
+            <a:rPr lang="de-DE" sz="500" kern="1200" dirty="0">
+              <a:latin typeface="Arial" panose="020B0604020202020204" pitchFamily="34" charset="0"/>
+              <a:cs typeface="Arial" panose="020B0604020202020204" pitchFamily="34" charset="0"/>
+            </a:rPr>
             <a:t>3.1.4</a:t>
           </a:r>
         </a:p>
       </dsp:txBody>
       <dsp:txXfrm>
-        <a:off x="2791724" y="3760145"/>
-        <a:ext cx="718616" cy="359308"/>
+        <a:off x="2871698" y="3757185"/>
+        <a:ext cx="712192" cy="356096"/>
       </dsp:txXfrm>
     </dsp:sp>
     <dsp:sp modelId="{1DDB9BAA-E325-49E5-81EC-76B8A8189C42}">
@@ -11848,8 +12890,8 @@
       </dsp:nvSpPr>
       <dsp:spPr>
         <a:xfrm>
-          <a:off x="2791724" y="4270363"/>
-          <a:ext cx="718616" cy="359308"/>
+          <a:off x="2871698" y="4262841"/>
+          <a:ext cx="712192" cy="356096"/>
         </a:xfrm>
         <a:prstGeom prst="rect">
           <a:avLst/>
@@ -11923,28 +12965,43 @@
             <a:buNone/>
           </a:pPr>
           <a:r>
-            <a:rPr lang="de-DE" sz="500" kern="1200" dirty="0"/>
+            <a:rPr lang="de-DE" sz="500" kern="1200" dirty="0">
+              <a:latin typeface="Arial" panose="020B0604020202020204" pitchFamily="34" charset="0"/>
+              <a:cs typeface="Arial" panose="020B0604020202020204" pitchFamily="34" charset="0"/>
+            </a:rPr>
             <a:t>AP5</a:t>
           </a:r>
           <a:br>
-            <a:rPr lang="de-DE" sz="500" kern="1200" dirty="0"/>
+            <a:rPr lang="de-DE" sz="500" kern="1200" dirty="0">
+              <a:latin typeface="Arial" panose="020B0604020202020204" pitchFamily="34" charset="0"/>
+              <a:cs typeface="Arial" panose="020B0604020202020204" pitchFamily="34" charset="0"/>
+            </a:rPr>
           </a:br>
           <a:r>
-            <a:rPr lang="de-DE" sz="500" kern="1200" dirty="0"/>
+            <a:rPr lang="de-DE" sz="500" kern="1200" dirty="0">
+              <a:latin typeface="Arial" panose="020B0604020202020204" pitchFamily="34" charset="0"/>
+              <a:cs typeface="Arial" panose="020B0604020202020204" pitchFamily="34" charset="0"/>
+            </a:rPr>
             <a:t>Ernährungsarten</a:t>
           </a:r>
           <a:br>
-            <a:rPr lang="de-DE" sz="500" kern="1200" dirty="0"/>
+            <a:rPr lang="de-DE" sz="500" kern="1200" dirty="0">
+              <a:latin typeface="Arial" panose="020B0604020202020204" pitchFamily="34" charset="0"/>
+              <a:cs typeface="Arial" panose="020B0604020202020204" pitchFamily="34" charset="0"/>
+            </a:rPr>
           </a:br>
           <a:r>
-            <a:rPr lang="de-DE" sz="500" kern="1200" dirty="0"/>
+            <a:rPr lang="de-DE" sz="500" kern="1200" dirty="0">
+              <a:latin typeface="Arial" panose="020B0604020202020204" pitchFamily="34" charset="0"/>
+              <a:cs typeface="Arial" panose="020B0604020202020204" pitchFamily="34" charset="0"/>
+            </a:rPr>
             <a:t>3.1.5</a:t>
           </a:r>
         </a:p>
       </dsp:txBody>
       <dsp:txXfrm>
-        <a:off x="2791724" y="4270363"/>
-        <a:ext cx="718616" cy="359308"/>
+        <a:off x="2871698" y="4262841"/>
+        <a:ext cx="712192" cy="356096"/>
       </dsp:txXfrm>
     </dsp:sp>
     <dsp:sp modelId="{B2329EA3-0560-4CE6-B59C-151B4E42F71F}">
@@ -11954,8 +13011,8 @@
       </dsp:nvSpPr>
       <dsp:spPr>
         <a:xfrm>
-          <a:off x="5400302" y="1718692"/>
-          <a:ext cx="718616" cy="359308"/>
+          <a:off x="5456956" y="1733982"/>
+          <a:ext cx="712192" cy="356096"/>
         </a:xfrm>
         <a:prstGeom prst="rect">
           <a:avLst/>
@@ -12029,21 +13086,30 @@
             <a:buNone/>
           </a:pPr>
           <a:r>
-            <a:rPr lang="de-DE" sz="500" kern="1200"/>
+            <a:rPr lang="de-DE" sz="500" kern="1200" dirty="0">
+              <a:latin typeface="Arial" panose="020B0604020202020204" pitchFamily="34" charset="0"/>
+              <a:cs typeface="Arial" panose="020B0604020202020204" pitchFamily="34" charset="0"/>
+            </a:rPr>
             <a:t>Entwicklung der App</a:t>
           </a:r>
           <a:br>
-            <a:rPr lang="de-DE" sz="500" kern="1200"/>
+            <a:rPr lang="de-DE" sz="500" kern="1200" dirty="0">
+              <a:latin typeface="Arial" panose="020B0604020202020204" pitchFamily="34" charset="0"/>
+              <a:cs typeface="Arial" panose="020B0604020202020204" pitchFamily="34" charset="0"/>
+            </a:rPr>
           </a:br>
           <a:r>
-            <a:rPr lang="de-DE" sz="500" kern="1200"/>
-            <a:t>TP3.2</a:t>
+            <a:rPr lang="de-DE" sz="500" kern="1200" dirty="0">
+              <a:latin typeface="Arial" panose="020B0604020202020204" pitchFamily="34" charset="0"/>
+              <a:cs typeface="Arial" panose="020B0604020202020204" pitchFamily="34" charset="0"/>
+            </a:rPr>
+            <a:t>TA3.2</a:t>
           </a:r>
         </a:p>
       </dsp:txBody>
       <dsp:txXfrm>
-        <a:off x="5400302" y="1718692"/>
-        <a:ext cx="718616" cy="359308"/>
+        <a:off x="5456956" y="1733982"/>
+        <a:ext cx="712192" cy="356096"/>
       </dsp:txXfrm>
     </dsp:sp>
     <dsp:sp modelId="{FDDC1B4C-D042-43DE-81BD-9877C088CCD1}">
@@ -12053,8 +13119,8 @@
       </dsp:nvSpPr>
       <dsp:spPr>
         <a:xfrm>
-          <a:off x="3661250" y="2228910"/>
-          <a:ext cx="718616" cy="359308"/>
+          <a:off x="3733450" y="2239639"/>
+          <a:ext cx="712192" cy="356096"/>
         </a:xfrm>
         <a:prstGeom prst="rect">
           <a:avLst/>
@@ -12128,21 +13194,30 @@
             <a:buNone/>
           </a:pPr>
           <a:r>
-            <a:rPr lang="de-DE" sz="500" kern="1200"/>
+            <a:rPr lang="de-DE" sz="500" kern="1200" dirty="0">
+              <a:latin typeface="Arial" panose="020B0604020202020204" pitchFamily="34" charset="0"/>
+              <a:cs typeface="Arial" panose="020B0604020202020204" pitchFamily="34" charset="0"/>
+            </a:rPr>
             <a:t>Technische Umsetzung</a:t>
           </a:r>
           <a:br>
-            <a:rPr lang="de-DE" sz="500" kern="1200"/>
+            <a:rPr lang="de-DE" sz="500" kern="1200" dirty="0">
+              <a:latin typeface="Arial" panose="020B0604020202020204" pitchFamily="34" charset="0"/>
+              <a:cs typeface="Arial" panose="020B0604020202020204" pitchFamily="34" charset="0"/>
+            </a:rPr>
           </a:br>
           <a:r>
-            <a:rPr lang="de-DE" sz="500" kern="1200"/>
-            <a:t>TP3.2.1</a:t>
+            <a:rPr lang="de-DE" sz="500" kern="1200" dirty="0">
+              <a:latin typeface="Arial" panose="020B0604020202020204" pitchFamily="34" charset="0"/>
+              <a:cs typeface="Arial" panose="020B0604020202020204" pitchFamily="34" charset="0"/>
+            </a:rPr>
+            <a:t>TA3.2.1</a:t>
           </a:r>
         </a:p>
       </dsp:txBody>
       <dsp:txXfrm>
-        <a:off x="3661250" y="2228910"/>
-        <a:ext cx="718616" cy="359308"/>
+        <a:off x="3733450" y="2239639"/>
+        <a:ext cx="712192" cy="356096"/>
       </dsp:txXfrm>
     </dsp:sp>
     <dsp:sp modelId="{A9223F7B-1748-4215-9BFE-09318B63F5C6}">
@@ -12152,8 +13227,8 @@
       </dsp:nvSpPr>
       <dsp:spPr>
         <a:xfrm>
-          <a:off x="3840904" y="2739710"/>
-          <a:ext cx="718616" cy="359308"/>
+          <a:off x="3911498" y="2745872"/>
+          <a:ext cx="712192" cy="356096"/>
         </a:xfrm>
         <a:prstGeom prst="rect">
           <a:avLst/>
@@ -12227,28 +13302,50 @@
             <a:buNone/>
           </a:pPr>
           <a:r>
-            <a:rPr lang="de-DE" sz="500" kern="1200" dirty="0"/>
+            <a:rPr lang="de-DE" sz="500" kern="1200" dirty="0">
+              <a:latin typeface="Arial" panose="020B0604020202020204" pitchFamily="34" charset="0"/>
+              <a:cs typeface="Arial" panose="020B0604020202020204" pitchFamily="34" charset="0"/>
+            </a:rPr>
             <a:t>AP1</a:t>
           </a:r>
           <a:br>
-            <a:rPr lang="de-DE" sz="500" kern="1200" dirty="0"/>
+            <a:rPr lang="de-DE" sz="500" kern="1200" dirty="0">
+              <a:latin typeface="Arial" panose="020B0604020202020204" pitchFamily="34" charset="0"/>
+              <a:cs typeface="Arial" panose="020B0604020202020204" pitchFamily="34" charset="0"/>
+            </a:rPr>
           </a:br>
           <a:r>
-            <a:rPr lang="de-DE" sz="500" kern="1200" dirty="0"/>
-            <a:t>Anbindung Datenbank API </a:t>
+            <a:rPr lang="de-DE" sz="500" kern="1200" dirty="0">
+              <a:latin typeface="Arial" panose="020B0604020202020204" pitchFamily="34" charset="0"/>
+              <a:cs typeface="Arial" panose="020B0604020202020204" pitchFamily="34" charset="0"/>
+            </a:rPr>
+            <a:t>Anbindung </a:t>
+          </a:r>
+          <a:r>
+            <a:rPr lang="de-DE" sz="500" kern="1200">
+              <a:latin typeface="Arial" panose="020B0604020202020204" pitchFamily="34" charset="0"/>
+              <a:cs typeface="Arial" panose="020B0604020202020204" pitchFamily="34" charset="0"/>
+            </a:rPr>
+            <a:t>Datenbank über API </a:t>
           </a:r>
           <a:br>
-            <a:rPr lang="de-DE" sz="500" kern="1200" dirty="0"/>
+            <a:rPr lang="de-DE" sz="500" kern="1200" dirty="0">
+              <a:latin typeface="Arial" panose="020B0604020202020204" pitchFamily="34" charset="0"/>
+              <a:cs typeface="Arial" panose="020B0604020202020204" pitchFamily="34" charset="0"/>
+            </a:rPr>
           </a:br>
           <a:r>
-            <a:rPr lang="de-DE" sz="500" kern="1200" dirty="0"/>
+            <a:rPr lang="de-DE" sz="500" kern="1200" dirty="0">
+              <a:latin typeface="Arial" panose="020B0604020202020204" pitchFamily="34" charset="0"/>
+              <a:cs typeface="Arial" panose="020B0604020202020204" pitchFamily="34" charset="0"/>
+            </a:rPr>
             <a:t>3.2.1.1</a:t>
           </a:r>
         </a:p>
       </dsp:txBody>
       <dsp:txXfrm>
-        <a:off x="3840904" y="2739710"/>
-        <a:ext cx="718616" cy="359308"/>
+        <a:off x="3911498" y="2745872"/>
+        <a:ext cx="712192" cy="356096"/>
       </dsp:txXfrm>
     </dsp:sp>
     <dsp:sp modelId="{B33ACDE0-5050-4E7B-A7C1-F1499E000C7C}">
@@ -12258,8 +13355,8 @@
       </dsp:nvSpPr>
       <dsp:spPr>
         <a:xfrm>
-          <a:off x="3840904" y="3249927"/>
-          <a:ext cx="718616" cy="359308"/>
+          <a:off x="3911498" y="3251528"/>
+          <a:ext cx="712192" cy="356096"/>
         </a:xfrm>
         <a:prstGeom prst="rect">
           <a:avLst/>
@@ -12333,28 +13430,43 @@
             <a:buNone/>
           </a:pPr>
           <a:r>
-            <a:rPr lang="de-DE" sz="500" kern="1200" dirty="0"/>
+            <a:rPr lang="de-DE" sz="500" kern="1200" dirty="0">
+              <a:latin typeface="Arial" panose="020B0604020202020204" pitchFamily="34" charset="0"/>
+              <a:cs typeface="Arial" panose="020B0604020202020204" pitchFamily="34" charset="0"/>
+            </a:rPr>
             <a:t>AP2</a:t>
           </a:r>
           <a:br>
-            <a:rPr lang="de-DE" sz="500" kern="1200" dirty="0"/>
+            <a:rPr lang="de-DE" sz="500" kern="1200" dirty="0">
+              <a:latin typeface="Arial" panose="020B0604020202020204" pitchFamily="34" charset="0"/>
+              <a:cs typeface="Arial" panose="020B0604020202020204" pitchFamily="34" charset="0"/>
+            </a:rPr>
           </a:br>
           <a:r>
-            <a:rPr lang="de-DE" sz="500" kern="1200" dirty="0"/>
+            <a:rPr lang="de-DE" sz="500" kern="1200" dirty="0">
+              <a:latin typeface="Arial" panose="020B0604020202020204" pitchFamily="34" charset="0"/>
+              <a:cs typeface="Arial" panose="020B0604020202020204" pitchFamily="34" charset="0"/>
+            </a:rPr>
             <a:t>Zugriff auf Kamera zum Barcodescannen </a:t>
           </a:r>
           <a:br>
-            <a:rPr lang="de-DE" sz="500" kern="1200" dirty="0"/>
+            <a:rPr lang="de-DE" sz="500" kern="1200" dirty="0">
+              <a:latin typeface="Arial" panose="020B0604020202020204" pitchFamily="34" charset="0"/>
+              <a:cs typeface="Arial" panose="020B0604020202020204" pitchFamily="34" charset="0"/>
+            </a:rPr>
           </a:br>
           <a:r>
-            <a:rPr lang="de-DE" sz="500" kern="1200" dirty="0"/>
+            <a:rPr lang="de-DE" sz="500" kern="1200" dirty="0">
+              <a:latin typeface="Arial" panose="020B0604020202020204" pitchFamily="34" charset="0"/>
+              <a:cs typeface="Arial" panose="020B0604020202020204" pitchFamily="34" charset="0"/>
+            </a:rPr>
             <a:t>3.2.1.2</a:t>
           </a:r>
         </a:p>
       </dsp:txBody>
       <dsp:txXfrm>
-        <a:off x="3840904" y="3249927"/>
-        <a:ext cx="718616" cy="359308"/>
+        <a:off x="3911498" y="3251528"/>
+        <a:ext cx="712192" cy="356096"/>
       </dsp:txXfrm>
     </dsp:sp>
     <dsp:sp modelId="{A2FA35B8-63E8-4550-A10E-3DFF672C868D}">
@@ -12364,8 +13476,8 @@
       </dsp:nvSpPr>
       <dsp:spPr>
         <a:xfrm>
-          <a:off x="3840904" y="3760145"/>
-          <a:ext cx="718616" cy="359308"/>
+          <a:off x="3911498" y="3757185"/>
+          <a:ext cx="712192" cy="356096"/>
         </a:xfrm>
         <a:prstGeom prst="rect">
           <a:avLst/>
@@ -12439,28 +13551,43 @@
             <a:buNone/>
           </a:pPr>
           <a:r>
-            <a:rPr lang="de-DE" sz="500" kern="1200" dirty="0"/>
+            <a:rPr lang="de-DE" sz="500" kern="1200" dirty="0">
+              <a:latin typeface="Arial" panose="020B0604020202020204" pitchFamily="34" charset="0"/>
+              <a:cs typeface="Arial" panose="020B0604020202020204" pitchFamily="34" charset="0"/>
+            </a:rPr>
             <a:t>AP3</a:t>
           </a:r>
           <a:br>
-            <a:rPr lang="de-DE" sz="500" kern="1200" dirty="0"/>
+            <a:rPr lang="de-DE" sz="500" kern="1200" dirty="0">
+              <a:latin typeface="Arial" panose="020B0604020202020204" pitchFamily="34" charset="0"/>
+              <a:cs typeface="Arial" panose="020B0604020202020204" pitchFamily="34" charset="0"/>
+            </a:rPr>
           </a:br>
           <a:r>
-            <a:rPr lang="de-DE" sz="500" kern="1200" dirty="0"/>
+            <a:rPr lang="de-DE" sz="500" kern="1200" dirty="0">
+              <a:latin typeface="Arial" panose="020B0604020202020204" pitchFamily="34" charset="0"/>
+              <a:cs typeface="Arial" panose="020B0604020202020204" pitchFamily="34" charset="0"/>
+            </a:rPr>
             <a:t>Lokale Speicherung der App-Daten</a:t>
           </a:r>
           <a:br>
-            <a:rPr lang="de-DE" sz="500" kern="1200" dirty="0"/>
+            <a:rPr lang="de-DE" sz="500" kern="1200" dirty="0">
+              <a:latin typeface="Arial" panose="020B0604020202020204" pitchFamily="34" charset="0"/>
+              <a:cs typeface="Arial" panose="020B0604020202020204" pitchFamily="34" charset="0"/>
+            </a:rPr>
           </a:br>
           <a:r>
-            <a:rPr lang="de-DE" sz="500" kern="1200" dirty="0"/>
+            <a:rPr lang="de-DE" sz="500" kern="1200" dirty="0">
+              <a:latin typeface="Arial" panose="020B0604020202020204" pitchFamily="34" charset="0"/>
+              <a:cs typeface="Arial" panose="020B0604020202020204" pitchFamily="34" charset="0"/>
+            </a:rPr>
             <a:t>3.2.1.3</a:t>
           </a:r>
         </a:p>
       </dsp:txBody>
       <dsp:txXfrm>
-        <a:off x="3840904" y="3760145"/>
-        <a:ext cx="718616" cy="359308"/>
+        <a:off x="3911498" y="3757185"/>
+        <a:ext cx="712192" cy="356096"/>
       </dsp:txXfrm>
     </dsp:sp>
     <dsp:sp modelId="{A28F578E-0CFA-4652-9EBA-39163B88FE62}">
@@ -12470,8 +13597,8 @@
       </dsp:nvSpPr>
       <dsp:spPr>
         <a:xfrm>
-          <a:off x="4530776" y="2228910"/>
-          <a:ext cx="718616" cy="359308"/>
+          <a:off x="4595203" y="2239639"/>
+          <a:ext cx="712192" cy="356096"/>
         </a:xfrm>
         <a:prstGeom prst="rect">
           <a:avLst/>
@@ -12545,21 +13672,30 @@
             <a:buNone/>
           </a:pPr>
           <a:r>
-            <a:rPr lang="de-DE" sz="500" kern="1200"/>
+            <a:rPr lang="de-DE" sz="500" kern="1200" dirty="0">
+              <a:latin typeface="Arial" panose="020B0604020202020204" pitchFamily="34" charset="0"/>
+              <a:cs typeface="Arial" panose="020B0604020202020204" pitchFamily="34" charset="0"/>
+            </a:rPr>
             <a:t>Ernährungsbezogene Umsetzung</a:t>
           </a:r>
           <a:br>
-            <a:rPr lang="de-DE" sz="500" kern="1200"/>
+            <a:rPr lang="de-DE" sz="500" kern="1200" dirty="0">
+              <a:latin typeface="Arial" panose="020B0604020202020204" pitchFamily="34" charset="0"/>
+              <a:cs typeface="Arial" panose="020B0604020202020204" pitchFamily="34" charset="0"/>
+            </a:rPr>
           </a:br>
           <a:r>
-            <a:rPr lang="de-DE" sz="500" kern="1200"/>
-            <a:t>TP3.2.2</a:t>
+            <a:rPr lang="de-DE" sz="500" kern="1200" dirty="0">
+              <a:latin typeface="Arial" panose="020B0604020202020204" pitchFamily="34" charset="0"/>
+              <a:cs typeface="Arial" panose="020B0604020202020204" pitchFamily="34" charset="0"/>
+            </a:rPr>
+            <a:t>TA3.2.2</a:t>
           </a:r>
         </a:p>
       </dsp:txBody>
       <dsp:txXfrm>
-        <a:off x="4530776" y="2228910"/>
-        <a:ext cx="718616" cy="359308"/>
+        <a:off x="4595203" y="2239639"/>
+        <a:ext cx="712192" cy="356096"/>
       </dsp:txXfrm>
     </dsp:sp>
     <dsp:sp modelId="{A4EE30E0-C690-43A7-ADFE-1482A3569DAD}">
@@ -12569,8 +13705,8 @@
       </dsp:nvSpPr>
       <dsp:spPr>
         <a:xfrm>
-          <a:off x="4710430" y="2739710"/>
-          <a:ext cx="718616" cy="359308"/>
+          <a:off x="4773251" y="2745872"/>
+          <a:ext cx="712192" cy="356096"/>
         </a:xfrm>
         <a:prstGeom prst="rect">
           <a:avLst/>
@@ -12644,28 +13780,43 @@
             <a:buNone/>
           </a:pPr>
           <a:r>
-            <a:rPr lang="de-DE" sz="500" kern="1200" dirty="0"/>
+            <a:rPr lang="de-DE" sz="500" kern="1200" dirty="0">
+              <a:latin typeface="Arial" panose="020B0604020202020204" pitchFamily="34" charset="0"/>
+              <a:cs typeface="Arial" panose="020B0604020202020204" pitchFamily="34" charset="0"/>
+            </a:rPr>
             <a:t>AP1</a:t>
           </a:r>
           <a:br>
-            <a:rPr lang="de-DE" sz="500" kern="1200" dirty="0"/>
+            <a:rPr lang="de-DE" sz="500" kern="1200" dirty="0">
+              <a:latin typeface="Arial" panose="020B0604020202020204" pitchFamily="34" charset="0"/>
+              <a:cs typeface="Arial" panose="020B0604020202020204" pitchFamily="34" charset="0"/>
+            </a:rPr>
           </a:br>
           <a:r>
-            <a:rPr lang="de-DE" sz="500" kern="1200" dirty="0"/>
+            <a:rPr lang="de-DE" sz="500" kern="1200" dirty="0">
+              <a:latin typeface="Arial" panose="020B0604020202020204" pitchFamily="34" charset="0"/>
+              <a:cs typeface="Arial" panose="020B0604020202020204" pitchFamily="34" charset="0"/>
+            </a:rPr>
             <a:t>Abfrage für ein Userprofil</a:t>
           </a:r>
           <a:br>
-            <a:rPr lang="de-DE" sz="500" kern="1200" dirty="0"/>
+            <a:rPr lang="de-DE" sz="500" kern="1200" dirty="0">
+              <a:latin typeface="Arial" panose="020B0604020202020204" pitchFamily="34" charset="0"/>
+              <a:cs typeface="Arial" panose="020B0604020202020204" pitchFamily="34" charset="0"/>
+            </a:rPr>
           </a:br>
           <a:r>
-            <a:rPr lang="de-DE" sz="500" kern="1200" dirty="0"/>
+            <a:rPr lang="de-DE" sz="500" kern="1200" dirty="0">
+              <a:latin typeface="Arial" panose="020B0604020202020204" pitchFamily="34" charset="0"/>
+              <a:cs typeface="Arial" panose="020B0604020202020204" pitchFamily="34" charset="0"/>
+            </a:rPr>
             <a:t>3.2.2.1</a:t>
           </a:r>
         </a:p>
       </dsp:txBody>
       <dsp:txXfrm>
-        <a:off x="4710430" y="2739710"/>
-        <a:ext cx="718616" cy="359308"/>
+        <a:off x="4773251" y="2745872"/>
+        <a:ext cx="712192" cy="356096"/>
       </dsp:txXfrm>
     </dsp:sp>
     <dsp:sp modelId="{33446442-563A-4B71-9588-2474A09FC6D6}">
@@ -12675,8 +13826,8 @@
       </dsp:nvSpPr>
       <dsp:spPr>
         <a:xfrm>
-          <a:off x="4710430" y="3249927"/>
-          <a:ext cx="718616" cy="359308"/>
+          <a:off x="4773251" y="3251528"/>
+          <a:ext cx="712192" cy="356096"/>
         </a:xfrm>
         <a:prstGeom prst="rect">
           <a:avLst/>
@@ -12750,28 +13901,43 @@
             <a:buNone/>
           </a:pPr>
           <a:r>
-            <a:rPr lang="de-DE" sz="500" kern="1200" dirty="0"/>
+            <a:rPr lang="de-DE" sz="500" kern="1200" dirty="0">
+              <a:latin typeface="Arial" panose="020B0604020202020204" pitchFamily="34" charset="0"/>
+              <a:cs typeface="Arial" panose="020B0604020202020204" pitchFamily="34" charset="0"/>
+            </a:rPr>
             <a:t>AP2</a:t>
           </a:r>
           <a:br>
-            <a:rPr lang="de-DE" sz="500" kern="1200" dirty="0"/>
+            <a:rPr lang="de-DE" sz="500" kern="1200" dirty="0">
+              <a:latin typeface="Arial" panose="020B0604020202020204" pitchFamily="34" charset="0"/>
+              <a:cs typeface="Arial" panose="020B0604020202020204" pitchFamily="34" charset="0"/>
+            </a:rPr>
           </a:br>
           <a:r>
-            <a:rPr lang="de-DE" sz="500" kern="1200" dirty="0"/>
+            <a:rPr lang="de-DE" sz="500" kern="1200" dirty="0">
+              <a:latin typeface="Arial" panose="020B0604020202020204" pitchFamily="34" charset="0"/>
+              <a:cs typeface="Arial" panose="020B0604020202020204" pitchFamily="34" charset="0"/>
+            </a:rPr>
             <a:t>Profilmanagement</a:t>
           </a:r>
           <a:br>
-            <a:rPr lang="de-DE" sz="500" kern="1200" dirty="0"/>
+            <a:rPr lang="de-DE" sz="500" kern="1200" dirty="0">
+              <a:latin typeface="Arial" panose="020B0604020202020204" pitchFamily="34" charset="0"/>
+              <a:cs typeface="Arial" panose="020B0604020202020204" pitchFamily="34" charset="0"/>
+            </a:rPr>
           </a:br>
           <a:r>
-            <a:rPr lang="de-DE" sz="500" kern="1200" dirty="0"/>
+            <a:rPr lang="de-DE" sz="500" kern="1200" dirty="0">
+              <a:latin typeface="Arial" panose="020B0604020202020204" pitchFamily="34" charset="0"/>
+              <a:cs typeface="Arial" panose="020B0604020202020204" pitchFamily="34" charset="0"/>
+            </a:rPr>
             <a:t>3.2.2.2</a:t>
           </a:r>
         </a:p>
       </dsp:txBody>
       <dsp:txXfrm>
-        <a:off x="4710430" y="3249927"/>
-        <a:ext cx="718616" cy="359308"/>
+        <a:off x="4773251" y="3251528"/>
+        <a:ext cx="712192" cy="356096"/>
       </dsp:txXfrm>
     </dsp:sp>
     <dsp:sp modelId="{D77DCAF0-CEAA-47C1-ABBE-559012C1D35C}">
@@ -12781,8 +13947,8 @@
       </dsp:nvSpPr>
       <dsp:spPr>
         <a:xfrm>
-          <a:off x="4710430" y="3760145"/>
-          <a:ext cx="718616" cy="359308"/>
+          <a:off x="4773251" y="3757185"/>
+          <a:ext cx="712192" cy="356096"/>
         </a:xfrm>
         <a:prstGeom prst="rect">
           <a:avLst/>
@@ -12856,28 +14022,43 @@
             <a:buNone/>
           </a:pPr>
           <a:r>
-            <a:rPr lang="de-DE" sz="500" kern="1200" dirty="0"/>
+            <a:rPr lang="de-DE" sz="500" kern="1200" dirty="0">
+              <a:latin typeface="Arial" panose="020B0604020202020204" pitchFamily="34" charset="0"/>
+              <a:cs typeface="Arial" panose="020B0604020202020204" pitchFamily="34" charset="0"/>
+            </a:rPr>
             <a:t>AP3</a:t>
           </a:r>
           <a:br>
-            <a:rPr lang="de-DE" sz="500" kern="1200" dirty="0"/>
+            <a:rPr lang="de-DE" sz="500" kern="1200" dirty="0">
+              <a:latin typeface="Arial" panose="020B0604020202020204" pitchFamily="34" charset="0"/>
+              <a:cs typeface="Arial" panose="020B0604020202020204" pitchFamily="34" charset="0"/>
+            </a:rPr>
           </a:br>
           <a:r>
-            <a:rPr lang="de-DE" sz="500" kern="1200" dirty="0"/>
+            <a:rPr lang="de-DE" sz="500" kern="1200" dirty="0">
+              <a:latin typeface="Arial" panose="020B0604020202020204" pitchFamily="34" charset="0"/>
+              <a:cs typeface="Arial" panose="020B0604020202020204" pitchFamily="34" charset="0"/>
+            </a:rPr>
             <a:t>Nährwertberechnung und Algorithmen entwickeln</a:t>
           </a:r>
           <a:br>
-            <a:rPr lang="de-DE" sz="500" kern="1200" dirty="0"/>
+            <a:rPr lang="de-DE" sz="500" kern="1200" dirty="0">
+              <a:latin typeface="Arial" panose="020B0604020202020204" pitchFamily="34" charset="0"/>
+              <a:cs typeface="Arial" panose="020B0604020202020204" pitchFamily="34" charset="0"/>
+            </a:rPr>
           </a:br>
           <a:r>
-            <a:rPr lang="de-DE" sz="500" kern="1200" dirty="0"/>
+            <a:rPr lang="de-DE" sz="500" kern="1200" dirty="0">
+              <a:latin typeface="Arial" panose="020B0604020202020204" pitchFamily="34" charset="0"/>
+              <a:cs typeface="Arial" panose="020B0604020202020204" pitchFamily="34" charset="0"/>
+            </a:rPr>
             <a:t>3.2.2.3</a:t>
           </a:r>
         </a:p>
       </dsp:txBody>
       <dsp:txXfrm>
-        <a:off x="4710430" y="3760145"/>
-        <a:ext cx="718616" cy="359308"/>
+        <a:off x="4773251" y="3757185"/>
+        <a:ext cx="712192" cy="356096"/>
       </dsp:txXfrm>
     </dsp:sp>
     <dsp:sp modelId="{A5B4B0FD-A2F7-46F7-A110-52C98D963F9A}">
@@ -12887,8 +14068,8 @@
       </dsp:nvSpPr>
       <dsp:spPr>
         <a:xfrm>
-          <a:off x="4710430" y="4270363"/>
-          <a:ext cx="718616" cy="359308"/>
+          <a:off x="4773251" y="4262841"/>
+          <a:ext cx="712192" cy="356096"/>
         </a:xfrm>
         <a:prstGeom prst="rect">
           <a:avLst/>
@@ -12962,28 +14143,43 @@
             <a:buNone/>
           </a:pPr>
           <a:r>
-            <a:rPr lang="de-DE" sz="500" kern="1200" dirty="0"/>
+            <a:rPr lang="de-DE" sz="500" kern="1200" dirty="0">
+              <a:latin typeface="Arial" panose="020B0604020202020204" pitchFamily="34" charset="0"/>
+              <a:cs typeface="Arial" panose="020B0604020202020204" pitchFamily="34" charset="0"/>
+            </a:rPr>
             <a:t>AP4</a:t>
           </a:r>
           <a:br>
-            <a:rPr lang="de-DE" sz="500" kern="1200" dirty="0"/>
+            <a:rPr lang="de-DE" sz="500" kern="1200" dirty="0">
+              <a:latin typeface="Arial" panose="020B0604020202020204" pitchFamily="34" charset="0"/>
+              <a:cs typeface="Arial" panose="020B0604020202020204" pitchFamily="34" charset="0"/>
+            </a:rPr>
           </a:br>
           <a:r>
-            <a:rPr lang="de-DE" sz="500" kern="1200" dirty="0"/>
+            <a:rPr lang="de-DE" sz="500" kern="1200" dirty="0">
+              <a:latin typeface="Arial" panose="020B0604020202020204" pitchFamily="34" charset="0"/>
+              <a:cs typeface="Arial" panose="020B0604020202020204" pitchFamily="34" charset="0"/>
+            </a:rPr>
             <a:t>Parameter Ernährungsarten</a:t>
           </a:r>
           <a:br>
-            <a:rPr lang="de-DE" sz="500" kern="1200" dirty="0"/>
+            <a:rPr lang="de-DE" sz="500" kern="1200" dirty="0">
+              <a:latin typeface="Arial" panose="020B0604020202020204" pitchFamily="34" charset="0"/>
+              <a:cs typeface="Arial" panose="020B0604020202020204" pitchFamily="34" charset="0"/>
+            </a:rPr>
           </a:br>
           <a:r>
-            <a:rPr lang="de-DE" sz="500" kern="1200" dirty="0"/>
+            <a:rPr lang="de-DE" sz="500" kern="1200" dirty="0">
+              <a:latin typeface="Arial" panose="020B0604020202020204" pitchFamily="34" charset="0"/>
+              <a:cs typeface="Arial" panose="020B0604020202020204" pitchFamily="34" charset="0"/>
+            </a:rPr>
             <a:t>3.2.2.4</a:t>
           </a:r>
         </a:p>
       </dsp:txBody>
       <dsp:txXfrm>
-        <a:off x="4710430" y="4270363"/>
-        <a:ext cx="718616" cy="359308"/>
+        <a:off x="4773251" y="4262841"/>
+        <a:ext cx="712192" cy="356096"/>
       </dsp:txXfrm>
     </dsp:sp>
     <dsp:sp modelId="{67F583E3-4E8D-4EAD-9742-D65DA9EB3EB7}">
@@ -12993,8 +14189,8 @@
       </dsp:nvSpPr>
       <dsp:spPr>
         <a:xfrm>
-          <a:off x="4710430" y="4780581"/>
-          <a:ext cx="718616" cy="359308"/>
+          <a:off x="4773251" y="4768498"/>
+          <a:ext cx="712192" cy="356096"/>
         </a:xfrm>
         <a:prstGeom prst="rect">
           <a:avLst/>
@@ -13068,28 +14264,43 @@
             <a:buNone/>
           </a:pPr>
           <a:r>
-            <a:rPr lang="de-DE" sz="500" kern="1200" dirty="0"/>
+            <a:rPr lang="de-DE" sz="500" kern="1200" dirty="0">
+              <a:latin typeface="Arial" panose="020B0604020202020204" pitchFamily="34" charset="0"/>
+              <a:cs typeface="Arial" panose="020B0604020202020204" pitchFamily="34" charset="0"/>
+            </a:rPr>
             <a:t>AP5</a:t>
           </a:r>
           <a:br>
-            <a:rPr lang="de-DE" sz="500" kern="1200" dirty="0"/>
+            <a:rPr lang="de-DE" sz="500" kern="1200" dirty="0">
+              <a:latin typeface="Arial" panose="020B0604020202020204" pitchFamily="34" charset="0"/>
+              <a:cs typeface="Arial" panose="020B0604020202020204" pitchFamily="34" charset="0"/>
+            </a:rPr>
           </a:br>
           <a:r>
-            <a:rPr lang="de-DE" sz="500" kern="1200" dirty="0"/>
+            <a:rPr lang="de-DE" sz="500" kern="1200" dirty="0">
+              <a:latin typeface="Arial" panose="020B0604020202020204" pitchFamily="34" charset="0"/>
+              <a:cs typeface="Arial" panose="020B0604020202020204" pitchFamily="34" charset="0"/>
+            </a:rPr>
             <a:t>Rezept- und Produktvorschläge</a:t>
           </a:r>
           <a:br>
-            <a:rPr lang="de-DE" sz="500" kern="1200" dirty="0"/>
+            <a:rPr lang="de-DE" sz="500" kern="1200" dirty="0">
+              <a:latin typeface="Arial" panose="020B0604020202020204" pitchFamily="34" charset="0"/>
+              <a:cs typeface="Arial" panose="020B0604020202020204" pitchFamily="34" charset="0"/>
+            </a:rPr>
           </a:br>
           <a:r>
-            <a:rPr lang="de-DE" sz="500" kern="1200" dirty="0"/>
+            <a:rPr lang="de-DE" sz="500" kern="1200" dirty="0">
+              <a:latin typeface="Arial" panose="020B0604020202020204" pitchFamily="34" charset="0"/>
+              <a:cs typeface="Arial" panose="020B0604020202020204" pitchFamily="34" charset="0"/>
+            </a:rPr>
             <a:t>3.2.2.5</a:t>
           </a:r>
         </a:p>
       </dsp:txBody>
       <dsp:txXfrm>
-        <a:off x="4710430" y="4780581"/>
-        <a:ext cx="718616" cy="359308"/>
+        <a:off x="4773251" y="4768498"/>
+        <a:ext cx="712192" cy="356096"/>
       </dsp:txXfrm>
     </dsp:sp>
     <dsp:sp modelId="{2CB841E7-2D31-47E0-914A-18078C37F5A5}">
@@ -13099,8 +14310,8 @@
       </dsp:nvSpPr>
       <dsp:spPr>
         <a:xfrm>
-          <a:off x="4710430" y="5290799"/>
-          <a:ext cx="718616" cy="359308"/>
+          <a:off x="4773251" y="5274154"/>
+          <a:ext cx="712192" cy="356096"/>
         </a:xfrm>
         <a:prstGeom prst="rect">
           <a:avLst/>
@@ -13174,28 +14385,43 @@
             <a:buNone/>
           </a:pPr>
           <a:r>
-            <a:rPr lang="de-DE" sz="500" kern="1200" dirty="0"/>
+            <a:rPr lang="de-DE" sz="500" kern="1200" dirty="0">
+              <a:latin typeface="Arial" panose="020B0604020202020204" pitchFamily="34" charset="0"/>
+              <a:cs typeface="Arial" panose="020B0604020202020204" pitchFamily="34" charset="0"/>
+            </a:rPr>
             <a:t>AP6</a:t>
           </a:r>
           <a:br>
-            <a:rPr lang="de-DE" sz="500" kern="1200" dirty="0"/>
+            <a:rPr lang="de-DE" sz="500" kern="1200" dirty="0">
+              <a:latin typeface="Arial" panose="020B0604020202020204" pitchFamily="34" charset="0"/>
+              <a:cs typeface="Arial" panose="020B0604020202020204" pitchFamily="34" charset="0"/>
+            </a:rPr>
           </a:br>
           <a:r>
-            <a:rPr lang="de-DE" sz="500" kern="1200" dirty="0"/>
+            <a:rPr lang="de-DE" sz="500" kern="1200" dirty="0">
+              <a:latin typeface="Arial" panose="020B0604020202020204" pitchFamily="34" charset="0"/>
+              <a:cs typeface="Arial" panose="020B0604020202020204" pitchFamily="34" charset="0"/>
+            </a:rPr>
             <a:t>Eintragung eigener Lebensmittel und Rezepte </a:t>
           </a:r>
           <a:br>
-            <a:rPr lang="de-DE" sz="500" kern="1200" dirty="0"/>
+            <a:rPr lang="de-DE" sz="500" kern="1200" dirty="0">
+              <a:latin typeface="Arial" panose="020B0604020202020204" pitchFamily="34" charset="0"/>
+              <a:cs typeface="Arial" panose="020B0604020202020204" pitchFamily="34" charset="0"/>
+            </a:rPr>
           </a:br>
           <a:r>
-            <a:rPr lang="de-DE" sz="500" kern="1200" dirty="0"/>
+            <a:rPr lang="de-DE" sz="500" kern="1200" dirty="0">
+              <a:latin typeface="Arial" panose="020B0604020202020204" pitchFamily="34" charset="0"/>
+              <a:cs typeface="Arial" panose="020B0604020202020204" pitchFamily="34" charset="0"/>
+            </a:rPr>
             <a:t>3.2.2.6</a:t>
           </a:r>
         </a:p>
       </dsp:txBody>
       <dsp:txXfrm>
-        <a:off x="4710430" y="5290799"/>
-        <a:ext cx="718616" cy="359308"/>
+        <a:off x="4773251" y="5274154"/>
+        <a:ext cx="712192" cy="356096"/>
       </dsp:txXfrm>
     </dsp:sp>
     <dsp:sp modelId="{A6A24A3B-FF8C-444F-B03A-E39BD779A487}">
@@ -13205,8 +14431,8 @@
       </dsp:nvSpPr>
       <dsp:spPr>
         <a:xfrm>
-          <a:off x="4710430" y="5800434"/>
-          <a:ext cx="718616" cy="359308"/>
+          <a:off x="4773251" y="5779234"/>
+          <a:ext cx="712192" cy="356096"/>
         </a:xfrm>
         <a:prstGeom prst="rect">
           <a:avLst/>
@@ -13280,28 +14506,43 @@
             <a:buNone/>
           </a:pPr>
           <a:r>
-            <a:rPr lang="de-DE" sz="500" kern="1200" dirty="0"/>
+            <a:rPr lang="de-DE" sz="500" kern="1200" dirty="0">
+              <a:latin typeface="Arial" panose="020B0604020202020204" pitchFamily="34" charset="0"/>
+              <a:cs typeface="Arial" panose="020B0604020202020204" pitchFamily="34" charset="0"/>
+            </a:rPr>
             <a:t>AP7</a:t>
           </a:r>
           <a:br>
-            <a:rPr lang="de-DE" sz="500" kern="1200" dirty="0"/>
+            <a:rPr lang="de-DE" sz="500" kern="1200" dirty="0">
+              <a:latin typeface="Arial" panose="020B0604020202020204" pitchFamily="34" charset="0"/>
+              <a:cs typeface="Arial" panose="020B0604020202020204" pitchFamily="34" charset="0"/>
+            </a:rPr>
           </a:br>
           <a:r>
-            <a:rPr lang="de-DE" sz="500" kern="1200" dirty="0"/>
+            <a:rPr lang="de-DE" sz="500" kern="1200" dirty="0">
+              <a:latin typeface="Arial" panose="020B0604020202020204" pitchFamily="34" charset="0"/>
+              <a:cs typeface="Arial" panose="020B0604020202020204" pitchFamily="34" charset="0"/>
+            </a:rPr>
             <a:t>Anmerkungen bei unpassenden Produkten </a:t>
           </a:r>
           <a:br>
-            <a:rPr lang="de-DE" sz="500" kern="1200" dirty="0"/>
+            <a:rPr lang="de-DE" sz="500" kern="1200" dirty="0">
+              <a:latin typeface="Arial" panose="020B0604020202020204" pitchFamily="34" charset="0"/>
+              <a:cs typeface="Arial" panose="020B0604020202020204" pitchFamily="34" charset="0"/>
+            </a:rPr>
           </a:br>
           <a:r>
-            <a:rPr lang="de-DE" sz="500" kern="1200" dirty="0"/>
+            <a:rPr lang="de-DE" sz="500" kern="1200" dirty="0">
+              <a:latin typeface="Arial" panose="020B0604020202020204" pitchFamily="34" charset="0"/>
+              <a:cs typeface="Arial" panose="020B0604020202020204" pitchFamily="34" charset="0"/>
+            </a:rPr>
             <a:t>3.2.2.7</a:t>
           </a:r>
         </a:p>
       </dsp:txBody>
       <dsp:txXfrm>
-        <a:off x="4710430" y="5800434"/>
-        <a:ext cx="718616" cy="359308"/>
+        <a:off x="4773251" y="5779234"/>
+        <a:ext cx="712192" cy="356096"/>
       </dsp:txXfrm>
     </dsp:sp>
     <dsp:sp modelId="{514752CB-8CC9-4521-B183-70A870DB537E}">
@@ -13311,8 +14552,8 @@
       </dsp:nvSpPr>
       <dsp:spPr>
         <a:xfrm>
-          <a:off x="5400302" y="2229492"/>
-          <a:ext cx="718616" cy="359308"/>
+          <a:off x="5456956" y="2240215"/>
+          <a:ext cx="712192" cy="356096"/>
         </a:xfrm>
         <a:prstGeom prst="rect">
           <a:avLst/>
@@ -13386,28 +14627,43 @@
             <a:buNone/>
           </a:pPr>
           <a:r>
-            <a:rPr lang="de-DE" sz="500" kern="1200" dirty="0"/>
-            <a:t>AP1</a:t>
+            <a:rPr lang="de-DE" sz="500" kern="1200" dirty="0">
+              <a:latin typeface="Arial" panose="020B0604020202020204" pitchFamily="34" charset="0"/>
+              <a:cs typeface="Arial" panose="020B0604020202020204" pitchFamily="34" charset="0"/>
+            </a:rPr>
+            <a:t>AP1.1</a:t>
           </a:r>
           <a:br>
-            <a:rPr lang="de-DE" sz="500" kern="1200" dirty="0"/>
+            <a:rPr lang="de-DE" sz="500" kern="1200" dirty="0">
+              <a:latin typeface="Arial" panose="020B0604020202020204" pitchFamily="34" charset="0"/>
+              <a:cs typeface="Arial" panose="020B0604020202020204" pitchFamily="34" charset="0"/>
+            </a:rPr>
           </a:br>
           <a:r>
-            <a:rPr lang="de-DE" sz="500" kern="1200" dirty="0"/>
+            <a:rPr lang="de-DE" sz="500" kern="1200" dirty="0">
+              <a:latin typeface="Arial" panose="020B0604020202020204" pitchFamily="34" charset="0"/>
+              <a:cs typeface="Arial" panose="020B0604020202020204" pitchFamily="34" charset="0"/>
+            </a:rPr>
             <a:t>Konzept und Design entwerfen </a:t>
           </a:r>
           <a:br>
-            <a:rPr lang="de-DE" sz="500" kern="1200" dirty="0"/>
+            <a:rPr lang="de-DE" sz="500" kern="1200" dirty="0">
+              <a:latin typeface="Arial" panose="020B0604020202020204" pitchFamily="34" charset="0"/>
+              <a:cs typeface="Arial" panose="020B0604020202020204" pitchFamily="34" charset="0"/>
+            </a:rPr>
           </a:br>
           <a:r>
-            <a:rPr lang="de-DE" sz="500" kern="1200" dirty="0"/>
+            <a:rPr lang="de-DE" sz="500" kern="1200" dirty="0">
+              <a:latin typeface="Arial" panose="020B0604020202020204" pitchFamily="34" charset="0"/>
+              <a:cs typeface="Arial" panose="020B0604020202020204" pitchFamily="34" charset="0"/>
+            </a:rPr>
             <a:t>3.2.3</a:t>
           </a:r>
         </a:p>
       </dsp:txBody>
       <dsp:txXfrm>
-        <a:off x="5400302" y="2229492"/>
-        <a:ext cx="718616" cy="359308"/>
+        <a:off x="5456956" y="2240215"/>
+        <a:ext cx="712192" cy="356096"/>
       </dsp:txXfrm>
     </dsp:sp>
     <dsp:sp modelId="{22619604-7736-4E63-9C1A-721CA782CEF4}">
@@ -13417,8 +14673,8 @@
       </dsp:nvSpPr>
       <dsp:spPr>
         <a:xfrm>
-          <a:off x="6269828" y="2229492"/>
-          <a:ext cx="718616" cy="359308"/>
+          <a:off x="6318708" y="2240215"/>
+          <a:ext cx="712192" cy="356096"/>
         </a:xfrm>
         <a:prstGeom prst="rect">
           <a:avLst/>
@@ -13492,28 +14748,43 @@
             <a:buNone/>
           </a:pPr>
           <a:r>
-            <a:rPr lang="de-DE" sz="500" kern="1200" dirty="0"/>
-            <a:t>AP1</a:t>
+            <a:rPr lang="de-DE" sz="500" kern="1200" dirty="0">
+              <a:latin typeface="Arial" panose="020B0604020202020204" pitchFamily="34" charset="0"/>
+              <a:cs typeface="Arial" panose="020B0604020202020204" pitchFamily="34" charset="0"/>
+            </a:rPr>
+            <a:t>AP1.2</a:t>
           </a:r>
           <a:br>
-            <a:rPr lang="de-DE" sz="500" kern="1200" dirty="0"/>
+            <a:rPr lang="de-DE" sz="500" kern="1200" dirty="0">
+              <a:latin typeface="Arial" panose="020B0604020202020204" pitchFamily="34" charset="0"/>
+              <a:cs typeface="Arial" panose="020B0604020202020204" pitchFamily="34" charset="0"/>
+            </a:rPr>
           </a:br>
           <a:r>
-            <a:rPr lang="de-DE" sz="500" kern="1200" dirty="0"/>
+            <a:rPr lang="de-DE" sz="500" kern="1200" dirty="0">
+              <a:latin typeface="Arial" panose="020B0604020202020204" pitchFamily="34" charset="0"/>
+              <a:cs typeface="Arial" panose="020B0604020202020204" pitchFamily="34" charset="0"/>
+            </a:rPr>
             <a:t>Notizartige Einkaufslistenoption</a:t>
           </a:r>
           <a:br>
-            <a:rPr lang="de-DE" sz="500" kern="1200" dirty="0"/>
+            <a:rPr lang="de-DE" sz="500" kern="1200" dirty="0">
+              <a:latin typeface="Arial" panose="020B0604020202020204" pitchFamily="34" charset="0"/>
+              <a:cs typeface="Arial" panose="020B0604020202020204" pitchFamily="34" charset="0"/>
+            </a:rPr>
           </a:br>
           <a:r>
-            <a:rPr lang="de-DE" sz="500" kern="1200" dirty="0"/>
+            <a:rPr lang="de-DE" sz="500" kern="1200" dirty="0">
+              <a:latin typeface="Arial" panose="020B0604020202020204" pitchFamily="34" charset="0"/>
+              <a:cs typeface="Arial" panose="020B0604020202020204" pitchFamily="34" charset="0"/>
+            </a:rPr>
             <a:t>3.2.4</a:t>
           </a:r>
         </a:p>
       </dsp:txBody>
       <dsp:txXfrm>
-        <a:off x="6269828" y="2229492"/>
-        <a:ext cx="718616" cy="359308"/>
+        <a:off x="6318708" y="2240215"/>
+        <a:ext cx="712192" cy="356096"/>
       </dsp:txXfrm>
     </dsp:sp>
     <dsp:sp modelId="{16CB8471-4BB3-42B5-8DC4-31FADCF131D3}">
@@ -13523,8 +14794,8 @@
       </dsp:nvSpPr>
       <dsp:spPr>
         <a:xfrm>
-          <a:off x="7139354" y="2229492"/>
-          <a:ext cx="718616" cy="359308"/>
+          <a:off x="7180461" y="2240215"/>
+          <a:ext cx="712192" cy="356096"/>
         </a:xfrm>
         <a:prstGeom prst="rect">
           <a:avLst/>
@@ -13598,28 +14869,43 @@
             <a:buNone/>
           </a:pPr>
           <a:r>
-            <a:rPr lang="de-DE" sz="500" kern="1200" dirty="0"/>
-            <a:t>AP1</a:t>
+            <a:rPr lang="de-DE" sz="500" kern="1200" dirty="0">
+              <a:latin typeface="Arial" panose="020B0604020202020204" pitchFamily="34" charset="0"/>
+              <a:cs typeface="Arial" panose="020B0604020202020204" pitchFamily="34" charset="0"/>
+            </a:rPr>
+            <a:t>AP1.3</a:t>
           </a:r>
           <a:br>
-            <a:rPr lang="de-DE" sz="500" kern="1200" dirty="0"/>
+            <a:rPr lang="de-DE" sz="500" kern="1200" dirty="0">
+              <a:latin typeface="Arial" panose="020B0604020202020204" pitchFamily="34" charset="0"/>
+              <a:cs typeface="Arial" panose="020B0604020202020204" pitchFamily="34" charset="0"/>
+            </a:rPr>
           </a:br>
           <a:r>
-            <a:rPr lang="de-DE" sz="500" kern="1200" dirty="0"/>
+            <a:rPr lang="de-DE" sz="500" kern="1200" dirty="0">
+              <a:latin typeface="Arial" panose="020B0604020202020204" pitchFamily="34" charset="0"/>
+              <a:cs typeface="Arial" panose="020B0604020202020204" pitchFamily="34" charset="0"/>
+            </a:rPr>
             <a:t>Kompletter Testdurchlauf der gesamten App</a:t>
           </a:r>
           <a:br>
-            <a:rPr lang="de-DE" sz="500" kern="1200" dirty="0"/>
+            <a:rPr lang="de-DE" sz="500" kern="1200" dirty="0">
+              <a:latin typeface="Arial" panose="020B0604020202020204" pitchFamily="34" charset="0"/>
+              <a:cs typeface="Arial" panose="020B0604020202020204" pitchFamily="34" charset="0"/>
+            </a:rPr>
           </a:br>
           <a:r>
-            <a:rPr lang="de-DE" sz="500" kern="1200" dirty="0"/>
+            <a:rPr lang="de-DE" sz="500" kern="1200" dirty="0">
+              <a:latin typeface="Arial" panose="020B0604020202020204" pitchFamily="34" charset="0"/>
+              <a:cs typeface="Arial" panose="020B0604020202020204" pitchFamily="34" charset="0"/>
+            </a:rPr>
             <a:t>3.2.5</a:t>
           </a:r>
         </a:p>
       </dsp:txBody>
       <dsp:txXfrm>
-        <a:off x="7139354" y="2229492"/>
-        <a:ext cx="718616" cy="359308"/>
+        <a:off x="7180461" y="2240215"/>
+        <a:ext cx="712192" cy="356096"/>
       </dsp:txXfrm>
     </dsp:sp>
     <dsp:sp modelId="{8DF972D4-F3CA-40D1-805E-E04179E201C5}">
@@ -13629,8 +14915,8 @@
       </dsp:nvSpPr>
       <dsp:spPr>
         <a:xfrm>
-          <a:off x="7829226" y="1718692"/>
-          <a:ext cx="718616" cy="359308"/>
+          <a:off x="7864165" y="1733982"/>
+          <a:ext cx="712192" cy="356096"/>
         </a:xfrm>
         <a:prstGeom prst="rect">
           <a:avLst/>
@@ -13704,21 +14990,30 @@
             <a:buNone/>
           </a:pPr>
           <a:r>
-            <a:rPr lang="de-DE" sz="500" kern="1200"/>
+            <a:rPr lang="de-DE" sz="500" kern="1200" dirty="0">
+              <a:latin typeface="Arial" panose="020B0604020202020204" pitchFamily="34" charset="0"/>
+              <a:cs typeface="Arial" panose="020B0604020202020204" pitchFamily="34" charset="0"/>
+            </a:rPr>
             <a:t>Projektsteuerung</a:t>
           </a:r>
           <a:br>
-            <a:rPr lang="de-DE" sz="500" kern="1200"/>
+            <a:rPr lang="de-DE" sz="500" kern="1200" dirty="0">
+              <a:latin typeface="Arial" panose="020B0604020202020204" pitchFamily="34" charset="0"/>
+              <a:cs typeface="Arial" panose="020B0604020202020204" pitchFamily="34" charset="0"/>
+            </a:rPr>
           </a:br>
           <a:r>
-            <a:rPr lang="de-DE" sz="500" kern="1200"/>
-            <a:t>TP3.3</a:t>
+            <a:rPr lang="de-DE" sz="500" kern="1200" dirty="0">
+              <a:latin typeface="Arial" panose="020B0604020202020204" pitchFamily="34" charset="0"/>
+              <a:cs typeface="Arial" panose="020B0604020202020204" pitchFamily="34" charset="0"/>
+            </a:rPr>
+            <a:t>TA3.3</a:t>
           </a:r>
         </a:p>
       </dsp:txBody>
       <dsp:txXfrm>
-        <a:off x="7829226" y="1718692"/>
-        <a:ext cx="718616" cy="359308"/>
+        <a:off x="7864165" y="1733982"/>
+        <a:ext cx="712192" cy="356096"/>
       </dsp:txXfrm>
     </dsp:sp>
     <dsp:sp modelId="{85C2B4DA-19CD-40CC-867E-C55B0DD7EDFA}">
@@ -13728,8 +15023,8 @@
       </dsp:nvSpPr>
       <dsp:spPr>
         <a:xfrm>
-          <a:off x="8008881" y="2229492"/>
-          <a:ext cx="718616" cy="359308"/>
+          <a:off x="8042213" y="2240215"/>
+          <a:ext cx="712192" cy="356096"/>
         </a:xfrm>
         <a:prstGeom prst="rect">
           <a:avLst/>
@@ -13803,28 +15098,43 @@
             <a:buNone/>
           </a:pPr>
           <a:r>
-            <a:rPr lang="de-DE" sz="500" kern="1200" dirty="0"/>
+            <a:rPr lang="de-DE" sz="500" kern="1200" dirty="0">
+              <a:latin typeface="Arial" panose="020B0604020202020204" pitchFamily="34" charset="0"/>
+              <a:cs typeface="Arial" panose="020B0604020202020204" pitchFamily="34" charset="0"/>
+            </a:rPr>
             <a:t>AP1</a:t>
           </a:r>
           <a:br>
-            <a:rPr lang="de-DE" sz="500" kern="1200" dirty="0"/>
+            <a:rPr lang="de-DE" sz="500" kern="1200" dirty="0">
+              <a:latin typeface="Arial" panose="020B0604020202020204" pitchFamily="34" charset="0"/>
+              <a:cs typeface="Arial" panose="020B0604020202020204" pitchFamily="34" charset="0"/>
+            </a:rPr>
           </a:br>
           <a:r>
-            <a:rPr lang="de-DE" sz="500" kern="1200" dirty="0"/>
+            <a:rPr lang="de-DE" sz="500" kern="1200" dirty="0">
+              <a:latin typeface="Arial" panose="020B0604020202020204" pitchFamily="34" charset="0"/>
+              <a:cs typeface="Arial" panose="020B0604020202020204" pitchFamily="34" charset="0"/>
+            </a:rPr>
             <a:t>Teamsitzung</a:t>
           </a:r>
           <a:br>
-            <a:rPr lang="de-DE" sz="500" kern="1200" dirty="0"/>
+            <a:rPr lang="de-DE" sz="500" kern="1200" dirty="0">
+              <a:latin typeface="Arial" panose="020B0604020202020204" pitchFamily="34" charset="0"/>
+              <a:cs typeface="Arial" panose="020B0604020202020204" pitchFamily="34" charset="0"/>
+            </a:rPr>
           </a:br>
           <a:r>
-            <a:rPr lang="de-DE" sz="500" kern="1200" dirty="0"/>
+            <a:rPr lang="de-DE" sz="500" kern="1200" dirty="0">
+              <a:latin typeface="Arial" panose="020B0604020202020204" pitchFamily="34" charset="0"/>
+              <a:cs typeface="Arial" panose="020B0604020202020204" pitchFamily="34" charset="0"/>
+            </a:rPr>
             <a:t>3.3.1</a:t>
           </a:r>
         </a:p>
       </dsp:txBody>
       <dsp:txXfrm>
-        <a:off x="8008881" y="2229492"/>
-        <a:ext cx="718616" cy="359308"/>
+        <a:off x="8042213" y="2240215"/>
+        <a:ext cx="712192" cy="356096"/>
       </dsp:txXfrm>
     </dsp:sp>
     <dsp:sp modelId="{A38C6794-5E54-4AA1-A14D-6B8277A0A460}">
@@ -13834,8 +15144,8 @@
       </dsp:nvSpPr>
       <dsp:spPr>
         <a:xfrm>
-          <a:off x="8008881" y="2739710"/>
-          <a:ext cx="718616" cy="359308"/>
+          <a:off x="8042213" y="2745872"/>
+          <a:ext cx="712192" cy="356096"/>
         </a:xfrm>
         <a:prstGeom prst="rect">
           <a:avLst/>
@@ -13909,28 +15219,43 @@
             <a:buNone/>
           </a:pPr>
           <a:r>
-            <a:rPr lang="de-DE" sz="500" kern="1200" dirty="0"/>
+            <a:rPr lang="de-DE" sz="500" kern="1200" dirty="0">
+              <a:latin typeface="Arial" panose="020B0604020202020204" pitchFamily="34" charset="0"/>
+              <a:cs typeface="Arial" panose="020B0604020202020204" pitchFamily="34" charset="0"/>
+            </a:rPr>
             <a:t>AP2</a:t>
           </a:r>
           <a:br>
-            <a:rPr lang="de-DE" sz="500" kern="1200" dirty="0"/>
+            <a:rPr lang="de-DE" sz="500" kern="1200" dirty="0">
+              <a:latin typeface="Arial" panose="020B0604020202020204" pitchFamily="34" charset="0"/>
+              <a:cs typeface="Arial" panose="020B0604020202020204" pitchFamily="34" charset="0"/>
+            </a:rPr>
           </a:br>
           <a:r>
-            <a:rPr lang="de-DE" sz="500" kern="1200" dirty="0"/>
+            <a:rPr lang="de-DE" sz="500" kern="1200" dirty="0">
+              <a:latin typeface="Arial" panose="020B0604020202020204" pitchFamily="34" charset="0"/>
+              <a:cs typeface="Arial" panose="020B0604020202020204" pitchFamily="34" charset="0"/>
+            </a:rPr>
             <a:t>Soll-Ist-Vergleich</a:t>
           </a:r>
           <a:br>
-            <a:rPr lang="de-DE" sz="500" kern="1200" dirty="0"/>
+            <a:rPr lang="de-DE" sz="500" kern="1200" dirty="0">
+              <a:latin typeface="Arial" panose="020B0604020202020204" pitchFamily="34" charset="0"/>
+              <a:cs typeface="Arial" panose="020B0604020202020204" pitchFamily="34" charset="0"/>
+            </a:rPr>
           </a:br>
           <a:r>
-            <a:rPr lang="de-DE" sz="500" kern="1200" dirty="0"/>
+            <a:rPr lang="de-DE" sz="500" kern="1200" dirty="0">
+              <a:latin typeface="Arial" panose="020B0604020202020204" pitchFamily="34" charset="0"/>
+              <a:cs typeface="Arial" panose="020B0604020202020204" pitchFamily="34" charset="0"/>
+            </a:rPr>
             <a:t>3.3.2</a:t>
           </a:r>
         </a:p>
       </dsp:txBody>
       <dsp:txXfrm>
-        <a:off x="8008881" y="2739710"/>
-        <a:ext cx="718616" cy="359308"/>
+        <a:off x="8042213" y="2745872"/>
+        <a:ext cx="712192" cy="356096"/>
       </dsp:txXfrm>
     </dsp:sp>
     <dsp:sp modelId="{F5506E8C-2EB1-4AC1-97DF-92DBA44EE5DD}">
@@ -13940,8 +15265,8 @@
       </dsp:nvSpPr>
       <dsp:spPr>
         <a:xfrm>
-          <a:off x="10003042" y="1208474"/>
-          <a:ext cx="718616" cy="359308"/>
+          <a:off x="10018546" y="1228326"/>
+          <a:ext cx="712192" cy="356096"/>
         </a:xfrm>
         <a:prstGeom prst="rect">
           <a:avLst/>
@@ -14015,14 +15340,17 @@
             <a:buNone/>
           </a:pPr>
           <a:r>
-            <a:rPr lang="de-DE" sz="600" b="1" kern="1200" dirty="0"/>
+            <a:rPr lang="de-DE" sz="600" b="1" kern="1200" dirty="0">
+              <a:latin typeface="Arial" panose="020B0604020202020204" pitchFamily="34" charset="0"/>
+              <a:cs typeface="Arial" panose="020B0604020202020204" pitchFamily="34" charset="0"/>
+            </a:rPr>
             <a:t>4.Abschlussphase</a:t>
           </a:r>
         </a:p>
       </dsp:txBody>
       <dsp:txXfrm>
-        <a:off x="10003042" y="1208474"/>
-        <a:ext cx="718616" cy="359308"/>
+        <a:off x="10018546" y="1228326"/>
+        <a:ext cx="712192" cy="356096"/>
       </dsp:txXfrm>
     </dsp:sp>
     <dsp:sp modelId="{2E6A6805-A887-4885-B82A-D4E129ED517F}">
@@ -14032,8 +15360,8 @@
       </dsp:nvSpPr>
       <dsp:spPr>
         <a:xfrm>
-          <a:off x="8698753" y="1719274"/>
-          <a:ext cx="718616" cy="359308"/>
+          <a:off x="8725918" y="1734559"/>
+          <a:ext cx="712192" cy="356096"/>
         </a:xfrm>
         <a:prstGeom prst="rect">
           <a:avLst/>
@@ -14107,28 +15435,43 @@
             <a:buNone/>
           </a:pPr>
           <a:r>
-            <a:rPr lang="de-DE" sz="500" kern="1200" dirty="0"/>
-            <a:t>AP1</a:t>
+            <a:rPr lang="de-DE" sz="500" kern="1200" dirty="0">
+              <a:latin typeface="Arial" panose="020B0604020202020204" pitchFamily="34" charset="0"/>
+              <a:cs typeface="Arial" panose="020B0604020202020204" pitchFamily="34" charset="0"/>
+            </a:rPr>
+            <a:t>AP1.1</a:t>
           </a:r>
           <a:br>
-            <a:rPr lang="de-DE" sz="500" kern="1200" dirty="0"/>
+            <a:rPr lang="de-DE" sz="500" kern="1200" dirty="0">
+              <a:latin typeface="Arial" panose="020B0604020202020204" pitchFamily="34" charset="0"/>
+              <a:cs typeface="Arial" panose="020B0604020202020204" pitchFamily="34" charset="0"/>
+            </a:rPr>
           </a:br>
           <a:r>
-            <a:rPr lang="de-DE" sz="500" kern="1200" dirty="0"/>
+            <a:rPr lang="de-DE" sz="500" kern="1200" dirty="0">
+              <a:latin typeface="Arial" panose="020B0604020202020204" pitchFamily="34" charset="0"/>
+              <a:cs typeface="Arial" panose="020B0604020202020204" pitchFamily="34" charset="0"/>
+            </a:rPr>
             <a:t>Reflexion des Projektverlaufes </a:t>
           </a:r>
           <a:br>
-            <a:rPr lang="de-DE" sz="500" kern="1200" dirty="0"/>
+            <a:rPr lang="de-DE" sz="500" kern="1200" dirty="0">
+              <a:latin typeface="Arial" panose="020B0604020202020204" pitchFamily="34" charset="0"/>
+              <a:cs typeface="Arial" panose="020B0604020202020204" pitchFamily="34" charset="0"/>
+            </a:rPr>
           </a:br>
           <a:r>
-            <a:rPr lang="de-DE" sz="500" kern="1200" dirty="0"/>
+            <a:rPr lang="de-DE" sz="500" kern="1200" dirty="0">
+              <a:latin typeface="Arial" panose="020B0604020202020204" pitchFamily="34" charset="0"/>
+              <a:cs typeface="Arial" panose="020B0604020202020204" pitchFamily="34" charset="0"/>
+            </a:rPr>
             <a:t>4.1</a:t>
           </a:r>
         </a:p>
       </dsp:txBody>
       <dsp:txXfrm>
-        <a:off x="8698753" y="1719274"/>
-        <a:ext cx="718616" cy="359308"/>
+        <a:off x="8725918" y="1734559"/>
+        <a:ext cx="712192" cy="356096"/>
       </dsp:txXfrm>
     </dsp:sp>
     <dsp:sp modelId="{462D2DBC-8627-48FE-BE19-E416A84AA813}">
@@ -14138,8 +15481,8 @@
       </dsp:nvSpPr>
       <dsp:spPr>
         <a:xfrm>
-          <a:off x="8878407" y="2228910"/>
-          <a:ext cx="718616" cy="359308"/>
+          <a:off x="8903966" y="2239639"/>
+          <a:ext cx="712192" cy="356096"/>
         </a:xfrm>
         <a:prstGeom prst="rect">
           <a:avLst/>
@@ -14200,12 +15543,15 @@
             <a:buFont typeface="+mj-lt"/>
             <a:buNone/>
           </a:pPr>
-          <a:endParaRPr lang="de-DE" sz="500" kern="1200" dirty="0"/>
+          <a:endParaRPr lang="de-DE" sz="500" kern="1200" dirty="0">
+            <a:latin typeface="Arial" panose="020B0604020202020204" pitchFamily="34" charset="0"/>
+            <a:cs typeface="Arial" panose="020B0604020202020204" pitchFamily="34" charset="0"/>
+          </a:endParaRPr>
         </a:p>
       </dsp:txBody>
       <dsp:txXfrm>
-        <a:off x="8878407" y="2228910"/>
-        <a:ext cx="718616" cy="359308"/>
+        <a:off x="8903966" y="2239639"/>
+        <a:ext cx="712192" cy="356096"/>
       </dsp:txXfrm>
     </dsp:sp>
     <dsp:sp modelId="{84F98042-66A1-4177-B0D7-FE262BF5A09B}">
@@ -14215,8 +15561,8 @@
       </dsp:nvSpPr>
       <dsp:spPr>
         <a:xfrm>
-          <a:off x="9568279" y="1718692"/>
-          <a:ext cx="718616" cy="359308"/>
+          <a:off x="9587670" y="1733982"/>
+          <a:ext cx="712192" cy="356096"/>
         </a:xfrm>
         <a:prstGeom prst="rect">
           <a:avLst/>
@@ -14290,28 +15636,43 @@
             <a:buNone/>
           </a:pPr>
           <a:r>
-            <a:rPr lang="de-DE" sz="500" kern="1200" dirty="0"/>
-            <a:t>AP1</a:t>
+            <a:rPr lang="de-DE" sz="500" kern="1200" dirty="0">
+              <a:latin typeface="Arial" panose="020B0604020202020204" pitchFamily="34" charset="0"/>
+              <a:cs typeface="Arial" panose="020B0604020202020204" pitchFamily="34" charset="0"/>
+            </a:rPr>
+            <a:t>AP1.2</a:t>
           </a:r>
           <a:br>
-            <a:rPr lang="de-DE" sz="500" kern="1200" dirty="0"/>
+            <a:rPr lang="de-DE" sz="500" kern="1200" dirty="0">
+              <a:latin typeface="Arial" panose="020B0604020202020204" pitchFamily="34" charset="0"/>
+              <a:cs typeface="Arial" panose="020B0604020202020204" pitchFamily="34" charset="0"/>
+            </a:rPr>
           </a:br>
           <a:r>
-            <a:rPr lang="de-DE" sz="500" kern="1200" dirty="0"/>
+            <a:rPr lang="de-DE" sz="500" kern="1200" dirty="0">
+              <a:latin typeface="Arial" panose="020B0604020202020204" pitchFamily="34" charset="0"/>
+              <a:cs typeface="Arial" panose="020B0604020202020204" pitchFamily="34" charset="0"/>
+            </a:rPr>
             <a:t>Abschlussbericht erstellen</a:t>
           </a:r>
           <a:br>
-            <a:rPr lang="de-DE" sz="500" kern="1200" dirty="0"/>
+            <a:rPr lang="de-DE" sz="500" kern="1200" dirty="0">
+              <a:latin typeface="Arial" panose="020B0604020202020204" pitchFamily="34" charset="0"/>
+              <a:cs typeface="Arial" panose="020B0604020202020204" pitchFamily="34" charset="0"/>
+            </a:rPr>
           </a:br>
           <a:r>
-            <a:rPr lang="de-DE" sz="500" kern="1200" dirty="0"/>
+            <a:rPr lang="de-DE" sz="500" kern="1200" dirty="0">
+              <a:latin typeface="Arial" panose="020B0604020202020204" pitchFamily="34" charset="0"/>
+              <a:cs typeface="Arial" panose="020B0604020202020204" pitchFamily="34" charset="0"/>
+            </a:rPr>
             <a:t>4.2</a:t>
           </a:r>
         </a:p>
       </dsp:txBody>
       <dsp:txXfrm>
-        <a:off x="9568279" y="1718692"/>
-        <a:ext cx="718616" cy="359308"/>
+        <a:off x="9587670" y="1733982"/>
+        <a:ext cx="712192" cy="356096"/>
       </dsp:txXfrm>
     </dsp:sp>
     <dsp:sp modelId="{1CCA141E-EAFA-4044-A567-BABB0D98CD0E}">
@@ -14321,8 +15682,8 @@
       </dsp:nvSpPr>
       <dsp:spPr>
         <a:xfrm>
-          <a:off x="10437805" y="1718692"/>
-          <a:ext cx="718616" cy="359308"/>
+          <a:off x="10449423" y="1733982"/>
+          <a:ext cx="712192" cy="356096"/>
         </a:xfrm>
         <a:prstGeom prst="rect">
           <a:avLst/>
@@ -14396,28 +15757,43 @@
             <a:buNone/>
           </a:pPr>
           <a:r>
-            <a:rPr lang="de-DE" sz="500" kern="1200" dirty="0"/>
-            <a:t>AP1</a:t>
+            <a:rPr lang="de-DE" sz="500" kern="1200" dirty="0">
+              <a:latin typeface="Arial" panose="020B0604020202020204" pitchFamily="34" charset="0"/>
+              <a:cs typeface="Arial" panose="020B0604020202020204" pitchFamily="34" charset="0"/>
+            </a:rPr>
+            <a:t>AP1.3</a:t>
           </a:r>
           <a:br>
-            <a:rPr lang="de-DE" sz="500" kern="1200" dirty="0"/>
+            <a:rPr lang="de-DE" sz="500" kern="1200" dirty="0">
+              <a:latin typeface="Arial" panose="020B0604020202020204" pitchFamily="34" charset="0"/>
+              <a:cs typeface="Arial" panose="020B0604020202020204" pitchFamily="34" charset="0"/>
+            </a:rPr>
           </a:br>
           <a:r>
-            <a:rPr lang="de-DE" sz="500" kern="1200" dirty="0"/>
+            <a:rPr lang="de-DE" sz="500" kern="1200" dirty="0">
+              <a:latin typeface="Arial" panose="020B0604020202020204" pitchFamily="34" charset="0"/>
+              <a:cs typeface="Arial" panose="020B0604020202020204" pitchFamily="34" charset="0"/>
+            </a:rPr>
             <a:t>Vorstellung des Projektergebnisses</a:t>
           </a:r>
           <a:br>
-            <a:rPr lang="de-DE" sz="500" kern="1200" dirty="0"/>
+            <a:rPr lang="de-DE" sz="500" kern="1200" dirty="0">
+              <a:latin typeface="Arial" panose="020B0604020202020204" pitchFamily="34" charset="0"/>
+              <a:cs typeface="Arial" panose="020B0604020202020204" pitchFamily="34" charset="0"/>
+            </a:rPr>
           </a:br>
           <a:r>
-            <a:rPr lang="de-DE" sz="500" kern="1200" dirty="0"/>
+            <a:rPr lang="de-DE" sz="500" kern="1200" dirty="0">
+              <a:latin typeface="Arial" panose="020B0604020202020204" pitchFamily="34" charset="0"/>
+              <a:cs typeface="Arial" panose="020B0604020202020204" pitchFamily="34" charset="0"/>
+            </a:rPr>
             <a:t>4.3</a:t>
           </a:r>
         </a:p>
       </dsp:txBody>
       <dsp:txXfrm>
-        <a:off x="10437805" y="1718692"/>
-        <a:ext cx="718616" cy="359308"/>
+        <a:off x="10449423" y="1733982"/>
+        <a:ext cx="712192" cy="356096"/>
       </dsp:txXfrm>
     </dsp:sp>
     <dsp:sp modelId="{EE39BCCE-39EF-4058-928F-804EC476F385}">
@@ -14427,8 +15803,8 @@
       </dsp:nvSpPr>
       <dsp:spPr>
         <a:xfrm>
-          <a:off x="11307331" y="1718692"/>
-          <a:ext cx="718616" cy="359308"/>
+          <a:off x="11311175" y="1733982"/>
+          <a:ext cx="712192" cy="356096"/>
         </a:xfrm>
         <a:prstGeom prst="rect">
           <a:avLst/>
@@ -14502,29 +15878,43 @@
             <a:buNone/>
           </a:pPr>
           <a:r>
-            <a:rPr lang="de-DE" sz="500" kern="1200" dirty="0"/>
-            <a:t>AP1</a:t>
+            <a:rPr lang="de-DE" sz="500" kern="1200" dirty="0">
+              <a:latin typeface="Arial" panose="020B0604020202020204" pitchFamily="34" charset="0"/>
+              <a:cs typeface="Arial" panose="020B0604020202020204" pitchFamily="34" charset="0"/>
+            </a:rPr>
+            <a:t>AP1.4</a:t>
           </a:r>
           <a:br>
-            <a:rPr lang="de-DE" sz="500" kern="1200" dirty="0"/>
+            <a:rPr lang="de-DE" sz="500" kern="1200" dirty="0">
+              <a:latin typeface="Arial" panose="020B0604020202020204" pitchFamily="34" charset="0"/>
+              <a:cs typeface="Arial" panose="020B0604020202020204" pitchFamily="34" charset="0"/>
+            </a:rPr>
           </a:br>
           <a:r>
-            <a:rPr lang="de-DE" sz="500" kern="1200" dirty="0"/>
+            <a:rPr lang="de-DE" sz="500" kern="1200" dirty="0">
+              <a:latin typeface="Arial" panose="020B0604020202020204" pitchFamily="34" charset="0"/>
+              <a:cs typeface="Arial" panose="020B0604020202020204" pitchFamily="34" charset="0"/>
+            </a:rPr>
             <a:t>Abnahme der App</a:t>
           </a:r>
           <a:br>
-            <a:rPr lang="de-DE" sz="500" kern="1200"/>
+            <a:rPr lang="de-DE" sz="500" kern="1200" dirty="0">
+              <a:latin typeface="Arial" panose="020B0604020202020204" pitchFamily="34" charset="0"/>
+              <a:cs typeface="Arial" panose="020B0604020202020204" pitchFamily="34" charset="0"/>
+            </a:rPr>
           </a:br>
           <a:r>
-            <a:rPr lang="de-DE" sz="500" kern="1200"/>
+            <a:rPr lang="de-DE" sz="500" kern="1200" dirty="0">
+              <a:latin typeface="Arial" panose="020B0604020202020204" pitchFamily="34" charset="0"/>
+              <a:cs typeface="Arial" panose="020B0604020202020204" pitchFamily="34" charset="0"/>
+            </a:rPr>
             <a:t>4.4</a:t>
           </a:r>
-          <a:endParaRPr lang="de-DE" sz="500" kern="1200" dirty="0"/>
         </a:p>
       </dsp:txBody>
       <dsp:txXfrm>
-        <a:off x="11307331" y="1718692"/>
-        <a:ext cx="718616" cy="359308"/>
+        <a:off x="11311175" y="1733982"/>
+        <a:ext cx="712192" cy="356096"/>
       </dsp:txXfrm>
     </dsp:sp>
   </dsp:spTree>
@@ -19938,7 +21328,7 @@
           <p:nvPr>
             <p:extLst>
               <p:ext uri="{D42A27DB-BD31-4B8C-83A1-F6EECF244321}">
-                <p14:modId xmlns:p14="http://schemas.microsoft.com/office/powerpoint/2010/main" val="2317286510"/>
+                <p14:modId xmlns:p14="http://schemas.microsoft.com/office/powerpoint/2010/main" val="3876962880"/>
               </p:ext>
             </p:extLst>
           </p:nvPr>
@@ -19967,7 +21357,7 @@
         </p:nvSpPr>
         <p:spPr>
           <a:xfrm>
-            <a:off x="8805917" y="2087765"/>
+            <a:off x="8840282" y="2101811"/>
             <a:ext cx="1093694" cy="576000"/>
           </a:xfrm>
           <a:prstGeom prst="rect">
